--- a/src/main/webapp/sym/syme-intro.pptx
+++ b/src/main/webapp/sym/syme-intro.pptx
@@ -2886,7 +2886,7 @@
       </p:pic>
       <p:sp>
         <p:nvSpPr>
-          <p:cNvPr id="7" name="Sym  社区系统商业版"/>
+          <p:cNvPr id="7" name="Sym社区系统商业版"/>
           <p:cNvSpPr txBox="1"/>
           <p:nvPr/>
         </p:nvSpPr>
@@ -2928,7 +2928,7 @@
               </a:defRPr>
             </a:pPr>
             <a:r>
-              <a:t>Sym  </a:t>
+              <a:t>Sym</a:t>
             </a:r>
             <a:r>
               <a:t>社区系统商业版</a:t>
@@ -3832,7 +3832,7 @@
         </p:blipFill>
         <p:spPr>
           <a:xfrm>
-            <a:off x="1427958" y="2456462"/>
+            <a:off x="1756442" y="2456462"/>
             <a:ext cx="1588524" cy="1588524"/>
           </a:xfrm>
           <a:prstGeom prst="rect">
@@ -3848,14 +3848,14 @@
       </p:pic>
       <p:sp>
         <p:nvSpPr>
-          <p:cNvPr id="135" name="Sym  社区系统商业版"/>
+          <p:cNvPr id="135" name="Sym社区系统商业版"/>
           <p:cNvSpPr txBox="1"/>
           <p:nvPr/>
         </p:nvSpPr>
         <p:spPr>
           <a:xfrm>
-            <a:off x="3801777" y="2816553"/>
-            <a:ext cx="7625589" cy="892048"/>
+            <a:off x="4130261" y="2816553"/>
+            <a:ext cx="7118097" cy="892048"/>
           </a:xfrm>
           <a:prstGeom prst="rect">
             <a:avLst/>
@@ -3890,7 +3890,7 @@
               </a:defRPr>
             </a:pPr>
             <a:r>
-              <a:t>Sym  </a:t>
+              <a:t>Sym</a:t>
             </a:r>
             <a:r>
               <a:t>社区系统商业版</a:t>

--- a/src/main/webapp/sym/syme-intro.pptx
+++ b/src/main/webapp/sym/syme-intro.pptx
@@ -1,39 +1,39 @@
 
 <file path=ppt/presentation.xml><?xml version="1.0" encoding="utf-8"?>
-<p:presentation xmlns:a="http://schemas.openxmlformats.org/drawingml/2006/main" xmlns:r="http://schemas.openxmlformats.org/officeDocument/2006/relationships" xmlns:p="http://schemas.openxmlformats.org/presentationml/2006/main" xmlns:m="http://schemas.openxmlformats.org/officeDocument/2006/math" xmlns:a14="http://schemas.microsoft.com/office/drawing/2010/main">
+<p:presentation xmlns:a="http://schemas.openxmlformats.org/drawingml/2006/main" xmlns:r="http://schemas.openxmlformats.org/officeDocument/2006/relationships" xmlns:p="http://schemas.openxmlformats.org/presentationml/2006/main">
   <p:sldMasterIdLst>
-    <p:sldMasterId id="2147483648" r:id="rId5"/>
+    <p:sldMasterId id="2147483648" r:id="rId1"/>
   </p:sldMasterIdLst>
   <p:notesMasterIdLst>
-    <p:notesMasterId r:id="rId7"/>
+    <p:notesMasterId r:id="rId29"/>
   </p:notesMasterIdLst>
   <p:sldIdLst>
-    <p:sldId id="256" r:id="rId8"/>
-    <p:sldId id="257" r:id="rId9"/>
-    <p:sldId id="258" r:id="rId10"/>
-    <p:sldId id="259" r:id="rId11"/>
-    <p:sldId id="260" r:id="rId12"/>
-    <p:sldId id="261" r:id="rId13"/>
-    <p:sldId id="262" r:id="rId14"/>
-    <p:sldId id="263" r:id="rId15"/>
-    <p:sldId id="264" r:id="rId16"/>
-    <p:sldId id="265" r:id="rId17"/>
-    <p:sldId id="266" r:id="rId18"/>
-    <p:sldId id="267" r:id="rId19"/>
-    <p:sldId id="268" r:id="rId20"/>
-    <p:sldId id="269" r:id="rId21"/>
-    <p:sldId id="270" r:id="rId22"/>
-    <p:sldId id="271" r:id="rId23"/>
-    <p:sldId id="272" r:id="rId24"/>
-    <p:sldId id="273" r:id="rId25"/>
-    <p:sldId id="274" r:id="rId26"/>
-    <p:sldId id="275" r:id="rId27"/>
-    <p:sldId id="276" r:id="rId28"/>
-    <p:sldId id="277" r:id="rId29"/>
-    <p:sldId id="278" r:id="rId30"/>
-    <p:sldId id="279" r:id="rId31"/>
-    <p:sldId id="280" r:id="rId32"/>
-    <p:sldId id="281" r:id="rId33"/>
+    <p:sldId id="256" r:id="rId3"/>
+    <p:sldId id="257" r:id="rId4"/>
+    <p:sldId id="258" r:id="rId5"/>
+    <p:sldId id="259" r:id="rId6"/>
+    <p:sldId id="260" r:id="rId7"/>
+    <p:sldId id="261" r:id="rId8"/>
+    <p:sldId id="262" r:id="rId9"/>
+    <p:sldId id="263" r:id="rId10"/>
+    <p:sldId id="264" r:id="rId11"/>
+    <p:sldId id="265" r:id="rId12"/>
+    <p:sldId id="266" r:id="rId13"/>
+    <p:sldId id="267" r:id="rId14"/>
+    <p:sldId id="268" r:id="rId15"/>
+    <p:sldId id="269" r:id="rId16"/>
+    <p:sldId id="270" r:id="rId17"/>
+    <p:sldId id="271" r:id="rId18"/>
+    <p:sldId id="272" r:id="rId19"/>
+    <p:sldId id="273" r:id="rId20"/>
+    <p:sldId id="274" r:id="rId21"/>
+    <p:sldId id="275" r:id="rId22"/>
+    <p:sldId id="276" r:id="rId23"/>
+    <p:sldId id="277" r:id="rId24"/>
+    <p:sldId id="278" r:id="rId25"/>
+    <p:sldId id="279" r:id="rId26"/>
+    <p:sldId id="280" r:id="rId27"/>
+    <p:sldId id="281" r:id="rId28"/>
   </p:sldIdLst>
   <p:sldSz cx="13004800" cy="9753600"/>
   <p:notesSz cx="6858000" cy="9144000"/>
@@ -52,8 +52,7 @@
       <a:buSzTx/>
       <a:buFontTx/>
       <a:buNone/>
-      <a:tabLst/>
-      <a:defRPr b="0" baseline="0" cap="none" i="0" spc="0" strike="noStrike" sz="1800" u="none" kumimoji="0" normalizeH="0">
+      <a:defRPr kumimoji="0" sz="1800" b="0" i="0" u="none" strike="noStrike" cap="none" spc="0" normalizeH="0" baseline="0">
         <a:ln>
           <a:noFill/>
         </a:ln>
@@ -78,8 +77,7 @@
       <a:buSzTx/>
       <a:buFontTx/>
       <a:buNone/>
-      <a:tabLst/>
-      <a:defRPr b="0" baseline="0" cap="none" i="0" spc="0" strike="noStrike" sz="2400" u="none" kumimoji="0" normalizeH="0">
+      <a:defRPr kumimoji="0" sz="2400" b="0" i="0" u="none" strike="noStrike" cap="none" spc="0" normalizeH="0" baseline="0">
         <a:ln>
           <a:noFill/>
         </a:ln>
@@ -91,7 +89,7 @@
         <a:latin typeface="+mj-lt"/>
         <a:ea typeface="+mj-ea"/>
         <a:cs typeface="+mj-cs"/>
-        <a:sym typeface="Franklin Gothic Book"/>
+        <a:sym typeface="Franklin Gothic Book" panose="020B0503020102020204"/>
       </a:defRPr>
     </a:lvl1pPr>
     <a:lvl2pPr marL="0" marR="0" indent="457200" algn="l" defTabSz="1300480" rtl="0" fontAlgn="auto" latinLnBrk="0" hangingPunct="0">
@@ -108,8 +106,7 @@
       <a:buSzTx/>
       <a:buFontTx/>
       <a:buNone/>
-      <a:tabLst/>
-      <a:defRPr b="0" baseline="0" cap="none" i="0" spc="0" strike="noStrike" sz="2400" u="none" kumimoji="0" normalizeH="0">
+      <a:defRPr kumimoji="0" sz="2400" b="0" i="0" u="none" strike="noStrike" cap="none" spc="0" normalizeH="0" baseline="0">
         <a:ln>
           <a:noFill/>
         </a:ln>
@@ -121,7 +118,7 @@
         <a:latin typeface="+mj-lt"/>
         <a:ea typeface="+mj-ea"/>
         <a:cs typeface="+mj-cs"/>
-        <a:sym typeface="Franklin Gothic Book"/>
+        <a:sym typeface="Franklin Gothic Book" panose="020B0503020102020204"/>
       </a:defRPr>
     </a:lvl2pPr>
     <a:lvl3pPr marL="0" marR="0" indent="914400" algn="l" defTabSz="1300480" rtl="0" fontAlgn="auto" latinLnBrk="0" hangingPunct="0">
@@ -138,8 +135,7 @@
       <a:buSzTx/>
       <a:buFontTx/>
       <a:buNone/>
-      <a:tabLst/>
-      <a:defRPr b="0" baseline="0" cap="none" i="0" spc="0" strike="noStrike" sz="2400" u="none" kumimoji="0" normalizeH="0">
+      <a:defRPr kumimoji="0" sz="2400" b="0" i="0" u="none" strike="noStrike" cap="none" spc="0" normalizeH="0" baseline="0">
         <a:ln>
           <a:noFill/>
         </a:ln>
@@ -151,7 +147,7 @@
         <a:latin typeface="+mj-lt"/>
         <a:ea typeface="+mj-ea"/>
         <a:cs typeface="+mj-cs"/>
-        <a:sym typeface="Franklin Gothic Book"/>
+        <a:sym typeface="Franklin Gothic Book" panose="020B0503020102020204"/>
       </a:defRPr>
     </a:lvl3pPr>
     <a:lvl4pPr marL="0" marR="0" indent="1371600" algn="l" defTabSz="1300480" rtl="0" fontAlgn="auto" latinLnBrk="0" hangingPunct="0">
@@ -168,8 +164,7 @@
       <a:buSzTx/>
       <a:buFontTx/>
       <a:buNone/>
-      <a:tabLst/>
-      <a:defRPr b="0" baseline="0" cap="none" i="0" spc="0" strike="noStrike" sz="2400" u="none" kumimoji="0" normalizeH="0">
+      <a:defRPr kumimoji="0" sz="2400" b="0" i="0" u="none" strike="noStrike" cap="none" spc="0" normalizeH="0" baseline="0">
         <a:ln>
           <a:noFill/>
         </a:ln>
@@ -181,7 +176,7 @@
         <a:latin typeface="+mj-lt"/>
         <a:ea typeface="+mj-ea"/>
         <a:cs typeface="+mj-cs"/>
-        <a:sym typeface="Franklin Gothic Book"/>
+        <a:sym typeface="Franklin Gothic Book" panose="020B0503020102020204"/>
       </a:defRPr>
     </a:lvl4pPr>
     <a:lvl5pPr marL="0" marR="0" indent="1828800" algn="l" defTabSz="1300480" rtl="0" fontAlgn="auto" latinLnBrk="0" hangingPunct="0">
@@ -198,8 +193,7 @@
       <a:buSzTx/>
       <a:buFontTx/>
       <a:buNone/>
-      <a:tabLst/>
-      <a:defRPr b="0" baseline="0" cap="none" i="0" spc="0" strike="noStrike" sz="2400" u="none" kumimoji="0" normalizeH="0">
+      <a:defRPr kumimoji="0" sz="2400" b="0" i="0" u="none" strike="noStrike" cap="none" spc="0" normalizeH="0" baseline="0">
         <a:ln>
           <a:noFill/>
         </a:ln>
@@ -211,7 +205,7 @@
         <a:latin typeface="+mj-lt"/>
         <a:ea typeface="+mj-ea"/>
         <a:cs typeface="+mj-cs"/>
-        <a:sym typeface="Franklin Gothic Book"/>
+        <a:sym typeface="Franklin Gothic Book" panose="020B0503020102020204"/>
       </a:defRPr>
     </a:lvl5pPr>
     <a:lvl6pPr marL="0" marR="0" indent="2286000" algn="l" defTabSz="1300480" rtl="0" fontAlgn="auto" latinLnBrk="0" hangingPunct="0">
@@ -228,8 +222,7 @@
       <a:buSzTx/>
       <a:buFontTx/>
       <a:buNone/>
-      <a:tabLst/>
-      <a:defRPr b="0" baseline="0" cap="none" i="0" spc="0" strike="noStrike" sz="2400" u="none" kumimoji="0" normalizeH="0">
+      <a:defRPr kumimoji="0" sz="2400" b="0" i="0" u="none" strike="noStrike" cap="none" spc="0" normalizeH="0" baseline="0">
         <a:ln>
           <a:noFill/>
         </a:ln>
@@ -241,7 +234,7 @@
         <a:latin typeface="+mj-lt"/>
         <a:ea typeface="+mj-ea"/>
         <a:cs typeface="+mj-cs"/>
-        <a:sym typeface="Franklin Gothic Book"/>
+        <a:sym typeface="Franklin Gothic Book" panose="020B0503020102020204"/>
       </a:defRPr>
     </a:lvl6pPr>
     <a:lvl7pPr marL="0" marR="0" indent="2743200" algn="l" defTabSz="1300480" rtl="0" fontAlgn="auto" latinLnBrk="0" hangingPunct="0">
@@ -258,8 +251,7 @@
       <a:buSzTx/>
       <a:buFontTx/>
       <a:buNone/>
-      <a:tabLst/>
-      <a:defRPr b="0" baseline="0" cap="none" i="0" spc="0" strike="noStrike" sz="2400" u="none" kumimoji="0" normalizeH="0">
+      <a:defRPr kumimoji="0" sz="2400" b="0" i="0" u="none" strike="noStrike" cap="none" spc="0" normalizeH="0" baseline="0">
         <a:ln>
           <a:noFill/>
         </a:ln>
@@ -271,7 +263,7 @@
         <a:latin typeface="+mj-lt"/>
         <a:ea typeface="+mj-ea"/>
         <a:cs typeface="+mj-cs"/>
-        <a:sym typeface="Franklin Gothic Book"/>
+        <a:sym typeface="Franklin Gothic Book" panose="020B0503020102020204"/>
       </a:defRPr>
     </a:lvl7pPr>
     <a:lvl8pPr marL="0" marR="0" indent="3200400" algn="l" defTabSz="1300480" rtl="0" fontAlgn="auto" latinLnBrk="0" hangingPunct="0">
@@ -288,8 +280,7 @@
       <a:buSzTx/>
       <a:buFontTx/>
       <a:buNone/>
-      <a:tabLst/>
-      <a:defRPr b="0" baseline="0" cap="none" i="0" spc="0" strike="noStrike" sz="2400" u="none" kumimoji="0" normalizeH="0">
+      <a:defRPr kumimoji="0" sz="2400" b="0" i="0" u="none" strike="noStrike" cap="none" spc="0" normalizeH="0" baseline="0">
         <a:ln>
           <a:noFill/>
         </a:ln>
@@ -301,7 +292,7 @@
         <a:latin typeface="+mj-lt"/>
         <a:ea typeface="+mj-ea"/>
         <a:cs typeface="+mj-cs"/>
-        <a:sym typeface="Franklin Gothic Book"/>
+        <a:sym typeface="Franklin Gothic Book" panose="020B0503020102020204"/>
       </a:defRPr>
     </a:lvl8pPr>
     <a:lvl9pPr marL="0" marR="0" indent="3657600" algn="l" defTabSz="1300480" rtl="0" fontAlgn="auto" latinLnBrk="0" hangingPunct="0">
@@ -318,8 +309,7 @@
       <a:buSzTx/>
       <a:buFontTx/>
       <a:buNone/>
-      <a:tabLst/>
-      <a:defRPr b="0" baseline="0" cap="none" i="0" spc="0" strike="noStrike" sz="2400" u="none" kumimoji="0" normalizeH="0">
+      <a:defRPr kumimoji="0" sz="2400" b="0" i="0" u="none" strike="noStrike" cap="none" spc="0" normalizeH="0" baseline="0">
         <a:ln>
           <a:noFill/>
         </a:ln>
@@ -331,20 +321,21 @@
         <a:latin typeface="+mj-lt"/>
         <a:ea typeface="+mj-ea"/>
         <a:cs typeface="+mj-cs"/>
-        <a:sym typeface="Franklin Gothic Book"/>
+        <a:sym typeface="Franklin Gothic Book" panose="020B0503020102020204"/>
       </a:defRPr>
     </a:lvl9pPr>
   </p:defaultTextStyle>
 </p:presentation>
 </file>
 
-<file path=ppt/commentAuthors.xml><?xml version="1.0" encoding="utf-8"?>
-<p:cmAuthorLst xmlns:a="http://schemas.openxmlformats.org/drawingml/2006/main" xmlns:r="http://schemas.openxmlformats.org/officeDocument/2006/relationships" xmlns:p="http://schemas.openxmlformats.org/presentationml/2006/main" xmlns:m="http://schemas.openxmlformats.org/officeDocument/2006/math" xmlns:a14="http://schemas.microsoft.com/office/drawing/2010/main"/>
-</file>
-
 <file path=ppt/notesMasters/notesMaster1.xml><?xml version="1.0" encoding="utf-8"?>
-<p:notesMaster xmlns:a="http://schemas.openxmlformats.org/drawingml/2006/main" xmlns:r="http://schemas.openxmlformats.org/officeDocument/2006/relationships" xmlns:p="http://schemas.openxmlformats.org/presentationml/2006/main" xmlns:m="http://schemas.openxmlformats.org/officeDocument/2006/math" xmlns:a14="http://schemas.microsoft.com/office/drawing/2010/main">
+<p:notesMaster xmlns:a="http://schemas.openxmlformats.org/drawingml/2006/main" xmlns:r="http://schemas.openxmlformats.org/officeDocument/2006/relationships" xmlns:p="http://schemas.openxmlformats.org/presentationml/2006/main">
   <p:cSld>
+    <p:bg>
+      <p:bgRef idx="1001">
+        <a:schemeClr val="bg1"/>
+      </p:bgRef>
+    </p:bg>
     <p:spTree>
       <p:nvGrpSpPr>
         <p:cNvPr id="1" name=""/>
@@ -379,9 +370,7 @@
         <p:txBody>
           <a:bodyPr/>
           <a:lstStyle/>
-          <a:p>
-            <a:pPr/>
-          </a:p>
+          <a:p/>
         </p:txBody>
       </p:sp>
       <p:sp>
@@ -404,9 +393,7 @@
         <p:txBody>
           <a:bodyPr/>
           <a:lstStyle/>
-          <a:p>
-            <a:pPr/>
-          </a:p>
+          <a:p/>
         </p:txBody>
       </p:sp>
     </p:spTree>
@@ -418,7 +405,7 @@
         <a:latin typeface="+mj-lt"/>
         <a:ea typeface="+mj-ea"/>
         <a:cs typeface="+mj-cs"/>
-        <a:sym typeface="Franklin Gothic Book"/>
+        <a:sym typeface="Franklin Gothic Book" panose="020B0503020102020204"/>
       </a:defRPr>
     </a:lvl1pPr>
     <a:lvl2pPr indent="228600" defTabSz="1300480" latinLnBrk="0">
@@ -426,7 +413,7 @@
         <a:latin typeface="+mj-lt"/>
         <a:ea typeface="+mj-ea"/>
         <a:cs typeface="+mj-cs"/>
-        <a:sym typeface="Franklin Gothic Book"/>
+        <a:sym typeface="Franklin Gothic Book" panose="020B0503020102020204"/>
       </a:defRPr>
     </a:lvl2pPr>
     <a:lvl3pPr indent="457200" defTabSz="1300480" latinLnBrk="0">
@@ -434,7 +421,7 @@
         <a:latin typeface="+mj-lt"/>
         <a:ea typeface="+mj-ea"/>
         <a:cs typeface="+mj-cs"/>
-        <a:sym typeface="Franklin Gothic Book"/>
+        <a:sym typeface="Franklin Gothic Book" panose="020B0503020102020204"/>
       </a:defRPr>
     </a:lvl3pPr>
     <a:lvl4pPr indent="685800" defTabSz="1300480" latinLnBrk="0">
@@ -442,7 +429,7 @@
         <a:latin typeface="+mj-lt"/>
         <a:ea typeface="+mj-ea"/>
         <a:cs typeface="+mj-cs"/>
-        <a:sym typeface="Franklin Gothic Book"/>
+        <a:sym typeface="Franklin Gothic Book" panose="020B0503020102020204"/>
       </a:defRPr>
     </a:lvl4pPr>
     <a:lvl5pPr indent="914400" defTabSz="1300480" latinLnBrk="0">
@@ -450,7 +437,7 @@
         <a:latin typeface="+mj-lt"/>
         <a:ea typeface="+mj-ea"/>
         <a:cs typeface="+mj-cs"/>
-        <a:sym typeface="Franklin Gothic Book"/>
+        <a:sym typeface="Franklin Gothic Book" panose="020B0503020102020204"/>
       </a:defRPr>
     </a:lvl5pPr>
     <a:lvl6pPr indent="1143000" defTabSz="1300480" latinLnBrk="0">
@@ -458,7 +445,7 @@
         <a:latin typeface="+mj-lt"/>
         <a:ea typeface="+mj-ea"/>
         <a:cs typeface="+mj-cs"/>
-        <a:sym typeface="Franklin Gothic Book"/>
+        <a:sym typeface="Franklin Gothic Book" panose="020B0503020102020204"/>
       </a:defRPr>
     </a:lvl6pPr>
     <a:lvl7pPr indent="1371600" defTabSz="1300480" latinLnBrk="0">
@@ -466,7 +453,7 @@
         <a:latin typeface="+mj-lt"/>
         <a:ea typeface="+mj-ea"/>
         <a:cs typeface="+mj-cs"/>
-        <a:sym typeface="Franklin Gothic Book"/>
+        <a:sym typeface="Franklin Gothic Book" panose="020B0503020102020204"/>
       </a:defRPr>
     </a:lvl7pPr>
     <a:lvl8pPr indent="1600200" defTabSz="1300480" latinLnBrk="0">
@@ -474,7 +461,7 @@
         <a:latin typeface="+mj-lt"/>
         <a:ea typeface="+mj-ea"/>
         <a:cs typeface="+mj-cs"/>
-        <a:sym typeface="Franklin Gothic Book"/>
+        <a:sym typeface="Franklin Gothic Book" panose="020B0503020102020204"/>
       </a:defRPr>
     </a:lvl8pPr>
     <a:lvl9pPr indent="1828800" defTabSz="1300480" latinLnBrk="0">
@@ -482,7 +469,7 @@
         <a:latin typeface="+mj-lt"/>
         <a:ea typeface="+mj-ea"/>
         <a:cs typeface="+mj-cs"/>
-        <a:sym typeface="Franklin Gothic Book"/>
+        <a:sym typeface="Franklin Gothic Book" panose="020B0503020102020204"/>
       </a:defRPr>
     </a:lvl9pPr>
   </p:notesStyle>
@@ -490,7 +477,7 @@
 </file>
 
 <file path=ppt/slideLayouts/slideLayout1.xml><?xml version="1.0" encoding="utf-8"?>
-<p:sldLayout xmlns:a="http://schemas.openxmlformats.org/drawingml/2006/main" xmlns:r="http://schemas.openxmlformats.org/officeDocument/2006/relationships" xmlns:p="http://schemas.openxmlformats.org/presentationml/2006/main" xmlns:m="http://schemas.openxmlformats.org/officeDocument/2006/math" xmlns:a14="http://schemas.microsoft.com/office/drawing/2010/main" type="title" showMasterSp="0" showMasterPhAnim="1">
+<p:sldLayout xmlns:a="http://schemas.openxmlformats.org/drawingml/2006/main" xmlns:r="http://schemas.openxmlformats.org/officeDocument/2006/relationships" xmlns:p="http://schemas.openxmlformats.org/presentationml/2006/main" type="title" showMasterSp="0">
   <p:cSld name="标题幻灯片">
     <p:spTree>
       <p:nvGrpSpPr>
@@ -511,7 +498,7 @@
           <p:cNvPr id="15" name="标题文本"/>
           <p:cNvSpPr txBox="1"/>
           <p:nvPr>
-            <p:ph type="title"/>
+            <p:ph type="title" hasCustomPrompt="1"/>
           </p:nvPr>
         </p:nvSpPr>
         <p:spPr>
@@ -527,11 +514,10 @@
           <a:bodyPr/>
           <a:lstStyle>
             <a:lvl1pPr algn="ctr">
-              <a:defRPr b="1" sz="6200"/>
+              <a:defRPr sz="6200" b="1"/>
             </a:lvl1pPr>
           </a:lstStyle>
           <a:p>
-            <a:pPr/>
             <a:r>
               <a:t>标题文本</a:t>
             </a:r>
@@ -543,7 +529,7 @@
           <p:cNvPr id="16" name="正文级别 1…"/>
           <p:cNvSpPr txBox="1"/>
           <p:nvPr>
-            <p:ph type="body" sz="quarter" idx="1"/>
+            <p:ph type="body" sz="quarter" idx="1" hasCustomPrompt="1"/>
           </p:nvPr>
         </p:nvSpPr>
         <p:spPr>
@@ -610,7 +596,6 @@
             </a:lvl5pPr>
           </a:lstStyle>
           <a:p>
-            <a:pPr/>
             <a:r>
               <a:t>正文级别 1</a:t>
             </a:r>
@@ -658,8 +643,10 @@
           <a:bodyPr/>
           <a:lstStyle/>
           <a:p>
-            <a:pPr/>
-            <a:fld id="{86CB4B4D-7CA3-9044-876B-883B54F8677D}" type="slidenum"/>
+            <a:fld id="{86CB4B4D-7CA3-9044-876B-883B54F8677D}" type="slidenum">
+              <a:rPr/>
+            </a:fld>
+            <a:endParaRPr/>
           </a:p>
         </p:txBody>
       </p:sp>
@@ -668,12 +655,12 @@
   <p:clrMapOvr>
     <a:masterClrMapping/>
   </p:clrMapOvr>
-  <p:transition xmlns:p14="http://schemas.microsoft.com/office/powerpoint/2010/main" spd="med" advClick="1"/>
+  <p:transition spd="med"/>
 </p:sldLayout>
 </file>
 
 <file path=ppt/slideLayouts/slideLayout10.xml><?xml version="1.0" encoding="utf-8"?>
-<p:sldLayout xmlns:a="http://schemas.openxmlformats.org/drawingml/2006/main" xmlns:r="http://schemas.openxmlformats.org/officeDocument/2006/relationships" xmlns:p="http://schemas.openxmlformats.org/presentationml/2006/main" xmlns:m="http://schemas.openxmlformats.org/officeDocument/2006/math" xmlns:a14="http://schemas.microsoft.com/office/drawing/2010/main" type="tx" showMasterSp="0" showMasterPhAnim="1">
+<p:sldLayout xmlns:a="http://schemas.openxmlformats.org/drawingml/2006/main" xmlns:r="http://schemas.openxmlformats.org/officeDocument/2006/relationships" xmlns:p="http://schemas.openxmlformats.org/presentationml/2006/main" type="tx" showMasterSp="0">
   <p:cSld name="标题和竖排文字">
     <p:spTree>
       <p:nvGrpSpPr>
@@ -694,7 +681,7 @@
           <p:cNvPr id="96" name="标题文本"/>
           <p:cNvSpPr txBox="1"/>
           <p:nvPr>
-            <p:ph type="title"/>
+            <p:ph type="title" hasCustomPrompt="1"/>
           </p:nvPr>
         </p:nvSpPr>
         <p:spPr>
@@ -710,11 +697,10 @@
           <a:bodyPr/>
           <a:lstStyle>
             <a:lvl1pPr algn="ctr">
-              <a:defRPr b="1" sz="6200"/>
+              <a:defRPr sz="6200" b="1"/>
             </a:lvl1pPr>
           </a:lstStyle>
           <a:p>
-            <a:pPr/>
             <a:r>
               <a:t>标题文本</a:t>
             </a:r>
@@ -726,7 +712,7 @@
           <p:cNvPr id="97" name="正文级别 1…"/>
           <p:cNvSpPr txBox="1"/>
           <p:nvPr>
-            <p:ph type="body" idx="1"/>
+            <p:ph type="body" idx="1" hasCustomPrompt="1"/>
           </p:nvPr>
         </p:nvSpPr>
         <p:spPr>
@@ -741,7 +727,7 @@
         <p:txBody>
           <a:bodyPr/>
           <a:lstStyle>
-            <a:lvl1pPr marL="471487" indent="-471487">
+            <a:lvl1pPr marL="471170" indent="-471170">
               <a:defRPr sz="4400"/>
             </a:lvl1pPr>
             <a:lvl2pPr>
@@ -758,7 +744,6 @@
             </a:lvl5pPr>
           </a:lstStyle>
           <a:p>
-            <a:pPr/>
             <a:r>
               <a:t>正文级别 1</a:t>
             </a:r>
@@ -806,8 +791,10 @@
           <a:bodyPr/>
           <a:lstStyle/>
           <a:p>
-            <a:pPr/>
-            <a:fld id="{86CB4B4D-7CA3-9044-876B-883B54F8677D}" type="slidenum"/>
+            <a:fld id="{86CB4B4D-7CA3-9044-876B-883B54F8677D}" type="slidenum">
+              <a:rPr/>
+            </a:fld>
+            <a:endParaRPr/>
           </a:p>
         </p:txBody>
       </p:sp>
@@ -816,12 +803,12 @@
   <p:clrMapOvr>
     <a:masterClrMapping/>
   </p:clrMapOvr>
-  <p:transition xmlns:p14="http://schemas.microsoft.com/office/powerpoint/2010/main" spd="med" advClick="1"/>
+  <p:transition spd="med"/>
 </p:sldLayout>
 </file>
 
 <file path=ppt/slideLayouts/slideLayout11.xml><?xml version="1.0" encoding="utf-8"?>
-<p:sldLayout xmlns:a="http://schemas.openxmlformats.org/drawingml/2006/main" xmlns:r="http://schemas.openxmlformats.org/officeDocument/2006/relationships" xmlns:p="http://schemas.openxmlformats.org/presentationml/2006/main" xmlns:m="http://schemas.openxmlformats.org/officeDocument/2006/math" xmlns:a14="http://schemas.microsoft.com/office/drawing/2010/main" type="tx" showMasterSp="0" showMasterPhAnim="1">
+<p:sldLayout xmlns:a="http://schemas.openxmlformats.org/drawingml/2006/main" xmlns:r="http://schemas.openxmlformats.org/officeDocument/2006/relationships" xmlns:p="http://schemas.openxmlformats.org/presentationml/2006/main" type="tx" showMasterSp="0">
   <p:cSld name="垂直排列标题与文本">
     <p:spTree>
       <p:nvGrpSpPr>
@@ -842,7 +829,7 @@
           <p:cNvPr id="105" name="标题文本"/>
           <p:cNvSpPr txBox="1"/>
           <p:nvPr>
-            <p:ph type="title"/>
+            <p:ph type="title" hasCustomPrompt="1"/>
           </p:nvPr>
         </p:nvSpPr>
         <p:spPr>
@@ -858,11 +845,10 @@
           <a:bodyPr/>
           <a:lstStyle>
             <a:lvl1pPr algn="ctr">
-              <a:defRPr b="1" sz="6200"/>
+              <a:defRPr sz="6200" b="1"/>
             </a:lvl1pPr>
           </a:lstStyle>
           <a:p>
-            <a:pPr/>
             <a:r>
               <a:t>标题文本</a:t>
             </a:r>
@@ -874,7 +860,7 @@
           <p:cNvPr id="106" name="正文级别 1…"/>
           <p:cNvSpPr txBox="1"/>
           <p:nvPr>
-            <p:ph type="body" idx="1"/>
+            <p:ph type="body" idx="1" hasCustomPrompt="1"/>
           </p:nvPr>
         </p:nvSpPr>
         <p:spPr>
@@ -889,7 +875,7 @@
         <p:txBody>
           <a:bodyPr/>
           <a:lstStyle>
-            <a:lvl1pPr marL="471487" indent="-471487">
+            <a:lvl1pPr marL="471170" indent="-471170">
               <a:defRPr sz="4400"/>
             </a:lvl1pPr>
             <a:lvl2pPr>
@@ -906,7 +892,6 @@
             </a:lvl5pPr>
           </a:lstStyle>
           <a:p>
-            <a:pPr/>
             <a:r>
               <a:t>正文级别 1</a:t>
             </a:r>
@@ -954,8 +939,10 @@
           <a:bodyPr/>
           <a:lstStyle/>
           <a:p>
-            <a:pPr/>
-            <a:fld id="{86CB4B4D-7CA3-9044-876B-883B54F8677D}" type="slidenum"/>
+            <a:fld id="{86CB4B4D-7CA3-9044-876B-883B54F8677D}" type="slidenum">
+              <a:rPr/>
+            </a:fld>
+            <a:endParaRPr/>
           </a:p>
         </p:txBody>
       </p:sp>
@@ -964,18 +951,19 @@
   <p:clrMapOvr>
     <a:masterClrMapping/>
   </p:clrMapOvr>
-  <p:transition xmlns:p14="http://schemas.microsoft.com/office/powerpoint/2010/main" spd="med" advClick="1"/>
+  <p:transition spd="med"/>
 </p:sldLayout>
 </file>
 
 <file path=ppt/slideLayouts/slideLayout12.xml><?xml version="1.0" encoding="utf-8"?>
-<p:sldLayout xmlns:a="http://schemas.openxmlformats.org/drawingml/2006/main" xmlns:r="http://schemas.openxmlformats.org/officeDocument/2006/relationships" xmlns:p="http://schemas.openxmlformats.org/presentationml/2006/main" xmlns:m="http://schemas.openxmlformats.org/officeDocument/2006/math" xmlns:a14="http://schemas.microsoft.com/office/drawing/2010/main" type="tx" showMasterSp="0" showMasterPhAnim="1">
+<p:sldLayout xmlns:a="http://schemas.openxmlformats.org/drawingml/2006/main" xmlns:r="http://schemas.openxmlformats.org/officeDocument/2006/relationships" xmlns:p="http://schemas.openxmlformats.org/presentationml/2006/main" type="tx" showMasterSp="0">
   <p:cSld name="标题与副标题">
     <p:bg>
       <p:bgPr>
         <a:solidFill>
           <a:srgbClr val="000000"/>
         </a:solidFill>
+        <a:effectLst/>
       </p:bgPr>
     </p:bg>
     <p:spTree>
@@ -997,7 +985,7 @@
           <p:cNvPr id="114" name="标题文本"/>
           <p:cNvSpPr txBox="1"/>
           <p:nvPr>
-            <p:ph type="title"/>
+            <p:ph type="title" hasCustomPrompt="1"/>
           </p:nvPr>
         </p:nvSpPr>
         <p:spPr>
@@ -1025,7 +1013,6 @@
             </a:lvl1pPr>
           </a:lstStyle>
           <a:p>
-            <a:pPr/>
             <a:r>
               <a:t>标题文本</a:t>
             </a:r>
@@ -1037,7 +1024,7 @@
           <p:cNvPr id="115" name="正文级别 1…"/>
           <p:cNvSpPr txBox="1"/>
           <p:nvPr>
-            <p:ph type="body" sz="quarter" idx="1"/>
+            <p:ph type="body" sz="quarter" idx="1" hasCustomPrompt="1"/>
           </p:nvPr>
         </p:nvSpPr>
         <p:spPr>
@@ -1139,7 +1126,6 @@
             </a:lvl5pPr>
           </a:lstStyle>
           <a:p>
-            <a:pPr/>
             <a:r>
               <a:t>正文级别 1</a:t>
             </a:r>
@@ -1203,8 +1189,10 @@
             </a:lvl1pPr>
           </a:lstStyle>
           <a:p>
-            <a:pPr/>
-            <a:fld id="{86CB4B4D-7CA3-9044-876B-883B54F8677D}" type="slidenum"/>
+            <a:fld id="{86CB4B4D-7CA3-9044-876B-883B54F8677D}" type="slidenum">
+              <a:rPr/>
+            </a:fld>
+            <a:endParaRPr/>
           </a:p>
         </p:txBody>
       </p:sp>
@@ -1213,18 +1201,19 @@
   <p:clrMapOvr>
     <a:masterClrMapping/>
   </p:clrMapOvr>
-  <p:transition xmlns:p14="http://schemas.microsoft.com/office/powerpoint/2010/main" spd="med" advClick="1"/>
+  <p:transition spd="med"/>
 </p:sldLayout>
 </file>
 
 <file path=ppt/slideLayouts/slideLayout13.xml><?xml version="1.0" encoding="utf-8"?>
-<p:sldLayout xmlns:a="http://schemas.openxmlformats.org/drawingml/2006/main" xmlns:r="http://schemas.openxmlformats.org/officeDocument/2006/relationships" xmlns:p="http://schemas.openxmlformats.org/presentationml/2006/main" xmlns:m="http://schemas.openxmlformats.org/officeDocument/2006/math" xmlns:a14="http://schemas.microsoft.com/office/drawing/2010/main" type="tx" showMasterSp="0" showMasterPhAnim="1">
+<p:sldLayout xmlns:a="http://schemas.openxmlformats.org/drawingml/2006/main" xmlns:r="http://schemas.openxmlformats.org/officeDocument/2006/relationships" xmlns:p="http://schemas.openxmlformats.org/presentationml/2006/main" type="tx" showMasterSp="0">
   <p:cSld name="标题和内容">
     <p:bg>
       <p:bgPr>
         <a:solidFill>
           <a:srgbClr val="FFFFFF"/>
         </a:solidFill>
+        <a:effectLst/>
       </p:bgPr>
     </p:bg>
     <p:spTree>
@@ -1246,7 +1235,7 @@
           <p:cNvPr id="123" name="标题文本"/>
           <p:cNvSpPr txBox="1"/>
           <p:nvPr>
-            <p:ph type="title"/>
+            <p:ph type="title" hasCustomPrompt="1"/>
           </p:nvPr>
         </p:nvSpPr>
         <p:spPr>
@@ -1266,15 +1255,14 @@
                 <a:spcPct val="90000"/>
               </a:lnSpc>
               <a:defRPr sz="6200">
-                <a:latin typeface="Calibri Light"/>
-                <a:ea typeface="Calibri Light"/>
-                <a:cs typeface="Calibri Light"/>
-                <a:sym typeface="Calibri Light"/>
+                <a:latin typeface="Calibri Light" panose="020F0302020204030204"/>
+                <a:ea typeface="Calibri Light" panose="020F0302020204030204"/>
+                <a:cs typeface="Calibri Light" panose="020F0302020204030204"/>
+                <a:sym typeface="Calibri Light" panose="020F0302020204030204"/>
               </a:defRPr>
             </a:lvl1pPr>
           </a:lstStyle>
           <a:p>
-            <a:pPr/>
             <a:r>
               <a:t>标题文本</a:t>
             </a:r>
@@ -1286,7 +1274,7 @@
           <p:cNvPr id="124" name="正文级别 1…"/>
           <p:cNvSpPr txBox="1"/>
           <p:nvPr>
-            <p:ph type="body" idx="1"/>
+            <p:ph type="body" idx="1" hasCustomPrompt="1"/>
           </p:nvPr>
         </p:nvSpPr>
         <p:spPr>
@@ -1301,7 +1289,7 @@
         <p:txBody>
           <a:bodyPr lIns="48767" tIns="48767" rIns="48767" bIns="48767"/>
           <a:lstStyle>
-            <a:lvl1pPr marL="310242" indent="-310242">
+            <a:lvl1pPr marL="310515" indent="-310515">
               <a:lnSpc>
                 <a:spcPct val="90000"/>
               </a:lnSpc>
@@ -1309,10 +1297,10 @@
                 <a:spcPts val="1400"/>
               </a:spcBef>
               <a:defRPr sz="3800">
-                <a:latin typeface="Calibri"/>
-                <a:ea typeface="Calibri"/>
-                <a:cs typeface="Calibri"/>
-                <a:sym typeface="Calibri"/>
+                <a:latin typeface="Calibri" panose="020F0502020204030204"/>
+                <a:ea typeface="Calibri" panose="020F0502020204030204"/>
+                <a:cs typeface="Calibri" panose="020F0502020204030204"/>
+                <a:sym typeface="Calibri" panose="020F0502020204030204"/>
               </a:defRPr>
             </a:lvl1pPr>
             <a:lvl2pPr marL="819150" indent="-361950">
@@ -1324,13 +1312,13 @@
               </a:spcBef>
               <a:buChar char="•"/>
               <a:defRPr sz="3800">
-                <a:latin typeface="Calibri"/>
-                <a:ea typeface="Calibri"/>
-                <a:cs typeface="Calibri"/>
-                <a:sym typeface="Calibri"/>
+                <a:latin typeface="Calibri" panose="020F0502020204030204"/>
+                <a:ea typeface="Calibri" panose="020F0502020204030204"/>
+                <a:cs typeface="Calibri" panose="020F0502020204030204"/>
+                <a:sym typeface="Calibri" panose="020F0502020204030204"/>
               </a:defRPr>
             </a:lvl2pPr>
-            <a:lvl3pPr marL="1348739" indent="-434339">
+            <a:lvl3pPr marL="1348740" indent="-434340">
               <a:lnSpc>
                 <a:spcPct val="90000"/>
               </a:lnSpc>
@@ -1338,10 +1326,10 @@
                 <a:spcPts val="1400"/>
               </a:spcBef>
               <a:defRPr sz="3800">
-                <a:latin typeface="Calibri"/>
-                <a:ea typeface="Calibri"/>
-                <a:cs typeface="Calibri"/>
-                <a:sym typeface="Calibri"/>
+                <a:latin typeface="Calibri" panose="020F0502020204030204"/>
+                <a:ea typeface="Calibri" panose="020F0502020204030204"/>
+                <a:cs typeface="Calibri" panose="020F0502020204030204"/>
+                <a:sym typeface="Calibri" panose="020F0502020204030204"/>
               </a:defRPr>
             </a:lvl3pPr>
             <a:lvl4pPr marL="1854200" indent="-482600">
@@ -1353,10 +1341,10 @@
               </a:spcBef>
               <a:buChar char="•"/>
               <a:defRPr sz="3800">
-                <a:latin typeface="Calibri"/>
-                <a:ea typeface="Calibri"/>
-                <a:cs typeface="Calibri"/>
-                <a:sym typeface="Calibri"/>
+                <a:latin typeface="Calibri" panose="020F0502020204030204"/>
+                <a:ea typeface="Calibri" panose="020F0502020204030204"/>
+                <a:cs typeface="Calibri" panose="020F0502020204030204"/>
+                <a:sym typeface="Calibri" panose="020F0502020204030204"/>
               </a:defRPr>
             </a:lvl4pPr>
             <a:lvl5pPr marL="2311400" indent="-482600">
@@ -1368,15 +1356,14 @@
               </a:spcBef>
               <a:buChar char="•"/>
               <a:defRPr sz="3800">
-                <a:latin typeface="Calibri"/>
-                <a:ea typeface="Calibri"/>
-                <a:cs typeface="Calibri"/>
-                <a:sym typeface="Calibri"/>
+                <a:latin typeface="Calibri" panose="020F0502020204030204"/>
+                <a:ea typeface="Calibri" panose="020F0502020204030204"/>
+                <a:cs typeface="Calibri" panose="020F0502020204030204"/>
+                <a:sym typeface="Calibri" panose="020F0502020204030204"/>
               </a:defRPr>
             </a:lvl5pPr>
           </a:lstStyle>
           <a:p>
-            <a:pPr/>
             <a:r>
               <a:t>正文级别 1</a:t>
             </a:r>
@@ -1429,16 +1416,18 @@
           <a:lstStyle>
             <a:lvl1pPr>
               <a:defRPr>
-                <a:latin typeface="Calibri"/>
-                <a:ea typeface="Calibri"/>
-                <a:cs typeface="Calibri"/>
-                <a:sym typeface="Calibri"/>
+                <a:latin typeface="Calibri" panose="020F0502020204030204"/>
+                <a:ea typeface="Calibri" panose="020F0502020204030204"/>
+                <a:cs typeface="Calibri" panose="020F0502020204030204"/>
+                <a:sym typeface="Calibri" panose="020F0502020204030204"/>
               </a:defRPr>
             </a:lvl1pPr>
           </a:lstStyle>
           <a:p>
-            <a:pPr/>
-            <a:fld id="{86CB4B4D-7CA3-9044-876B-883B54F8677D}" type="slidenum"/>
+            <a:fld id="{86CB4B4D-7CA3-9044-876B-883B54F8677D}" type="slidenum">
+              <a:rPr/>
+            </a:fld>
+            <a:endParaRPr/>
           </a:p>
         </p:txBody>
       </p:sp>
@@ -1447,12 +1436,12 @@
   <p:clrMapOvr>
     <a:masterClrMapping/>
   </p:clrMapOvr>
-  <p:transition xmlns:p14="http://schemas.microsoft.com/office/powerpoint/2010/main" spd="med" advClick="1"/>
+  <p:transition spd="med"/>
 </p:sldLayout>
 </file>
 
 <file path=ppt/slideLayouts/slideLayout2.xml><?xml version="1.0" encoding="utf-8"?>
-<p:sldLayout xmlns:a="http://schemas.openxmlformats.org/drawingml/2006/main" xmlns:r="http://schemas.openxmlformats.org/officeDocument/2006/relationships" xmlns:p="http://schemas.openxmlformats.org/presentationml/2006/main" xmlns:m="http://schemas.openxmlformats.org/officeDocument/2006/math" xmlns:a14="http://schemas.microsoft.com/office/drawing/2010/main" type="tx" showMasterSp="1" showMasterPhAnim="1">
+<p:sldLayout xmlns:a="http://schemas.openxmlformats.org/drawingml/2006/main" xmlns:r="http://schemas.openxmlformats.org/officeDocument/2006/relationships" xmlns:p="http://schemas.openxmlformats.org/presentationml/2006/main" type="tx">
   <p:cSld name="标题和内容">
     <p:spTree>
       <p:nvGrpSpPr>
@@ -1473,7 +1462,7 @@
           <p:cNvPr id="24" name="标题文本"/>
           <p:cNvSpPr txBox="1"/>
           <p:nvPr>
-            <p:ph type="title"/>
+            <p:ph type="title" hasCustomPrompt="1"/>
           </p:nvPr>
         </p:nvSpPr>
         <p:spPr>
@@ -1485,7 +1474,6 @@
           <a:bodyPr/>
           <a:lstStyle/>
           <a:p>
-            <a:pPr/>
             <a:r>
               <a:t>标题文本</a:t>
             </a:r>
@@ -1497,7 +1485,7 @@
           <p:cNvPr id="25" name="正文级别 1…"/>
           <p:cNvSpPr txBox="1"/>
           <p:nvPr>
-            <p:ph type="body" idx="1"/>
+            <p:ph type="body" idx="1" hasCustomPrompt="1"/>
           </p:nvPr>
         </p:nvSpPr>
         <p:spPr>
@@ -1509,7 +1497,6 @@
           <a:bodyPr/>
           <a:lstStyle/>
           <a:p>
-            <a:pPr/>
             <a:r>
               <a:t>正文级别 1</a:t>
             </a:r>
@@ -1557,8 +1544,10 @@
           <a:bodyPr/>
           <a:lstStyle/>
           <a:p>
-            <a:pPr/>
-            <a:fld id="{86CB4B4D-7CA3-9044-876B-883B54F8677D}" type="slidenum"/>
+            <a:fld id="{86CB4B4D-7CA3-9044-876B-883B54F8677D}" type="slidenum">
+              <a:rPr/>
+            </a:fld>
+            <a:endParaRPr/>
           </a:p>
         </p:txBody>
       </p:sp>
@@ -1567,12 +1556,12 @@
   <p:clrMapOvr>
     <a:masterClrMapping/>
   </p:clrMapOvr>
-  <p:transition xmlns:p14="http://schemas.microsoft.com/office/powerpoint/2010/main" spd="med" advClick="1"/>
+  <p:transition spd="med"/>
 </p:sldLayout>
 </file>
 
 <file path=ppt/slideLayouts/slideLayout3.xml><?xml version="1.0" encoding="utf-8"?>
-<p:sldLayout xmlns:a="http://schemas.openxmlformats.org/drawingml/2006/main" xmlns:r="http://schemas.openxmlformats.org/officeDocument/2006/relationships" xmlns:p="http://schemas.openxmlformats.org/presentationml/2006/main" xmlns:m="http://schemas.openxmlformats.org/officeDocument/2006/math" xmlns:a14="http://schemas.microsoft.com/office/drawing/2010/main" type="tx" showMasterSp="0" showMasterPhAnim="1">
+<p:sldLayout xmlns:a="http://schemas.openxmlformats.org/drawingml/2006/main" xmlns:r="http://schemas.openxmlformats.org/officeDocument/2006/relationships" xmlns:p="http://schemas.openxmlformats.org/presentationml/2006/main" type="tx" showMasterSp="0">
   <p:cSld name="节标题">
     <p:spTree>
       <p:nvGrpSpPr>
@@ -1593,7 +1582,7 @@
           <p:cNvPr id="33" name="标题文本"/>
           <p:cNvSpPr txBox="1"/>
           <p:nvPr>
-            <p:ph type="title"/>
+            <p:ph type="title" hasCustomPrompt="1"/>
           </p:nvPr>
         </p:nvSpPr>
         <p:spPr>
@@ -1609,11 +1598,10 @@
           <a:bodyPr anchor="t"/>
           <a:lstStyle>
             <a:lvl1pPr>
-              <a:defRPr b="1" cap="all" sz="5600"/>
+              <a:defRPr sz="5600" b="1" cap="all"/>
             </a:lvl1pPr>
           </a:lstStyle>
           <a:p>
-            <a:pPr/>
             <a:r>
               <a:t>标题文本</a:t>
             </a:r>
@@ -1625,7 +1613,7 @@
           <p:cNvPr id="34" name="正文级别 1…"/>
           <p:cNvSpPr txBox="1"/>
           <p:nvPr>
-            <p:ph type="body" sz="quarter" idx="1"/>
+            <p:ph type="body" sz="quarter" idx="1" hasCustomPrompt="1"/>
           </p:nvPr>
         </p:nvSpPr>
         <p:spPr>
@@ -1707,7 +1695,6 @@
             </a:lvl5pPr>
           </a:lstStyle>
           <a:p>
-            <a:pPr/>
             <a:r>
               <a:t>正文级别 1</a:t>
             </a:r>
@@ -1755,8 +1742,10 @@
           <a:bodyPr/>
           <a:lstStyle/>
           <a:p>
-            <a:pPr/>
-            <a:fld id="{86CB4B4D-7CA3-9044-876B-883B54F8677D}" type="slidenum"/>
+            <a:fld id="{86CB4B4D-7CA3-9044-876B-883B54F8677D}" type="slidenum">
+              <a:rPr/>
+            </a:fld>
+            <a:endParaRPr/>
           </a:p>
         </p:txBody>
       </p:sp>
@@ -1765,12 +1754,12 @@
   <p:clrMapOvr>
     <a:masterClrMapping/>
   </p:clrMapOvr>
-  <p:transition xmlns:p14="http://schemas.microsoft.com/office/powerpoint/2010/main" spd="med" advClick="1"/>
+  <p:transition spd="med"/>
 </p:sldLayout>
 </file>
 
 <file path=ppt/slideLayouts/slideLayout4.xml><?xml version="1.0" encoding="utf-8"?>
-<p:sldLayout xmlns:a="http://schemas.openxmlformats.org/drawingml/2006/main" xmlns:r="http://schemas.openxmlformats.org/officeDocument/2006/relationships" xmlns:p="http://schemas.openxmlformats.org/presentationml/2006/main" xmlns:m="http://schemas.openxmlformats.org/officeDocument/2006/math" xmlns:a14="http://schemas.microsoft.com/office/drawing/2010/main" type="tx" showMasterSp="0" showMasterPhAnim="1">
+<p:sldLayout xmlns:a="http://schemas.openxmlformats.org/drawingml/2006/main" xmlns:r="http://schemas.openxmlformats.org/officeDocument/2006/relationships" xmlns:p="http://schemas.openxmlformats.org/presentationml/2006/main" type="tx" showMasterSp="0">
   <p:cSld name="两栏内容">
     <p:spTree>
       <p:nvGrpSpPr>
@@ -1791,7 +1780,7 @@
           <p:cNvPr id="42" name="标题文本"/>
           <p:cNvSpPr txBox="1"/>
           <p:nvPr>
-            <p:ph type="title"/>
+            <p:ph type="title" hasCustomPrompt="1"/>
           </p:nvPr>
         </p:nvSpPr>
         <p:spPr>
@@ -1807,11 +1796,10 @@
           <a:bodyPr/>
           <a:lstStyle>
             <a:lvl1pPr algn="ctr">
-              <a:defRPr b="1" sz="6200"/>
+              <a:defRPr sz="6200" b="1"/>
             </a:lvl1pPr>
           </a:lstStyle>
           <a:p>
-            <a:pPr/>
             <a:r>
               <a:t>标题文本</a:t>
             </a:r>
@@ -1823,7 +1811,7 @@
           <p:cNvPr id="43" name="正文级别 1…"/>
           <p:cNvSpPr txBox="1"/>
           <p:nvPr>
-            <p:ph type="body" sz="half" idx="1"/>
+            <p:ph type="body" sz="half" idx="1" hasCustomPrompt="1"/>
           </p:nvPr>
         </p:nvSpPr>
         <p:spPr>
@@ -1838,19 +1826,19 @@
         <p:txBody>
           <a:bodyPr/>
           <a:lstStyle>
-            <a:lvl1pPr marL="465364" indent="-465364">
+            <a:lvl1pPr marL="465455" indent="-465455">
               <a:spcBef>
                 <a:spcPts val="900"/>
               </a:spcBef>
               <a:defRPr sz="3800"/>
             </a:lvl1pPr>
-            <a:lvl2pPr marL="909637" indent="-452437">
+            <a:lvl2pPr marL="909320" indent="-452120">
               <a:spcBef>
                 <a:spcPts val="900"/>
               </a:spcBef>
               <a:defRPr sz="3800"/>
             </a:lvl2pPr>
-            <a:lvl3pPr marL="1348739" indent="-434339">
+            <a:lvl3pPr marL="1348740" indent="-434340">
               <a:spcBef>
                 <a:spcPts val="900"/>
               </a:spcBef>
@@ -1870,7 +1858,6 @@
             </a:lvl5pPr>
           </a:lstStyle>
           <a:p>
-            <a:pPr/>
             <a:r>
               <a:t>正文级别 1</a:t>
             </a:r>
@@ -1918,8 +1905,10 @@
           <a:bodyPr/>
           <a:lstStyle/>
           <a:p>
-            <a:pPr/>
-            <a:fld id="{86CB4B4D-7CA3-9044-876B-883B54F8677D}" type="slidenum"/>
+            <a:fld id="{86CB4B4D-7CA3-9044-876B-883B54F8677D}" type="slidenum">
+              <a:rPr/>
+            </a:fld>
+            <a:endParaRPr/>
           </a:p>
         </p:txBody>
       </p:sp>
@@ -1928,12 +1917,12 @@
   <p:clrMapOvr>
     <a:masterClrMapping/>
   </p:clrMapOvr>
-  <p:transition xmlns:p14="http://schemas.microsoft.com/office/powerpoint/2010/main" spd="med" advClick="1"/>
+  <p:transition spd="med"/>
 </p:sldLayout>
 </file>
 
 <file path=ppt/slideLayouts/slideLayout5.xml><?xml version="1.0" encoding="utf-8"?>
-<p:sldLayout xmlns:a="http://schemas.openxmlformats.org/drawingml/2006/main" xmlns:r="http://schemas.openxmlformats.org/officeDocument/2006/relationships" xmlns:p="http://schemas.openxmlformats.org/presentationml/2006/main" xmlns:m="http://schemas.openxmlformats.org/officeDocument/2006/math" xmlns:a14="http://schemas.microsoft.com/office/drawing/2010/main" type="tx" showMasterSp="0" showMasterPhAnim="1">
+<p:sldLayout xmlns:a="http://schemas.openxmlformats.org/drawingml/2006/main" xmlns:r="http://schemas.openxmlformats.org/officeDocument/2006/relationships" xmlns:p="http://schemas.openxmlformats.org/presentationml/2006/main" type="tx" showMasterSp="0">
   <p:cSld name="比较">
     <p:spTree>
       <p:nvGrpSpPr>
@@ -1954,7 +1943,7 @@
           <p:cNvPr id="51" name="标题文本"/>
           <p:cNvSpPr txBox="1"/>
           <p:nvPr>
-            <p:ph type="title"/>
+            <p:ph type="title" hasCustomPrompt="1"/>
           </p:nvPr>
         </p:nvSpPr>
         <p:spPr>
@@ -1970,11 +1959,10 @@
           <a:bodyPr/>
           <a:lstStyle>
             <a:lvl1pPr algn="ctr">
-              <a:defRPr b="1" sz="6200"/>
+              <a:defRPr sz="6200" b="1"/>
             </a:lvl1pPr>
           </a:lstStyle>
           <a:p>
-            <a:pPr/>
             <a:r>
               <a:t>标题文本</a:t>
             </a:r>
@@ -1986,7 +1974,7 @@
           <p:cNvPr id="52" name="正文级别 1…"/>
           <p:cNvSpPr txBox="1"/>
           <p:nvPr>
-            <p:ph type="body" sz="quarter" idx="1"/>
+            <p:ph type="body" sz="quarter" idx="1" hasCustomPrompt="1"/>
           </p:nvPr>
         </p:nvSpPr>
         <p:spPr>
@@ -2008,7 +1996,7 @@
               <a:buSzTx/>
               <a:buFontTx/>
               <a:buNone/>
-              <a:defRPr b="1" sz="3400"/>
+              <a:defRPr sz="3400" b="1"/>
             </a:lvl1pPr>
             <a:lvl2pPr marL="0" indent="457200">
               <a:spcBef>
@@ -2017,7 +2005,7 @@
               <a:buSzTx/>
               <a:buFontTx/>
               <a:buNone/>
-              <a:defRPr b="1" sz="3400"/>
+              <a:defRPr sz="3400" b="1"/>
             </a:lvl2pPr>
             <a:lvl3pPr marL="0" indent="914400">
               <a:spcBef>
@@ -2026,7 +2014,7 @@
               <a:buSzTx/>
               <a:buFontTx/>
               <a:buNone/>
-              <a:defRPr b="1" sz="3400"/>
+              <a:defRPr sz="3400" b="1"/>
             </a:lvl3pPr>
             <a:lvl4pPr marL="0" indent="1371600">
               <a:spcBef>
@@ -2035,7 +2023,7 @@
               <a:buSzTx/>
               <a:buFontTx/>
               <a:buNone/>
-              <a:defRPr b="1" sz="3400"/>
+              <a:defRPr sz="3400" b="1"/>
             </a:lvl4pPr>
             <a:lvl5pPr marL="0" indent="1828800">
               <a:spcBef>
@@ -2044,11 +2032,10 @@
               <a:buSzTx/>
               <a:buFontTx/>
               <a:buNone/>
-              <a:defRPr b="1" sz="3400"/>
+              <a:defRPr sz="3400" b="1"/>
             </a:lvl5pPr>
           </a:lstStyle>
           <a:p>
-            <a:pPr/>
             <a:r>
               <a:t>正文级别 1</a:t>
             </a:r>
@@ -2107,7 +2094,7 @@
               <a:buSzTx/>
               <a:buFontTx/>
               <a:buNone/>
-              <a:defRPr b="1" sz="3400"/>
+              <a:defRPr sz="3400" b="1"/>
             </a:pPr>
           </a:p>
         </p:txBody>
@@ -2129,8 +2116,10 @@
           <a:bodyPr/>
           <a:lstStyle/>
           <a:p>
-            <a:pPr/>
-            <a:fld id="{86CB4B4D-7CA3-9044-876B-883B54F8677D}" type="slidenum"/>
+            <a:fld id="{86CB4B4D-7CA3-9044-876B-883B54F8677D}" type="slidenum">
+              <a:rPr/>
+            </a:fld>
+            <a:endParaRPr/>
           </a:p>
         </p:txBody>
       </p:sp>
@@ -2139,12 +2128,12 @@
   <p:clrMapOvr>
     <a:masterClrMapping/>
   </p:clrMapOvr>
-  <p:transition xmlns:p14="http://schemas.microsoft.com/office/powerpoint/2010/main" spd="med" advClick="1"/>
+  <p:transition spd="med"/>
 </p:sldLayout>
 </file>
 
 <file path=ppt/slideLayouts/slideLayout6.xml><?xml version="1.0" encoding="utf-8"?>
-<p:sldLayout xmlns:a="http://schemas.openxmlformats.org/drawingml/2006/main" xmlns:r="http://schemas.openxmlformats.org/officeDocument/2006/relationships" xmlns:p="http://schemas.openxmlformats.org/presentationml/2006/main" xmlns:m="http://schemas.openxmlformats.org/officeDocument/2006/math" xmlns:a14="http://schemas.microsoft.com/office/drawing/2010/main" type="tx" showMasterSp="0" showMasterPhAnim="1">
+<p:sldLayout xmlns:a="http://schemas.openxmlformats.org/drawingml/2006/main" xmlns:r="http://schemas.openxmlformats.org/officeDocument/2006/relationships" xmlns:p="http://schemas.openxmlformats.org/presentationml/2006/main" type="tx" showMasterSp="0">
   <p:cSld name="仅标题">
     <p:spTree>
       <p:nvGrpSpPr>
@@ -2165,7 +2154,7 @@
           <p:cNvPr id="61" name="标题文本"/>
           <p:cNvSpPr txBox="1"/>
           <p:nvPr>
-            <p:ph type="title"/>
+            <p:ph type="title" hasCustomPrompt="1"/>
           </p:nvPr>
         </p:nvSpPr>
         <p:spPr>
@@ -2181,11 +2170,10 @@
           <a:bodyPr/>
           <a:lstStyle>
             <a:lvl1pPr algn="ctr">
-              <a:defRPr b="1" sz="6200"/>
+              <a:defRPr sz="6200" b="1"/>
             </a:lvl1pPr>
           </a:lstStyle>
           <a:p>
-            <a:pPr/>
             <a:r>
               <a:t>标题文本</a:t>
             </a:r>
@@ -2209,8 +2197,10 @@
           <a:bodyPr/>
           <a:lstStyle/>
           <a:p>
-            <a:pPr/>
-            <a:fld id="{86CB4B4D-7CA3-9044-876B-883B54F8677D}" type="slidenum"/>
+            <a:fld id="{86CB4B4D-7CA3-9044-876B-883B54F8677D}" type="slidenum">
+              <a:rPr/>
+            </a:fld>
+            <a:endParaRPr/>
           </a:p>
         </p:txBody>
       </p:sp>
@@ -2219,12 +2209,12 @@
   <p:clrMapOvr>
     <a:masterClrMapping/>
   </p:clrMapOvr>
-  <p:transition xmlns:p14="http://schemas.microsoft.com/office/powerpoint/2010/main" spd="med" advClick="1"/>
+  <p:transition spd="med"/>
 </p:sldLayout>
 </file>
 
 <file path=ppt/slideLayouts/slideLayout7.xml><?xml version="1.0" encoding="utf-8"?>
-<p:sldLayout xmlns:a="http://schemas.openxmlformats.org/drawingml/2006/main" xmlns:r="http://schemas.openxmlformats.org/officeDocument/2006/relationships" xmlns:p="http://schemas.openxmlformats.org/presentationml/2006/main" xmlns:m="http://schemas.openxmlformats.org/officeDocument/2006/math" xmlns:a14="http://schemas.microsoft.com/office/drawing/2010/main" type="tx" showMasterSp="0" showMasterPhAnim="1">
+<p:sldLayout xmlns:a="http://schemas.openxmlformats.org/drawingml/2006/main" xmlns:r="http://schemas.openxmlformats.org/officeDocument/2006/relationships" xmlns:p="http://schemas.openxmlformats.org/presentationml/2006/main" type="tx" showMasterSp="0">
   <p:cSld name="空白">
     <p:spTree>
       <p:nvGrpSpPr>
@@ -2257,8 +2247,10 @@
           <a:bodyPr/>
           <a:lstStyle/>
           <a:p>
-            <a:pPr/>
-            <a:fld id="{86CB4B4D-7CA3-9044-876B-883B54F8677D}" type="slidenum"/>
+            <a:fld id="{86CB4B4D-7CA3-9044-876B-883B54F8677D}" type="slidenum">
+              <a:rPr/>
+            </a:fld>
+            <a:endParaRPr/>
           </a:p>
         </p:txBody>
       </p:sp>
@@ -2267,12 +2259,12 @@
   <p:clrMapOvr>
     <a:masterClrMapping/>
   </p:clrMapOvr>
-  <p:transition xmlns:p14="http://schemas.microsoft.com/office/powerpoint/2010/main" spd="med" advClick="1"/>
+  <p:transition spd="med"/>
 </p:sldLayout>
 </file>
 
 <file path=ppt/slideLayouts/slideLayout8.xml><?xml version="1.0" encoding="utf-8"?>
-<p:sldLayout xmlns:a="http://schemas.openxmlformats.org/drawingml/2006/main" xmlns:r="http://schemas.openxmlformats.org/officeDocument/2006/relationships" xmlns:p="http://schemas.openxmlformats.org/presentationml/2006/main" xmlns:m="http://schemas.openxmlformats.org/officeDocument/2006/math" xmlns:a14="http://schemas.microsoft.com/office/drawing/2010/main" type="tx" showMasterSp="0" showMasterPhAnim="1">
+<p:sldLayout xmlns:a="http://schemas.openxmlformats.org/drawingml/2006/main" xmlns:r="http://schemas.openxmlformats.org/officeDocument/2006/relationships" xmlns:p="http://schemas.openxmlformats.org/presentationml/2006/main" type="tx" showMasterSp="0">
   <p:cSld name="内容与标题">
     <p:spTree>
       <p:nvGrpSpPr>
@@ -2293,7 +2285,7 @@
           <p:cNvPr id="76" name="标题文本"/>
           <p:cNvSpPr txBox="1"/>
           <p:nvPr>
-            <p:ph type="title"/>
+            <p:ph type="title" hasCustomPrompt="1"/>
           </p:nvPr>
         </p:nvSpPr>
         <p:spPr>
@@ -2309,11 +2301,10 @@
           <a:bodyPr anchor="b"/>
           <a:lstStyle>
             <a:lvl1pPr>
-              <a:defRPr b="1" sz="2800"/>
+              <a:defRPr sz="2800" b="1"/>
             </a:lvl1pPr>
           </a:lstStyle>
           <a:p>
-            <a:pPr/>
             <a:r>
               <a:t>标题文本</a:t>
             </a:r>
@@ -2325,7 +2316,7 @@
           <p:cNvPr id="77" name="正文级别 1…"/>
           <p:cNvSpPr txBox="1"/>
           <p:nvPr>
-            <p:ph type="body" idx="1"/>
+            <p:ph type="body" idx="1" hasCustomPrompt="1"/>
           </p:nvPr>
         </p:nvSpPr>
         <p:spPr>
@@ -2340,7 +2331,7 @@
         <p:txBody>
           <a:bodyPr/>
           <a:lstStyle>
-            <a:lvl1pPr marL="471487" indent="-471487">
+            <a:lvl1pPr marL="471170" indent="-471170">
               <a:defRPr sz="4400"/>
             </a:lvl1pPr>
             <a:lvl2pPr>
@@ -2357,7 +2348,6 @@
             </a:lvl5pPr>
           </a:lstStyle>
           <a:p>
-            <a:pPr/>
             <a:r>
               <a:t>正文级别 1</a:t>
             </a:r>
@@ -2438,8 +2428,10 @@
           <a:bodyPr/>
           <a:lstStyle/>
           <a:p>
-            <a:pPr/>
-            <a:fld id="{86CB4B4D-7CA3-9044-876B-883B54F8677D}" type="slidenum"/>
+            <a:fld id="{86CB4B4D-7CA3-9044-876B-883B54F8677D}" type="slidenum">
+              <a:rPr/>
+            </a:fld>
+            <a:endParaRPr/>
           </a:p>
         </p:txBody>
       </p:sp>
@@ -2448,12 +2440,12 @@
   <p:clrMapOvr>
     <a:masterClrMapping/>
   </p:clrMapOvr>
-  <p:transition xmlns:p14="http://schemas.microsoft.com/office/powerpoint/2010/main" spd="med" advClick="1"/>
+  <p:transition spd="med"/>
 </p:sldLayout>
 </file>
 
 <file path=ppt/slideLayouts/slideLayout9.xml><?xml version="1.0" encoding="utf-8"?>
-<p:sldLayout xmlns:a="http://schemas.openxmlformats.org/drawingml/2006/main" xmlns:r="http://schemas.openxmlformats.org/officeDocument/2006/relationships" xmlns:p="http://schemas.openxmlformats.org/presentationml/2006/main" xmlns:m="http://schemas.openxmlformats.org/officeDocument/2006/math" xmlns:a14="http://schemas.microsoft.com/office/drawing/2010/main" type="tx" showMasterSp="0" showMasterPhAnim="1">
+<p:sldLayout xmlns:a="http://schemas.openxmlformats.org/drawingml/2006/main" xmlns:r="http://schemas.openxmlformats.org/officeDocument/2006/relationships" xmlns:p="http://schemas.openxmlformats.org/presentationml/2006/main" type="tx" showMasterSp="0">
   <p:cSld name="图片与标题">
     <p:spTree>
       <p:nvGrpSpPr>
@@ -2474,7 +2466,7 @@
           <p:cNvPr id="86" name="标题文本"/>
           <p:cNvSpPr txBox="1"/>
           <p:nvPr>
-            <p:ph type="title"/>
+            <p:ph type="title" hasCustomPrompt="1"/>
           </p:nvPr>
         </p:nvSpPr>
         <p:spPr>
@@ -2490,11 +2482,10 @@
           <a:bodyPr anchor="b"/>
           <a:lstStyle>
             <a:lvl1pPr>
-              <a:defRPr b="1" sz="2800"/>
+              <a:defRPr sz="2800" b="1"/>
             </a:lvl1pPr>
           </a:lstStyle>
           <a:p>
-            <a:pPr/>
             <a:r>
               <a:t>标题文本</a:t>
             </a:r>
@@ -2523,9 +2514,7 @@
             <a:noAutofit/>
           </a:bodyPr>
           <a:lstStyle/>
-          <a:p>
-            <a:pPr/>
-          </a:p>
+          <a:p/>
         </p:txBody>
       </p:sp>
       <p:sp>
@@ -2533,7 +2522,7 @@
           <p:cNvPr id="88" name="正文级别 1…"/>
           <p:cNvSpPr txBox="1"/>
           <p:nvPr>
-            <p:ph type="body" sz="quarter" idx="1"/>
+            <p:ph type="body" sz="quarter" idx="1" hasCustomPrompt="1"/>
           </p:nvPr>
         </p:nvSpPr>
         <p:spPr>
@@ -2595,7 +2584,6 @@
             </a:lvl5pPr>
           </a:lstStyle>
           <a:p>
-            <a:pPr/>
             <a:r>
               <a:t>正文级别 1</a:t>
             </a:r>
@@ -2643,8 +2631,10 @@
           <a:bodyPr/>
           <a:lstStyle/>
           <a:p>
-            <a:pPr/>
-            <a:fld id="{86CB4B4D-7CA3-9044-876B-883B54F8677D}" type="slidenum"/>
+            <a:fld id="{86CB4B4D-7CA3-9044-876B-883B54F8677D}" type="slidenum">
+              <a:rPr/>
+            </a:fld>
+            <a:endParaRPr/>
           </a:p>
         </p:txBody>
       </p:sp>
@@ -2653,22 +2643,23 @@
   <p:clrMapOvr>
     <a:masterClrMapping/>
   </p:clrMapOvr>
-  <p:transition xmlns:p14="http://schemas.microsoft.com/office/powerpoint/2010/main" spd="med" advClick="1"/>
+  <p:transition spd="med"/>
 </p:sldLayout>
 </file>
 
 <file path=ppt/slideMasters/slideMaster1.xml><?xml version="1.0" encoding="utf-8"?>
-<p:sldMaster xmlns:a="http://schemas.openxmlformats.org/drawingml/2006/main" xmlns:r="http://schemas.openxmlformats.org/officeDocument/2006/relationships" xmlns:p="http://schemas.openxmlformats.org/presentationml/2006/main" xmlns:m="http://schemas.openxmlformats.org/officeDocument/2006/math" xmlns:a14="http://schemas.microsoft.com/office/drawing/2010/main">
+<p:sldMaster xmlns:a="http://schemas.openxmlformats.org/drawingml/2006/main" xmlns:r="http://schemas.openxmlformats.org/officeDocument/2006/relationships" xmlns:p="http://schemas.openxmlformats.org/presentationml/2006/main">
   <p:cSld>
     <p:bg>
       <p:bgPr>
         <a:blipFill rotWithShape="1">
-          <a:blip r:embed="rId2"/>
-          <a:srcRect l="0" t="0" r="0" b="0"/>
+          <a:blip r:embed="rId14"/>
+          <a:srcRect/>
           <a:stretch>
             <a:fillRect/>
           </a:stretch>
         </a:blipFill>
+        <a:effectLst/>
       </p:bgPr>
     </p:bg>
     <p:spTree>
@@ -2688,15 +2679,11 @@
       <p:pic>
         <p:nvPicPr>
           <p:cNvPr id="2" name="Picture 3" descr="Picture 3"/>
-          <p:cNvPicPr>
-            <a:picLocks noChangeAspect="0"/>
-          </p:cNvPicPr>
+          <p:cNvPicPr/>
           <p:nvPr/>
         </p:nvPicPr>
         <p:blipFill>
-          <a:blip r:embed="rId3">
-            <a:extLst/>
-          </a:blip>
+          <a:blip r:embed="rId15"/>
           <a:stretch>
             <a:fillRect/>
           </a:stretch>
@@ -2711,6 +2698,8 @@
           </a:prstGeom>
           <a:ln w="12700">
             <a:miter lim="400000"/>
+            <a:headEnd/>
+            <a:tailEnd/>
           </a:ln>
         </p:spPr>
       </p:pic>
@@ -2766,19 +2755,13 @@
           <a:ln w="12700">
             <a:miter lim="400000"/>
           </a:ln>
-          <a:extLst>
-            <a:ext uri="{C572A759-6A51-4108-AA02-DFA0A04FC94B}">
-              <ma14:wrappingTextBoxFlag xmlns:ma14="http://schemas.microsoft.com/office/mac/drawingml/2011/main" val="1"/>
-            </a:ext>
-          </a:extLst>
         </p:spPr>
         <p:txBody>
           <a:bodyPr lIns="65023" tIns="65023" rIns="65023" bIns="65023" anchor="ctr">
-            <a:normAutofit fontScale="100000" lnSpcReduction="0"/>
+            <a:normAutofit/>
           </a:bodyPr>
           <a:lstStyle/>
           <a:p>
-            <a:pPr/>
             <a:r>
               <a:t>标题文本</a:t>
             </a:r>
@@ -2804,24 +2787,18 @@
           <a:ln w="12700">
             <a:miter lim="400000"/>
           </a:ln>
-          <a:extLst>
-            <a:ext uri="{C572A759-6A51-4108-AA02-DFA0A04FC94B}">
-              <ma14:wrappingTextBoxFlag xmlns:ma14="http://schemas.microsoft.com/office/mac/drawingml/2011/main" val="1"/>
-            </a:ext>
-          </a:extLst>
         </p:spPr>
         <p:txBody>
           <a:bodyPr lIns="65023" tIns="65023" rIns="65023" bIns="65023">
-            <a:normAutofit fontScale="100000" lnSpcReduction="0"/>
+            <a:normAutofit/>
           </a:bodyPr>
           <a:lstStyle>
-            <a:lvl2pPr marL="906235" indent="-449035"/>
+            <a:lvl2pPr marL="906145" indent="-448945"/>
             <a:lvl3pPr marL="1333500" indent="-419100"/>
             <a:lvl4pPr marL="1874520" indent="-502920"/>
             <a:lvl5pPr marL="2331720" indent="-502920"/>
           </a:lstStyle>
           <a:p>
-            <a:pPr/>
             <a:r>
               <a:t>正文级别 1</a:t>
             </a:r>
@@ -2855,15 +2832,11 @@
       <p:pic>
         <p:nvPicPr>
           <p:cNvPr id="6" name="sym-logo300.png" descr="sym-logo300.png"/>
-          <p:cNvPicPr>
-            <a:picLocks noChangeAspect="0"/>
-          </p:cNvPicPr>
+          <p:cNvPicPr/>
           <p:nvPr/>
         </p:nvPicPr>
         <p:blipFill>
-          <a:blip r:embed="rId4">
-            <a:extLst/>
-          </a:blip>
+          <a:blip r:embed="rId16"/>
           <a:stretch>
             <a:fillRect/>
           </a:stretch>
@@ -2878,9 +2851,11 @@
           </a:prstGeom>
           <a:ln w="12700">
             <a:miter lim="400000"/>
+            <a:headEnd/>
+            <a:tailEnd/>
           </a:ln>
           <a:effectLst>
-            <a:reflection blurRad="0" stA="50000" stPos="0" endA="0" endPos="40000" dist="0" dir="5400000" fadeDir="5400000" sx="100000" sy="-100000" kx="0" ky="0" algn="bl" rotWithShape="0"/>
+            <a:reflection stA="50000" endPos="40000" dir="5400000" sy="-100000" algn="bl" rotWithShape="0"/>
           </a:effectLst>
         </p:spPr>
       </p:pic>
@@ -2901,11 +2876,6 @@
           <a:ln w="12700">
             <a:miter lim="400000"/>
           </a:ln>
-          <a:extLst>
-            <a:ext uri="{C572A759-6A51-4108-AA02-DFA0A04FC94B}">
-              <ma14:wrappingTextBoxFlag xmlns:ma14="http://schemas.microsoft.com/office/mac/drawingml/2011/main" val="1"/>
-            </a:ext>
-          </a:extLst>
         </p:spPr>
         <p:txBody>
           <a:bodyPr lIns="50800" tIns="50800" rIns="50800" bIns="50800">
@@ -2928,10 +2898,7 @@
               </a:defRPr>
             </a:pPr>
             <a:r>
-              <a:t>Sym</a:t>
-            </a:r>
-            <a:r>
-              <a:t>社区系统商业版</a:t>
+              <a:t>Sym社区系统商业版</a:t>
             </a:r>
           </a:p>
         </p:txBody>
@@ -2970,8 +2937,10 @@
             </a:lvl1pPr>
           </a:lstStyle>
           <a:p>
-            <a:pPr/>
-            <a:fld id="{86CB4B4D-7CA3-9044-876B-883B54F8677D}" type="slidenum"/>
+            <a:fld id="{86CB4B4D-7CA3-9044-876B-883B54F8677D}" type="slidenum">
+              <a:rPr/>
+            </a:fld>
+            <a:endParaRPr/>
           </a:p>
         </p:txBody>
       </p:sp>
@@ -2979,21 +2948,21 @@
   </p:cSld>
   <p:clrMap bg1="lt1" tx1="dk1" bg2="lt2" tx2="dk2" accent1="accent1" accent2="accent2" accent3="accent3" accent4="accent4" accent5="accent5" accent6="accent6" hlink="hlink" folHlink="folHlink"/>
   <p:sldLayoutIdLst>
-    <p:sldLayoutId id="2147483649" r:id="rId5"/>
-    <p:sldLayoutId id="2147483650" r:id="rId6"/>
-    <p:sldLayoutId id="2147483651" r:id="rId7"/>
-    <p:sldLayoutId id="2147483652" r:id="rId8"/>
-    <p:sldLayoutId id="2147483653" r:id="rId9"/>
-    <p:sldLayoutId id="2147483654" r:id="rId10"/>
-    <p:sldLayoutId id="2147483655" r:id="rId11"/>
-    <p:sldLayoutId id="2147483656" r:id="rId12"/>
-    <p:sldLayoutId id="2147483657" r:id="rId13"/>
-    <p:sldLayoutId id="2147483658" r:id="rId14"/>
-    <p:sldLayoutId id="2147483659" r:id="rId15"/>
-    <p:sldLayoutId id="2147483660" r:id="rId16"/>
-    <p:sldLayoutId id="2147483661" r:id="rId17"/>
+    <p:sldLayoutId id="2147483649" r:id="rId1"/>
+    <p:sldLayoutId id="2147483650" r:id="rId2"/>
+    <p:sldLayoutId id="2147483651" r:id="rId3"/>
+    <p:sldLayoutId id="2147483652" r:id="rId4"/>
+    <p:sldLayoutId id="2147483653" r:id="rId5"/>
+    <p:sldLayoutId id="2147483654" r:id="rId6"/>
+    <p:sldLayoutId id="2147483655" r:id="rId7"/>
+    <p:sldLayoutId id="2147483656" r:id="rId8"/>
+    <p:sldLayoutId id="2147483657" r:id="rId9"/>
+    <p:sldLayoutId id="2147483658" r:id="rId10"/>
+    <p:sldLayoutId id="2147483659" r:id="rId11"/>
+    <p:sldLayoutId id="2147483660" r:id="rId12"/>
+    <p:sldLayoutId id="2147483661" r:id="rId13"/>
   </p:sldLayoutIdLst>
-  <p:transition xmlns:p14="http://schemas.microsoft.com/office/powerpoint/2010/main" spd="med" advClick="1"/>
+  <p:transition spd="med"/>
   <p:txStyles>
     <p:titleStyle>
       <a:lvl1pPr marL="0" marR="0" indent="0" algn="l" defTabSz="1300480" latinLnBrk="0">
@@ -3010,8 +2979,7 @@
         <a:buSzTx/>
         <a:buFontTx/>
         <a:buNone/>
-        <a:tabLst/>
-        <a:defRPr b="0" baseline="0" cap="none" i="0" spc="0" strike="noStrike" sz="4200" u="none">
+        <a:defRPr sz="4200" b="0" i="0" u="none" strike="noStrike" cap="none" spc="0" baseline="0">
           <a:ln>
             <a:noFill/>
           </a:ln>
@@ -3019,10 +2987,10 @@
             <a:srgbClr val="000000"/>
           </a:solidFill>
           <a:uFillTx/>
-          <a:latin typeface="Franklin Gothic Medium"/>
-          <a:ea typeface="Franklin Gothic Medium"/>
-          <a:cs typeface="Franklin Gothic Medium"/>
-          <a:sym typeface="Franklin Gothic Medium"/>
+          <a:latin typeface="Franklin Gothic Medium" panose="020B0603020102020204"/>
+          <a:ea typeface="Franklin Gothic Medium" panose="020B0603020102020204"/>
+          <a:cs typeface="Franklin Gothic Medium" panose="020B0603020102020204"/>
+          <a:sym typeface="Franklin Gothic Medium" panose="020B0603020102020204"/>
         </a:defRPr>
       </a:lvl1pPr>
       <a:lvl2pPr marL="0" marR="0" indent="0" algn="l" defTabSz="1300480" latinLnBrk="0">
@@ -3039,8 +3007,7 @@
         <a:buSzTx/>
         <a:buFontTx/>
         <a:buNone/>
-        <a:tabLst/>
-        <a:defRPr b="0" baseline="0" cap="none" i="0" spc="0" strike="noStrike" sz="4200" u="none">
+        <a:defRPr sz="4200" b="0" i="0" u="none" strike="noStrike" cap="none" spc="0" baseline="0">
           <a:ln>
             <a:noFill/>
           </a:ln>
@@ -3048,10 +3015,10 @@
             <a:srgbClr val="000000"/>
           </a:solidFill>
           <a:uFillTx/>
-          <a:latin typeface="Franklin Gothic Medium"/>
-          <a:ea typeface="Franklin Gothic Medium"/>
-          <a:cs typeface="Franklin Gothic Medium"/>
-          <a:sym typeface="Franklin Gothic Medium"/>
+          <a:latin typeface="Franklin Gothic Medium" panose="020B0603020102020204"/>
+          <a:ea typeface="Franklin Gothic Medium" panose="020B0603020102020204"/>
+          <a:cs typeface="Franklin Gothic Medium" panose="020B0603020102020204"/>
+          <a:sym typeface="Franklin Gothic Medium" panose="020B0603020102020204"/>
         </a:defRPr>
       </a:lvl2pPr>
       <a:lvl3pPr marL="0" marR="0" indent="0" algn="l" defTabSz="1300480" latinLnBrk="0">
@@ -3068,8 +3035,7 @@
         <a:buSzTx/>
         <a:buFontTx/>
         <a:buNone/>
-        <a:tabLst/>
-        <a:defRPr b="0" baseline="0" cap="none" i="0" spc="0" strike="noStrike" sz="4200" u="none">
+        <a:defRPr sz="4200" b="0" i="0" u="none" strike="noStrike" cap="none" spc="0" baseline="0">
           <a:ln>
             <a:noFill/>
           </a:ln>
@@ -3077,10 +3043,10 @@
             <a:srgbClr val="000000"/>
           </a:solidFill>
           <a:uFillTx/>
-          <a:latin typeface="Franklin Gothic Medium"/>
-          <a:ea typeface="Franklin Gothic Medium"/>
-          <a:cs typeface="Franklin Gothic Medium"/>
-          <a:sym typeface="Franklin Gothic Medium"/>
+          <a:latin typeface="Franklin Gothic Medium" panose="020B0603020102020204"/>
+          <a:ea typeface="Franklin Gothic Medium" panose="020B0603020102020204"/>
+          <a:cs typeface="Franklin Gothic Medium" panose="020B0603020102020204"/>
+          <a:sym typeface="Franklin Gothic Medium" panose="020B0603020102020204"/>
         </a:defRPr>
       </a:lvl3pPr>
       <a:lvl4pPr marL="0" marR="0" indent="0" algn="l" defTabSz="1300480" latinLnBrk="0">
@@ -3097,8 +3063,7 @@
         <a:buSzTx/>
         <a:buFontTx/>
         <a:buNone/>
-        <a:tabLst/>
-        <a:defRPr b="0" baseline="0" cap="none" i="0" spc="0" strike="noStrike" sz="4200" u="none">
+        <a:defRPr sz="4200" b="0" i="0" u="none" strike="noStrike" cap="none" spc="0" baseline="0">
           <a:ln>
             <a:noFill/>
           </a:ln>
@@ -3106,10 +3071,10 @@
             <a:srgbClr val="000000"/>
           </a:solidFill>
           <a:uFillTx/>
-          <a:latin typeface="Franklin Gothic Medium"/>
-          <a:ea typeface="Franklin Gothic Medium"/>
-          <a:cs typeface="Franklin Gothic Medium"/>
-          <a:sym typeface="Franklin Gothic Medium"/>
+          <a:latin typeface="Franklin Gothic Medium" panose="020B0603020102020204"/>
+          <a:ea typeface="Franklin Gothic Medium" panose="020B0603020102020204"/>
+          <a:cs typeface="Franklin Gothic Medium" panose="020B0603020102020204"/>
+          <a:sym typeface="Franklin Gothic Medium" panose="020B0603020102020204"/>
         </a:defRPr>
       </a:lvl4pPr>
       <a:lvl5pPr marL="0" marR="0" indent="0" algn="l" defTabSz="1300480" latinLnBrk="0">
@@ -3126,8 +3091,7 @@
         <a:buSzTx/>
         <a:buFontTx/>
         <a:buNone/>
-        <a:tabLst/>
-        <a:defRPr b="0" baseline="0" cap="none" i="0" spc="0" strike="noStrike" sz="4200" u="none">
+        <a:defRPr sz="4200" b="0" i="0" u="none" strike="noStrike" cap="none" spc="0" baseline="0">
           <a:ln>
             <a:noFill/>
           </a:ln>
@@ -3135,10 +3099,10 @@
             <a:srgbClr val="000000"/>
           </a:solidFill>
           <a:uFillTx/>
-          <a:latin typeface="Franklin Gothic Medium"/>
-          <a:ea typeface="Franklin Gothic Medium"/>
-          <a:cs typeface="Franklin Gothic Medium"/>
-          <a:sym typeface="Franklin Gothic Medium"/>
+          <a:latin typeface="Franklin Gothic Medium" panose="020B0603020102020204"/>
+          <a:ea typeface="Franklin Gothic Medium" panose="020B0603020102020204"/>
+          <a:cs typeface="Franklin Gothic Medium" panose="020B0603020102020204"/>
+          <a:sym typeface="Franklin Gothic Medium" panose="020B0603020102020204"/>
         </a:defRPr>
       </a:lvl5pPr>
       <a:lvl6pPr marL="0" marR="0" indent="0" algn="l" defTabSz="1300480" latinLnBrk="0">
@@ -3155,8 +3119,7 @@
         <a:buSzTx/>
         <a:buFontTx/>
         <a:buNone/>
-        <a:tabLst/>
-        <a:defRPr b="0" baseline="0" cap="none" i="0" spc="0" strike="noStrike" sz="4200" u="none">
+        <a:defRPr sz="4200" b="0" i="0" u="none" strike="noStrike" cap="none" spc="0" baseline="0">
           <a:ln>
             <a:noFill/>
           </a:ln>
@@ -3164,10 +3127,10 @@
             <a:srgbClr val="000000"/>
           </a:solidFill>
           <a:uFillTx/>
-          <a:latin typeface="Franklin Gothic Medium"/>
-          <a:ea typeface="Franklin Gothic Medium"/>
-          <a:cs typeface="Franklin Gothic Medium"/>
-          <a:sym typeface="Franklin Gothic Medium"/>
+          <a:latin typeface="Franklin Gothic Medium" panose="020B0603020102020204"/>
+          <a:ea typeface="Franklin Gothic Medium" panose="020B0603020102020204"/>
+          <a:cs typeface="Franklin Gothic Medium" panose="020B0603020102020204"/>
+          <a:sym typeface="Franklin Gothic Medium" panose="020B0603020102020204"/>
         </a:defRPr>
       </a:lvl6pPr>
       <a:lvl7pPr marL="0" marR="0" indent="0" algn="l" defTabSz="1300480" latinLnBrk="0">
@@ -3184,8 +3147,7 @@
         <a:buSzTx/>
         <a:buFontTx/>
         <a:buNone/>
-        <a:tabLst/>
-        <a:defRPr b="0" baseline="0" cap="none" i="0" spc="0" strike="noStrike" sz="4200" u="none">
+        <a:defRPr sz="4200" b="0" i="0" u="none" strike="noStrike" cap="none" spc="0" baseline="0">
           <a:ln>
             <a:noFill/>
           </a:ln>
@@ -3193,10 +3155,10 @@
             <a:srgbClr val="000000"/>
           </a:solidFill>
           <a:uFillTx/>
-          <a:latin typeface="Franklin Gothic Medium"/>
-          <a:ea typeface="Franklin Gothic Medium"/>
-          <a:cs typeface="Franklin Gothic Medium"/>
-          <a:sym typeface="Franklin Gothic Medium"/>
+          <a:latin typeface="Franklin Gothic Medium" panose="020B0603020102020204"/>
+          <a:ea typeface="Franklin Gothic Medium" panose="020B0603020102020204"/>
+          <a:cs typeface="Franklin Gothic Medium" panose="020B0603020102020204"/>
+          <a:sym typeface="Franklin Gothic Medium" panose="020B0603020102020204"/>
         </a:defRPr>
       </a:lvl7pPr>
       <a:lvl8pPr marL="0" marR="0" indent="0" algn="l" defTabSz="1300480" latinLnBrk="0">
@@ -3213,8 +3175,7 @@
         <a:buSzTx/>
         <a:buFontTx/>
         <a:buNone/>
-        <a:tabLst/>
-        <a:defRPr b="0" baseline="0" cap="none" i="0" spc="0" strike="noStrike" sz="4200" u="none">
+        <a:defRPr sz="4200" b="0" i="0" u="none" strike="noStrike" cap="none" spc="0" baseline="0">
           <a:ln>
             <a:noFill/>
           </a:ln>
@@ -3222,10 +3183,10 @@
             <a:srgbClr val="000000"/>
           </a:solidFill>
           <a:uFillTx/>
-          <a:latin typeface="Franklin Gothic Medium"/>
-          <a:ea typeface="Franklin Gothic Medium"/>
-          <a:cs typeface="Franklin Gothic Medium"/>
-          <a:sym typeface="Franklin Gothic Medium"/>
+          <a:latin typeface="Franklin Gothic Medium" panose="020B0603020102020204"/>
+          <a:ea typeface="Franklin Gothic Medium" panose="020B0603020102020204"/>
+          <a:cs typeface="Franklin Gothic Medium" panose="020B0603020102020204"/>
+          <a:sym typeface="Franklin Gothic Medium" panose="020B0603020102020204"/>
         </a:defRPr>
       </a:lvl8pPr>
       <a:lvl9pPr marL="0" marR="0" indent="0" algn="l" defTabSz="1300480" latinLnBrk="0">
@@ -3242,8 +3203,7 @@
         <a:buSzTx/>
         <a:buFontTx/>
         <a:buNone/>
-        <a:tabLst/>
-        <a:defRPr b="0" baseline="0" cap="none" i="0" spc="0" strike="noStrike" sz="4200" u="none">
+        <a:defRPr sz="4200" b="0" i="0" u="none" strike="noStrike" cap="none" spc="0" baseline="0">
           <a:ln>
             <a:noFill/>
           </a:ln>
@@ -3251,15 +3211,15 @@
             <a:srgbClr val="000000"/>
           </a:solidFill>
           <a:uFillTx/>
-          <a:latin typeface="Franklin Gothic Medium"/>
-          <a:ea typeface="Franklin Gothic Medium"/>
-          <a:cs typeface="Franklin Gothic Medium"/>
-          <a:sym typeface="Franklin Gothic Medium"/>
+          <a:latin typeface="Franklin Gothic Medium" panose="020B0603020102020204"/>
+          <a:ea typeface="Franklin Gothic Medium" panose="020B0603020102020204"/>
+          <a:cs typeface="Franklin Gothic Medium" panose="020B0603020102020204"/>
+          <a:sym typeface="Franklin Gothic Medium" panose="020B0603020102020204"/>
         </a:defRPr>
       </a:lvl9pPr>
     </p:titleStyle>
     <p:bodyStyle>
-      <a:lvl1pPr marL="471487" marR="0" indent="-471487" algn="l" defTabSz="1300480" latinLnBrk="0">
+      <a:lvl1pPr marL="471170" marR="0" indent="-471170" algn="l" defTabSz="1300480" latinLnBrk="0">
         <a:lnSpc>
           <a:spcPct val="100000"/>
         </a:lnSpc>
@@ -3271,10 +3231,9 @@
         </a:spcAft>
         <a:buClrTx/>
         <a:buSzPct val="100000"/>
-        <a:buFont typeface="Arial"/>
+        <a:buFont typeface="Arial" panose="020B0604020202020204"/>
         <a:buChar char="•"/>
-        <a:tabLst/>
-        <a:defRPr b="0" baseline="0" cap="none" i="0" spc="0" strike="noStrike" sz="3000" u="none">
+        <a:defRPr sz="3000" b="0" i="0" u="none" strike="noStrike" cap="none" spc="0" baseline="0">
           <a:ln>
             <a:noFill/>
           </a:ln>
@@ -3285,10 +3244,10 @@
           <a:latin typeface="+mj-lt"/>
           <a:ea typeface="+mj-ea"/>
           <a:cs typeface="+mj-cs"/>
-          <a:sym typeface="Franklin Gothic Book"/>
+          <a:sym typeface="Franklin Gothic Book" panose="020B0503020102020204"/>
         </a:defRPr>
       </a:lvl1pPr>
-      <a:lvl2pPr marL="763360" marR="0" indent="-306160" algn="l" defTabSz="1300480" latinLnBrk="0">
+      <a:lvl2pPr marL="763270" marR="0" indent="-306070" algn="l" defTabSz="1300480" latinLnBrk="0">
         <a:lnSpc>
           <a:spcPct val="100000"/>
         </a:lnSpc>
@@ -3300,10 +3259,9 @@
         </a:spcAft>
         <a:buClrTx/>
         <a:buSzPct val="100000"/>
-        <a:buFont typeface="Arial"/>
+        <a:buFont typeface="Arial" panose="020B0604020202020204"/>
         <a:buChar char="–"/>
-        <a:tabLst/>
-        <a:defRPr b="0" baseline="0" cap="none" i="0" spc="0" strike="noStrike" sz="3000" u="none">
+        <a:defRPr sz="3000" b="0" i="0" u="none" strike="noStrike" cap="none" spc="0" baseline="0">
           <a:ln>
             <a:noFill/>
           </a:ln>
@@ -3314,7 +3272,7 @@
           <a:latin typeface="+mj-lt"/>
           <a:ea typeface="+mj-ea"/>
           <a:cs typeface="+mj-cs"/>
-          <a:sym typeface="Franklin Gothic Book"/>
+          <a:sym typeface="Franklin Gothic Book" panose="020B0503020102020204"/>
         </a:defRPr>
       </a:lvl2pPr>
       <a:lvl3pPr marL="1200150" marR="0" indent="-285750" algn="l" defTabSz="1300480" latinLnBrk="0">
@@ -3329,10 +3287,9 @@
         </a:spcAft>
         <a:buClrTx/>
         <a:buSzPct val="100000"/>
-        <a:buFont typeface="Arial"/>
+        <a:buFont typeface="Arial" panose="020B0604020202020204"/>
         <a:buChar char="•"/>
-        <a:tabLst/>
-        <a:defRPr b="0" baseline="0" cap="none" i="0" spc="0" strike="noStrike" sz="3000" u="none">
+        <a:defRPr sz="3000" b="0" i="0" u="none" strike="noStrike" cap="none" spc="0" baseline="0">
           <a:ln>
             <a:noFill/>
           </a:ln>
@@ -3343,7 +3300,7 @@
           <a:latin typeface="+mj-lt"/>
           <a:ea typeface="+mj-ea"/>
           <a:cs typeface="+mj-cs"/>
-          <a:sym typeface="Franklin Gothic Book"/>
+          <a:sym typeface="Franklin Gothic Book" panose="020B0503020102020204"/>
         </a:defRPr>
       </a:lvl3pPr>
       <a:lvl4pPr marL="1714500" marR="0" indent="-342900" algn="l" defTabSz="1300480" latinLnBrk="0">
@@ -3358,10 +3315,9 @@
         </a:spcAft>
         <a:buClrTx/>
         <a:buSzPct val="100000"/>
-        <a:buFont typeface="Arial"/>
+        <a:buFont typeface="Arial" panose="020B0604020202020204"/>
         <a:buChar char="–"/>
-        <a:tabLst/>
-        <a:defRPr b="0" baseline="0" cap="none" i="0" spc="0" strike="noStrike" sz="3000" u="none">
+        <a:defRPr sz="3000" b="0" i="0" u="none" strike="noStrike" cap="none" spc="0" baseline="0">
           <a:ln>
             <a:noFill/>
           </a:ln>
@@ -3372,7 +3328,7 @@
           <a:latin typeface="+mj-lt"/>
           <a:ea typeface="+mj-ea"/>
           <a:cs typeface="+mj-cs"/>
-          <a:sym typeface="Franklin Gothic Book"/>
+          <a:sym typeface="Franklin Gothic Book" panose="020B0503020102020204"/>
         </a:defRPr>
       </a:lvl4pPr>
       <a:lvl5pPr marL="2171700" marR="0" indent="-342900" algn="l" defTabSz="1300480" latinLnBrk="0">
@@ -3387,10 +3343,9 @@
         </a:spcAft>
         <a:buClrTx/>
         <a:buSzPct val="100000"/>
-        <a:buFont typeface="Arial"/>
+        <a:buFont typeface="Arial" panose="020B0604020202020204"/>
         <a:buChar char="»"/>
-        <a:tabLst/>
-        <a:defRPr b="0" baseline="0" cap="none" i="0" spc="0" strike="noStrike" sz="3000" u="none">
+        <a:defRPr sz="3000" b="0" i="0" u="none" strike="noStrike" cap="none" spc="0" baseline="0">
           <a:ln>
             <a:noFill/>
           </a:ln>
@@ -3401,7 +3356,7 @@
           <a:latin typeface="+mj-lt"/>
           <a:ea typeface="+mj-ea"/>
           <a:cs typeface="+mj-cs"/>
-          <a:sym typeface="Franklin Gothic Book"/>
+          <a:sym typeface="Franklin Gothic Book" panose="020B0503020102020204"/>
         </a:defRPr>
       </a:lvl5pPr>
       <a:lvl6pPr marL="2628900" marR="0" indent="-342900" algn="l" defTabSz="1300480" latinLnBrk="0">
@@ -3416,10 +3371,9 @@
         </a:spcAft>
         <a:buClrTx/>
         <a:buSzPct val="100000"/>
-        <a:buFont typeface="Arial"/>
+        <a:buFont typeface="Arial" panose="020B0604020202020204"/>
         <a:buChar char="•"/>
-        <a:tabLst/>
-        <a:defRPr b="0" baseline="0" cap="none" i="0" spc="0" strike="noStrike" sz="3000" u="none">
+        <a:defRPr sz="3000" b="0" i="0" u="none" strike="noStrike" cap="none" spc="0" baseline="0">
           <a:ln>
             <a:noFill/>
           </a:ln>
@@ -3430,7 +3384,7 @@
           <a:latin typeface="+mj-lt"/>
           <a:ea typeface="+mj-ea"/>
           <a:cs typeface="+mj-cs"/>
-          <a:sym typeface="Franklin Gothic Book"/>
+          <a:sym typeface="Franklin Gothic Book" panose="020B0503020102020204"/>
         </a:defRPr>
       </a:lvl6pPr>
       <a:lvl7pPr marL="3086100" marR="0" indent="-342900" algn="l" defTabSz="1300480" latinLnBrk="0">
@@ -3445,10 +3399,9 @@
         </a:spcAft>
         <a:buClrTx/>
         <a:buSzPct val="100000"/>
-        <a:buFont typeface="Arial"/>
+        <a:buFont typeface="Arial" panose="020B0604020202020204"/>
         <a:buChar char="•"/>
-        <a:tabLst/>
-        <a:defRPr b="0" baseline="0" cap="none" i="0" spc="0" strike="noStrike" sz="3000" u="none">
+        <a:defRPr sz="3000" b="0" i="0" u="none" strike="noStrike" cap="none" spc="0" baseline="0">
           <a:ln>
             <a:noFill/>
           </a:ln>
@@ -3459,7 +3412,7 @@
           <a:latin typeface="+mj-lt"/>
           <a:ea typeface="+mj-ea"/>
           <a:cs typeface="+mj-cs"/>
-          <a:sym typeface="Franklin Gothic Book"/>
+          <a:sym typeface="Franklin Gothic Book" panose="020B0503020102020204"/>
         </a:defRPr>
       </a:lvl7pPr>
       <a:lvl8pPr marL="3543300" marR="0" indent="-342900" algn="l" defTabSz="1300480" latinLnBrk="0">
@@ -3474,10 +3427,9 @@
         </a:spcAft>
         <a:buClrTx/>
         <a:buSzPct val="100000"/>
-        <a:buFont typeface="Arial"/>
+        <a:buFont typeface="Arial" panose="020B0604020202020204"/>
         <a:buChar char="•"/>
-        <a:tabLst/>
-        <a:defRPr b="0" baseline="0" cap="none" i="0" spc="0" strike="noStrike" sz="3000" u="none">
+        <a:defRPr sz="3000" b="0" i="0" u="none" strike="noStrike" cap="none" spc="0" baseline="0">
           <a:ln>
             <a:noFill/>
           </a:ln>
@@ -3488,7 +3440,7 @@
           <a:latin typeface="+mj-lt"/>
           <a:ea typeface="+mj-ea"/>
           <a:cs typeface="+mj-cs"/>
-          <a:sym typeface="Franklin Gothic Book"/>
+          <a:sym typeface="Franklin Gothic Book" panose="020B0503020102020204"/>
         </a:defRPr>
       </a:lvl8pPr>
       <a:lvl9pPr marL="4000500" marR="0" indent="-342900" algn="l" defTabSz="1300480" latinLnBrk="0">
@@ -3503,10 +3455,9 @@
         </a:spcAft>
         <a:buClrTx/>
         <a:buSzPct val="100000"/>
-        <a:buFont typeface="Arial"/>
+        <a:buFont typeface="Arial" panose="020B0604020202020204"/>
         <a:buChar char="•"/>
-        <a:tabLst/>
-        <a:defRPr b="0" baseline="0" cap="none" i="0" spc="0" strike="noStrike" sz="3000" u="none">
+        <a:defRPr sz="3000" b="0" i="0" u="none" strike="noStrike" cap="none" spc="0" baseline="0">
           <a:ln>
             <a:noFill/>
           </a:ln>
@@ -3517,7 +3468,7 @@
           <a:latin typeface="+mj-lt"/>
           <a:ea typeface="+mj-ea"/>
           <a:cs typeface="+mj-cs"/>
-          <a:sym typeface="Franklin Gothic Book"/>
+          <a:sym typeface="Franklin Gothic Book" panose="020B0503020102020204"/>
         </a:defRPr>
       </a:lvl9pPr>
     </p:bodyStyle>
@@ -3536,8 +3487,7 @@
         <a:buSzTx/>
         <a:buFontTx/>
         <a:buNone/>
-        <a:tabLst/>
-        <a:defRPr b="0" baseline="0" cap="none" i="0" spc="0" strike="noStrike" sz="1600" u="none">
+        <a:defRPr sz="1600" b="0" i="0" u="none" strike="noStrike" cap="none" spc="0" baseline="0">
           <a:ln>
             <a:noFill/>
           </a:ln>
@@ -3548,7 +3498,7 @@
           <a:latin typeface="+mn-lt"/>
           <a:ea typeface="+mn-ea"/>
           <a:cs typeface="+mn-cs"/>
-          <a:sym typeface="Franklin Gothic Book"/>
+          <a:sym typeface="Franklin Gothic Book" panose="020B0503020102020204"/>
         </a:defRPr>
       </a:lvl1pPr>
       <a:lvl2pPr marL="0" marR="0" indent="457200" algn="r" defTabSz="1300480" rtl="0" latinLnBrk="0">
@@ -3565,8 +3515,7 @@
         <a:buSzTx/>
         <a:buFontTx/>
         <a:buNone/>
-        <a:tabLst/>
-        <a:defRPr b="0" baseline="0" cap="none" i="0" spc="0" strike="noStrike" sz="1600" u="none">
+        <a:defRPr sz="1600" b="0" i="0" u="none" strike="noStrike" cap="none" spc="0" baseline="0">
           <a:ln>
             <a:noFill/>
           </a:ln>
@@ -3577,7 +3526,7 @@
           <a:latin typeface="+mn-lt"/>
           <a:ea typeface="+mn-ea"/>
           <a:cs typeface="+mn-cs"/>
-          <a:sym typeface="Franklin Gothic Book"/>
+          <a:sym typeface="Franklin Gothic Book" panose="020B0503020102020204"/>
         </a:defRPr>
       </a:lvl2pPr>
       <a:lvl3pPr marL="0" marR="0" indent="914400" algn="r" defTabSz="1300480" rtl="0" latinLnBrk="0">
@@ -3594,8 +3543,7 @@
         <a:buSzTx/>
         <a:buFontTx/>
         <a:buNone/>
-        <a:tabLst/>
-        <a:defRPr b="0" baseline="0" cap="none" i="0" spc="0" strike="noStrike" sz="1600" u="none">
+        <a:defRPr sz="1600" b="0" i="0" u="none" strike="noStrike" cap="none" spc="0" baseline="0">
           <a:ln>
             <a:noFill/>
           </a:ln>
@@ -3606,7 +3554,7 @@
           <a:latin typeface="+mn-lt"/>
           <a:ea typeface="+mn-ea"/>
           <a:cs typeface="+mn-cs"/>
-          <a:sym typeface="Franklin Gothic Book"/>
+          <a:sym typeface="Franklin Gothic Book" panose="020B0503020102020204"/>
         </a:defRPr>
       </a:lvl3pPr>
       <a:lvl4pPr marL="0" marR="0" indent="1371600" algn="r" defTabSz="1300480" rtl="0" latinLnBrk="0">
@@ -3623,8 +3571,7 @@
         <a:buSzTx/>
         <a:buFontTx/>
         <a:buNone/>
-        <a:tabLst/>
-        <a:defRPr b="0" baseline="0" cap="none" i="0" spc="0" strike="noStrike" sz="1600" u="none">
+        <a:defRPr sz="1600" b="0" i="0" u="none" strike="noStrike" cap="none" spc="0" baseline="0">
           <a:ln>
             <a:noFill/>
           </a:ln>
@@ -3635,7 +3582,7 @@
           <a:latin typeface="+mn-lt"/>
           <a:ea typeface="+mn-ea"/>
           <a:cs typeface="+mn-cs"/>
-          <a:sym typeface="Franklin Gothic Book"/>
+          <a:sym typeface="Franklin Gothic Book" panose="020B0503020102020204"/>
         </a:defRPr>
       </a:lvl4pPr>
       <a:lvl5pPr marL="0" marR="0" indent="1828800" algn="r" defTabSz="1300480" rtl="0" latinLnBrk="0">
@@ -3652,8 +3599,7 @@
         <a:buSzTx/>
         <a:buFontTx/>
         <a:buNone/>
-        <a:tabLst/>
-        <a:defRPr b="0" baseline="0" cap="none" i="0" spc="0" strike="noStrike" sz="1600" u="none">
+        <a:defRPr sz="1600" b="0" i="0" u="none" strike="noStrike" cap="none" spc="0" baseline="0">
           <a:ln>
             <a:noFill/>
           </a:ln>
@@ -3664,7 +3610,7 @@
           <a:latin typeface="+mn-lt"/>
           <a:ea typeface="+mn-ea"/>
           <a:cs typeface="+mn-cs"/>
-          <a:sym typeface="Franklin Gothic Book"/>
+          <a:sym typeface="Franklin Gothic Book" panose="020B0503020102020204"/>
         </a:defRPr>
       </a:lvl5pPr>
       <a:lvl6pPr marL="0" marR="0" indent="2286000" algn="r" defTabSz="1300480" rtl="0" latinLnBrk="0">
@@ -3681,8 +3627,7 @@
         <a:buSzTx/>
         <a:buFontTx/>
         <a:buNone/>
-        <a:tabLst/>
-        <a:defRPr b="0" baseline="0" cap="none" i="0" spc="0" strike="noStrike" sz="1600" u="none">
+        <a:defRPr sz="1600" b="0" i="0" u="none" strike="noStrike" cap="none" spc="0" baseline="0">
           <a:ln>
             <a:noFill/>
           </a:ln>
@@ -3693,7 +3638,7 @@
           <a:latin typeface="+mn-lt"/>
           <a:ea typeface="+mn-ea"/>
           <a:cs typeface="+mn-cs"/>
-          <a:sym typeface="Franklin Gothic Book"/>
+          <a:sym typeface="Franklin Gothic Book" panose="020B0503020102020204"/>
         </a:defRPr>
       </a:lvl6pPr>
       <a:lvl7pPr marL="0" marR="0" indent="2743200" algn="r" defTabSz="1300480" rtl="0" latinLnBrk="0">
@@ -3710,8 +3655,7 @@
         <a:buSzTx/>
         <a:buFontTx/>
         <a:buNone/>
-        <a:tabLst/>
-        <a:defRPr b="0" baseline="0" cap="none" i="0" spc="0" strike="noStrike" sz="1600" u="none">
+        <a:defRPr sz="1600" b="0" i="0" u="none" strike="noStrike" cap="none" spc="0" baseline="0">
           <a:ln>
             <a:noFill/>
           </a:ln>
@@ -3722,7 +3666,7 @@
           <a:latin typeface="+mn-lt"/>
           <a:ea typeface="+mn-ea"/>
           <a:cs typeface="+mn-cs"/>
-          <a:sym typeface="Franklin Gothic Book"/>
+          <a:sym typeface="Franklin Gothic Book" panose="020B0503020102020204"/>
         </a:defRPr>
       </a:lvl7pPr>
       <a:lvl8pPr marL="0" marR="0" indent="3200400" algn="r" defTabSz="1300480" rtl="0" latinLnBrk="0">
@@ -3739,8 +3683,7 @@
         <a:buSzTx/>
         <a:buFontTx/>
         <a:buNone/>
-        <a:tabLst/>
-        <a:defRPr b="0" baseline="0" cap="none" i="0" spc="0" strike="noStrike" sz="1600" u="none">
+        <a:defRPr sz="1600" b="0" i="0" u="none" strike="noStrike" cap="none" spc="0" baseline="0">
           <a:ln>
             <a:noFill/>
           </a:ln>
@@ -3751,7 +3694,7 @@
           <a:latin typeface="+mn-lt"/>
           <a:ea typeface="+mn-ea"/>
           <a:cs typeface="+mn-cs"/>
-          <a:sym typeface="Franklin Gothic Book"/>
+          <a:sym typeface="Franklin Gothic Book" panose="020B0503020102020204"/>
         </a:defRPr>
       </a:lvl8pPr>
       <a:lvl9pPr marL="0" marR="0" indent="3657600" algn="r" defTabSz="1300480" rtl="0" latinLnBrk="0">
@@ -3768,8 +3711,7 @@
         <a:buSzTx/>
         <a:buFontTx/>
         <a:buNone/>
-        <a:tabLst/>
-        <a:defRPr b="0" baseline="0" cap="none" i="0" spc="0" strike="noStrike" sz="1600" u="none">
+        <a:defRPr sz="1600" b="0" i="0" u="none" strike="noStrike" cap="none" spc="0" baseline="0">
           <a:ln>
             <a:noFill/>
           </a:ln>
@@ -3780,7 +3722,7 @@
           <a:latin typeface="+mn-lt"/>
           <a:ea typeface="+mn-ea"/>
           <a:cs typeface="+mn-cs"/>
-          <a:sym typeface="Franklin Gothic Book"/>
+          <a:sym typeface="Franklin Gothic Book" panose="020B0503020102020204"/>
         </a:defRPr>
       </a:lvl9pPr>
     </p:otherStyle>
@@ -3789,15 +3731,16 @@
 </file>
 
 <file path=ppt/slides/slide1.xml><?xml version="1.0" encoding="utf-8"?>
-<p:sld xmlns:a="http://schemas.openxmlformats.org/drawingml/2006/main" xmlns:r="http://schemas.openxmlformats.org/officeDocument/2006/relationships" xmlns:p="http://schemas.openxmlformats.org/presentationml/2006/main" xmlns:m="http://schemas.openxmlformats.org/officeDocument/2006/math" xmlns:a14="http://schemas.microsoft.com/office/drawing/2010/main" showMasterSp="1" showMasterPhAnim="1">
+<p:sld xmlns:a="http://schemas.openxmlformats.org/drawingml/2006/main" xmlns:r="http://schemas.openxmlformats.org/officeDocument/2006/relationships" xmlns:p="http://schemas.openxmlformats.org/presentationml/2006/main">
   <p:cSld>
     <p:bg>
       <p:bgPr>
         <a:blipFill rotWithShape="1">
-          <a:blip r:embed="rId2"/>
-          <a:srcRect l="0" t="0" r="0" b="0"/>
+          <a:blip r:embed="rId1"/>
+          <a:srcRect/>
           <a:tile tx="0" ty="0" sx="100000" sy="100000" flip="none" algn="tl"/>
         </a:blipFill>
+        <a:effectLst/>
       </p:bgPr>
     </p:bg>
     <p:spTree>
@@ -3823,9 +3766,7 @@
           <p:nvPr/>
         </p:nvPicPr>
         <p:blipFill>
-          <a:blip r:embed="rId3">
-            <a:extLst/>
-          </a:blip>
+          <a:blip r:embed="rId2"/>
           <a:stretch>
             <a:fillRect/>
           </a:stretch>
@@ -3840,9 +3781,11 @@
           </a:prstGeom>
           <a:ln w="12700">
             <a:miter lim="400000"/>
+            <a:headEnd/>
+            <a:tailEnd/>
           </a:ln>
           <a:effectLst>
-            <a:reflection blurRad="0" stA="50000" stPos="0" endA="0" endPos="40000" dist="0" dir="5400000" fadeDir="5400000" sx="100000" sy="-100000" kx="0" ky="0" algn="bl" rotWithShape="0"/>
+            <a:reflection stA="50000" endPos="40000" dir="5400000" sy="-100000" algn="bl" rotWithShape="0"/>
           </a:effectLst>
         </p:spPr>
       </p:pic>
@@ -3863,11 +3806,6 @@
           <a:ln w="12700">
             <a:miter lim="400000"/>
           </a:ln>
-          <a:extLst>
-            <a:ext uri="{C572A759-6A51-4108-AA02-DFA0A04FC94B}">
-              <ma14:wrappingTextBoxFlag xmlns:ma14="http://schemas.microsoft.com/office/mac/drawingml/2011/main" val="1"/>
-            </a:ext>
-          </a:extLst>
         </p:spPr>
         <p:txBody>
           <a:bodyPr wrap="none" lIns="65023" tIns="65023" rIns="65023" bIns="65023" anchor="b">
@@ -3890,10 +3828,7 @@
               </a:defRPr>
             </a:pPr>
             <a:r>
-              <a:t>Sym</a:t>
-            </a:r>
-            <a:r>
-              <a:t>社区系统商业版</a:t>
+              <a:t>Sym社区系统商业版</a:t>
             </a:r>
           </a:p>
         </p:txBody>
@@ -3919,7 +3854,6 @@
           <a:bodyPr/>
           <a:lstStyle/>
           <a:p>
-            <a:pPr/>
             <a:r>
               <a:t>背景、功能以及技术架构简介</a:t>
             </a:r>
@@ -3931,12 +3865,12 @@
   <p:clrMapOvr>
     <a:masterClrMapping/>
   </p:clrMapOvr>
-  <p:transition xmlns:p14="http://schemas.microsoft.com/office/powerpoint/2010/main" spd="med" advClick="1"/>
+  <p:transition spd="med"/>
 </p:sld>
 </file>
 
 <file path=ppt/slides/slide10.xml><?xml version="1.0" encoding="utf-8"?>
-<p:sld xmlns:a="http://schemas.openxmlformats.org/drawingml/2006/main" xmlns:r="http://schemas.openxmlformats.org/officeDocument/2006/relationships" xmlns:p="http://schemas.openxmlformats.org/presentationml/2006/main" xmlns:m="http://schemas.openxmlformats.org/officeDocument/2006/math" xmlns:a14="http://schemas.microsoft.com/office/drawing/2010/main" showMasterSp="1" showMasterPhAnim="1">
+<p:sld xmlns:a="http://schemas.openxmlformats.org/drawingml/2006/main" xmlns:r="http://schemas.openxmlformats.org/officeDocument/2006/relationships" xmlns:p="http://schemas.openxmlformats.org/presentationml/2006/main">
   <p:cSld>
     <p:spTree>
       <p:nvGrpSpPr>
@@ -3969,7 +3903,6 @@
           <a:bodyPr/>
           <a:lstStyle/>
           <a:p>
-            <a:pPr/>
             <a:r>
               <a:t>货币系统</a:t>
             </a:r>
@@ -3993,25 +3926,21 @@
           <a:bodyPr/>
           <a:lstStyle/>
           <a:p>
-            <a:pPr/>
             <a:r>
               <a:t>少量二开即可对接区块链</a:t>
             </a:r>
           </a:p>
           <a:p>
-            <a:pPr/>
             <a:r>
               <a:t>币种管理</a:t>
             </a:r>
           </a:p>
           <a:p>
-            <a:pPr/>
             <a:r>
               <a:t>钱包地址管理</a:t>
             </a:r>
           </a:p>
           <a:p>
-            <a:pPr/>
             <a:r>
               <a:t>转账、提币</a:t>
             </a:r>
@@ -4023,12 +3952,12 @@
   <p:clrMapOvr>
     <a:masterClrMapping/>
   </p:clrMapOvr>
-  <p:transition xmlns:p14="http://schemas.microsoft.com/office/powerpoint/2010/main" spd="med" advClick="1"/>
+  <p:transition spd="med"/>
 </p:sld>
 </file>
 
 <file path=ppt/slides/slide11.xml><?xml version="1.0" encoding="utf-8"?>
-<p:sld xmlns:a="http://schemas.openxmlformats.org/drawingml/2006/main" xmlns:r="http://schemas.openxmlformats.org/officeDocument/2006/relationships" xmlns:p="http://schemas.openxmlformats.org/presentationml/2006/main" xmlns:m="http://schemas.openxmlformats.org/officeDocument/2006/math" xmlns:a14="http://schemas.microsoft.com/office/drawing/2010/main" showMasterSp="1" showMasterPhAnim="1">
+<p:sld xmlns:a="http://schemas.openxmlformats.org/drawingml/2006/main" xmlns:r="http://schemas.openxmlformats.org/officeDocument/2006/relationships" xmlns:p="http://schemas.openxmlformats.org/presentationml/2006/main">
   <p:cSld>
     <p:spTree>
       <p:nvGrpSpPr>
@@ -4061,7 +3990,6 @@
           <a:bodyPr/>
           <a:lstStyle/>
           <a:p>
-            <a:pPr/>
             <a:r>
               <a:t>隐私系统</a:t>
             </a:r>
@@ -4085,13 +4013,11 @@
           <a:bodyPr/>
           <a:lstStyle/>
           <a:p>
-            <a:pPr/>
             <a:r>
               <a:t>内容可见性控制（打赏区、仅楼主可见、禁止非登录浏览等）</a:t>
             </a:r>
           </a:p>
           <a:p>
-            <a:pPr/>
             <a:r>
               <a:t>用户隐私开关</a:t>
             </a:r>
@@ -4107,9 +4033,7 @@
           <p:nvPr/>
         </p:nvPicPr>
         <p:blipFill>
-          <a:blip r:embed="rId2">
-            <a:extLst/>
-          </a:blip>
+          <a:blip r:embed="rId1"/>
           <a:stretch>
             <a:fillRect/>
           </a:stretch>
@@ -4124,6 +4048,8 @@
           </a:prstGeom>
           <a:ln w="12700">
             <a:miter lim="400000"/>
+            <a:headEnd/>
+            <a:tailEnd/>
           </a:ln>
         </p:spPr>
       </p:pic>
@@ -4132,12 +4058,12 @@
   <p:clrMapOvr>
     <a:masterClrMapping/>
   </p:clrMapOvr>
-  <p:transition xmlns:p14="http://schemas.microsoft.com/office/powerpoint/2010/main" spd="med" advClick="1"/>
+  <p:transition spd="med"/>
 </p:sld>
 </file>
 
 <file path=ppt/slides/slide12.xml><?xml version="1.0" encoding="utf-8"?>
-<p:sld xmlns:a="http://schemas.openxmlformats.org/drawingml/2006/main" xmlns:r="http://schemas.openxmlformats.org/officeDocument/2006/relationships" xmlns:p="http://schemas.openxmlformats.org/presentationml/2006/main" xmlns:m="http://schemas.openxmlformats.org/officeDocument/2006/math" xmlns:a14="http://schemas.microsoft.com/office/drawing/2010/main" showMasterSp="1" showMasterPhAnim="1">
+<p:sld xmlns:a="http://schemas.openxmlformats.org/drawingml/2006/main" xmlns:r="http://schemas.openxmlformats.org/officeDocument/2006/relationships" xmlns:p="http://schemas.openxmlformats.org/presentationml/2006/main">
   <p:cSld>
     <p:spTree>
       <p:nvGrpSpPr>
@@ -4170,7 +4096,6 @@
           <a:bodyPr/>
           <a:lstStyle/>
           <a:p>
-            <a:pPr/>
             <a:r>
               <a:t>通知系统</a:t>
             </a:r>
@@ -4194,48 +4119,23 @@
           <a:bodyPr/>
           <a:lstStyle/>
           <a:p>
-            <a:pPr/>
             <a:r>
               <a:t>详细的通知分类</a:t>
             </a:r>
           </a:p>
           <a:p>
-            <a:pPr/>
-            <a:r>
-              <a:t>WebSocket</a:t>
-            </a:r>
-            <a:r>
-              <a:t>实时通知</a:t>
-            </a:r>
-          </a:p>
-          <a:p>
-            <a:pPr/>
+            <a:r>
+              <a:t>WebSocket实时通知</a:t>
+            </a:r>
+          </a:p>
+          <a:p>
             <a:r>
               <a:t>合并频繁通知，减少打扰用户</a:t>
             </a:r>
           </a:p>
           <a:p>
-            <a:pPr/>
-            <a:r>
-              <a:t>支持浏览器离线通知（</a:t>
-            </a:r>
-            <a:r>
-              <a:t>Chrome</a:t>
-            </a:r>
-            <a:r>
-              <a:t>、</a:t>
-            </a:r>
-            <a:r>
-              <a:t>FF</a:t>
-            </a:r>
-            <a:r>
-              <a:t>、</a:t>
-            </a:r>
-            <a:r>
-              <a:t>Edge</a:t>
-            </a:r>
-            <a:r>
-              <a:t>）</a:t>
+            <a:r>
+              <a:t>支持浏览器离线通知（Chrome、FF、Edge）</a:t>
             </a:r>
           </a:p>
         </p:txBody>
@@ -4245,12 +4145,12 @@
   <p:clrMapOvr>
     <a:masterClrMapping/>
   </p:clrMapOvr>
-  <p:transition xmlns:p14="http://schemas.microsoft.com/office/powerpoint/2010/main" spd="med" advClick="1"/>
+  <p:transition spd="med"/>
 </p:sld>
 </file>
 
 <file path=ppt/slides/slide13.xml><?xml version="1.0" encoding="utf-8"?>
-<p:sld xmlns:a="http://schemas.openxmlformats.org/drawingml/2006/main" xmlns:r="http://schemas.openxmlformats.org/officeDocument/2006/relationships" xmlns:p="http://schemas.openxmlformats.org/presentationml/2006/main" xmlns:m="http://schemas.openxmlformats.org/officeDocument/2006/math" xmlns:a14="http://schemas.microsoft.com/office/drawing/2010/main" showMasterSp="1" showMasterPhAnim="1">
+<p:sld xmlns:a="http://schemas.openxmlformats.org/drawingml/2006/main" xmlns:r="http://schemas.openxmlformats.org/officeDocument/2006/relationships" xmlns:p="http://schemas.openxmlformats.org/presentationml/2006/main">
   <p:cSld>
     <p:spTree>
       <p:nvGrpSpPr>
@@ -4283,7 +4183,6 @@
           <a:bodyPr/>
           <a:lstStyle/>
           <a:p>
-            <a:pPr/>
             <a:r>
               <a:t>举报系统</a:t>
             </a:r>
@@ -4307,27 +4206,18 @@
           <a:bodyPr/>
           <a:lstStyle/>
           <a:p>
-            <a:pPr/>
             <a:r>
               <a:t>举报用户</a:t>
             </a:r>
           </a:p>
           <a:p>
-            <a:pPr/>
             <a:r>
               <a:t>举报帖子</a:t>
             </a:r>
           </a:p>
           <a:p>
-            <a:pPr/>
-            <a:r>
-              <a:t>举报内容可进行忽略</a:t>
-            </a:r>
-            <a:r>
-              <a:t>/</a:t>
-            </a:r>
-            <a:r>
-              <a:t>奖励</a:t>
+            <a:r>
+              <a:t>举报内容可进行忽略/奖励</a:t>
             </a:r>
           </a:p>
         </p:txBody>
@@ -4337,12 +4227,12 @@
   <p:clrMapOvr>
     <a:masterClrMapping/>
   </p:clrMapOvr>
-  <p:transition xmlns:p14="http://schemas.microsoft.com/office/powerpoint/2010/main" spd="med" advClick="1"/>
+  <p:transition spd="med"/>
 </p:sld>
 </file>
 
 <file path=ppt/slides/slide14.xml><?xml version="1.0" encoding="utf-8"?>
-<p:sld xmlns:a="http://schemas.openxmlformats.org/drawingml/2006/main" xmlns:r="http://schemas.openxmlformats.org/officeDocument/2006/relationships" xmlns:p="http://schemas.openxmlformats.org/presentationml/2006/main" xmlns:m="http://schemas.openxmlformats.org/officeDocument/2006/math" xmlns:a14="http://schemas.microsoft.com/office/drawing/2010/main" showMasterSp="1" showMasterPhAnim="1">
+<p:sld xmlns:a="http://schemas.openxmlformats.org/drawingml/2006/main" xmlns:r="http://schemas.openxmlformats.org/officeDocument/2006/relationships" xmlns:p="http://schemas.openxmlformats.org/presentationml/2006/main">
   <p:cSld>
     <p:spTree>
       <p:nvGrpSpPr>
@@ -4375,7 +4265,6 @@
           <a:bodyPr/>
           <a:lstStyle/>
           <a:p>
-            <a:pPr/>
             <a:r>
               <a:t>搜索系统</a:t>
             </a:r>
@@ -4399,21 +4288,13 @@
           <a:bodyPr/>
           <a:lstStyle/>
           <a:p>
-            <a:pPr/>
-            <a:r>
-              <a:t>零开发对接</a:t>
-            </a:r>
-            <a:r>
-              <a:t>Algolia</a:t>
-            </a:r>
-          </a:p>
-          <a:p>
-            <a:pPr/>
-            <a:r>
-              <a:t>少量二开对接</a:t>
-            </a:r>
-            <a:r>
-              <a:t>Elasticsearch</a:t>
+            <a:r>
+              <a:t>零开发对接Algolia</a:t>
+            </a:r>
+          </a:p>
+          <a:p>
+            <a:r>
+              <a:t>少量二开对接Elasticsearch</a:t>
             </a:r>
           </a:p>
         </p:txBody>
@@ -4423,12 +4304,12 @@
   <p:clrMapOvr>
     <a:masterClrMapping/>
   </p:clrMapOvr>
-  <p:transition xmlns:p14="http://schemas.microsoft.com/office/powerpoint/2010/main" spd="med" advClick="1"/>
+  <p:transition spd="med"/>
 </p:sld>
 </file>
 
 <file path=ppt/slides/slide15.xml><?xml version="1.0" encoding="utf-8"?>
-<p:sld xmlns:a="http://schemas.openxmlformats.org/drawingml/2006/main" xmlns:r="http://schemas.openxmlformats.org/officeDocument/2006/relationships" xmlns:p="http://schemas.openxmlformats.org/presentationml/2006/main" xmlns:m="http://schemas.openxmlformats.org/officeDocument/2006/math" xmlns:a14="http://schemas.microsoft.com/office/drawing/2010/main" showMasterSp="1" showMasterPhAnim="1">
+<p:sld xmlns:a="http://schemas.openxmlformats.org/drawingml/2006/main" xmlns:r="http://schemas.openxmlformats.org/officeDocument/2006/relationships" xmlns:p="http://schemas.openxmlformats.org/presentationml/2006/main">
   <p:cSld>
     <p:spTree>
       <p:nvGrpSpPr>
@@ -4461,7 +4342,6 @@
           <a:bodyPr/>
           <a:lstStyle/>
           <a:p>
-            <a:pPr/>
             <a:r>
               <a:t>微信、第三方账号相关</a:t>
             </a:r>
@@ -4485,21 +4365,13 @@
           <a:bodyPr/>
           <a:lstStyle/>
           <a:p>
-            <a:pPr/>
             <a:r>
               <a:t>微信公众号、小程序对接</a:t>
             </a:r>
           </a:p>
           <a:p>
-            <a:pPr/>
-            <a:r>
-              <a:t>支持通过微博、</a:t>
-            </a:r>
-            <a:r>
-              <a:t>QQ</a:t>
-            </a:r>
-            <a:r>
-              <a:t>、微信账号登录</a:t>
+            <a:r>
+              <a:t>支持通过微博、QQ、微信账号登录</a:t>
             </a:r>
           </a:p>
         </p:txBody>
@@ -4509,12 +4381,12 @@
   <p:clrMapOvr>
     <a:masterClrMapping/>
   </p:clrMapOvr>
-  <p:transition xmlns:p14="http://schemas.microsoft.com/office/powerpoint/2010/main" spd="med" advClick="1"/>
+  <p:transition spd="med"/>
 </p:sld>
 </file>
 
 <file path=ppt/slides/slide16.xml><?xml version="1.0" encoding="utf-8"?>
-<p:sld xmlns:a="http://schemas.openxmlformats.org/drawingml/2006/main" xmlns:r="http://schemas.openxmlformats.org/officeDocument/2006/relationships" xmlns:p="http://schemas.openxmlformats.org/presentationml/2006/main" xmlns:m="http://schemas.openxmlformats.org/officeDocument/2006/math" xmlns:a14="http://schemas.microsoft.com/office/drawing/2010/main" showMasterSp="1" showMasterPhAnim="1">
+<p:sld xmlns:a="http://schemas.openxmlformats.org/drawingml/2006/main" xmlns:r="http://schemas.openxmlformats.org/officeDocument/2006/relationships" xmlns:p="http://schemas.openxmlformats.org/presentationml/2006/main">
   <p:cSld>
     <p:spTree>
       <p:nvGrpSpPr>
@@ -4547,7 +4419,6 @@
           <a:bodyPr/>
           <a:lstStyle/>
           <a:p>
-            <a:pPr/>
             <a:r>
               <a:t>API</a:t>
             </a:r>
@@ -4571,25 +4442,11 @@
           <a:bodyPr/>
           <a:lstStyle/>
           <a:p>
-            <a:pPr/>
-            <a:r>
-              <a:t>提供丰富的</a:t>
-            </a:r>
-            <a:r>
-              <a:t>API</a:t>
-            </a:r>
-            <a:r>
-              <a:t>给</a:t>
-            </a:r>
-            <a:r>
-              <a:t>APP</a:t>
-            </a:r>
-            <a:r>
-              <a:t>客户端或者其他系统进行交互联动</a:t>
-            </a:r>
-          </a:p>
-          <a:p>
-            <a:pPr/>
+            <a:r>
+              <a:t>提供丰富的API给APP客户端或者其他系统进行交互联动</a:t>
+            </a:r>
+          </a:p>
+          <a:p>
             <a:r>
               <a:rPr u="sng">
                 <a:solidFill>
@@ -4600,24 +4457,19 @@
                     <a:srgbClr val="0563C1"/>
                   </a:solidFill>
                 </a:uFill>
-                <a:hlinkClick r:id="rId2" invalidUrl="" action="" tgtFrame="" tooltip="" history="1" highlightClick="0" endSnd="0"/>
               </a:rPr>
-              <a:t>API</a:t>
-            </a:r>
-            <a:r>
-              <a:rPr u="sng">
+              <a:t>API文档</a:t>
+            </a:r>
+            <a:endParaRPr u="sng">
+              <a:solidFill>
+                <a:srgbClr val="0563C1"/>
+              </a:solidFill>
+              <a:uFill>
                 <a:solidFill>
                   <a:srgbClr val="0563C1"/>
                 </a:solidFill>
-                <a:uFill>
-                  <a:solidFill>
-                    <a:srgbClr val="0563C1"/>
-                  </a:solidFill>
-                </a:uFill>
-                <a:hlinkClick r:id="rId2" invalidUrl="" action="" tgtFrame="" tooltip="" history="1" highlightClick="0" endSnd="0"/>
-              </a:rPr>
-              <a:t>文档</a:t>
-            </a:r>
+              </a:uFill>
+            </a:endParaRPr>
           </a:p>
         </p:txBody>
       </p:sp>
@@ -4626,12 +4478,12 @@
   <p:clrMapOvr>
     <a:masterClrMapping/>
   </p:clrMapOvr>
-  <p:transition xmlns:p14="http://schemas.microsoft.com/office/powerpoint/2010/main" spd="med" advClick="1"/>
+  <p:transition spd="med"/>
 </p:sld>
 </file>
 
 <file path=ppt/slides/slide17.xml><?xml version="1.0" encoding="utf-8"?>
-<p:sld xmlns:a="http://schemas.openxmlformats.org/drawingml/2006/main" xmlns:r="http://schemas.openxmlformats.org/officeDocument/2006/relationships" xmlns:p="http://schemas.openxmlformats.org/presentationml/2006/main" xmlns:m="http://schemas.openxmlformats.org/officeDocument/2006/math" xmlns:a14="http://schemas.microsoft.com/office/drawing/2010/main" showMasterSp="1" showMasterPhAnim="1">
+<p:sld xmlns:a="http://schemas.openxmlformats.org/drawingml/2006/main" xmlns:r="http://schemas.openxmlformats.org/officeDocument/2006/relationships" xmlns:p="http://schemas.openxmlformats.org/presentationml/2006/main">
   <p:cSld>
     <p:spTree>
       <p:nvGrpSpPr>
@@ -4664,7 +4516,6 @@
           <a:bodyPr/>
           <a:lstStyle/>
           <a:p>
-            <a:pPr/>
             <a:r>
               <a:t>其他功能</a:t>
             </a:r>
@@ -4688,121 +4539,135 @@
           <a:bodyPr/>
           <a:lstStyle/>
           <a:p>
-            <a:pPr marL="316839" indent="-316839" defTabSz="1287475">
+            <a:pPr marL="316865" indent="-316865" defTabSz="1287145">
               <a:lnSpc>
                 <a:spcPct val="81000"/>
               </a:lnSpc>
-              <a:defRPr sz="2772"/>
+              <a:defRPr sz="2770"/>
             </a:pPr>
             <a:r>
               <a:t>简单的微博</a:t>
             </a:r>
           </a:p>
           <a:p>
-            <a:pPr marL="316839" indent="-316839" defTabSz="1287475">
+            <a:pPr marL="316865" indent="-316865" defTabSz="1287145">
               <a:lnSpc>
                 <a:spcPct val="81000"/>
               </a:lnSpc>
-              <a:defRPr sz="2772"/>
+              <a:defRPr sz="2770"/>
             </a:pPr>
             <a:r>
-              <a:t>支持注销账号</a:t>
-            </a:r>
-          </a:p>
-          <a:p>
-            <a:pPr marL="316839" indent="-316839" defTabSz="1287475">
+              <a:t>注销账号</a:t>
+            </a:r>
+          </a:p>
+          <a:p>
+            <a:pPr marL="316865" indent="-316865" defTabSz="1287145">
               <a:lnSpc>
                 <a:spcPct val="81000"/>
               </a:lnSpc>
-              <a:defRPr sz="2772"/>
+              <a:defRPr sz="2770"/>
             </a:pPr>
             <a:r>
               <a:t>语音摘要</a:t>
             </a:r>
           </a:p>
           <a:p>
-            <a:pPr marL="316839" indent="-316839" defTabSz="1287475">
+            <a:pPr marL="316865" indent="-316865" defTabSz="1287145">
               <a:lnSpc>
                 <a:spcPct val="81000"/>
               </a:lnSpc>
-              <a:defRPr sz="2772"/>
+              <a:defRPr sz="2770"/>
             </a:pPr>
             <a:r>
               <a:t>快捷键</a:t>
             </a:r>
           </a:p>
           <a:p>
-            <a:pPr marL="316839" indent="-316839" defTabSz="1287475">
+            <a:pPr marL="316865" indent="-316865" defTabSz="1287145">
               <a:lnSpc>
                 <a:spcPct val="81000"/>
               </a:lnSpc>
-              <a:defRPr sz="2772"/>
+              <a:defRPr sz="2770"/>
             </a:pPr>
             <a:r>
               <a:t>匿名发帖</a:t>
             </a:r>
           </a:p>
           <a:p>
-            <a:pPr marL="316839" indent="-316839" defTabSz="1287475">
+            <a:pPr marL="316865" indent="-316865" defTabSz="1287145">
               <a:lnSpc>
                 <a:spcPct val="81000"/>
               </a:lnSpc>
-              <a:defRPr sz="2772"/>
+              <a:defRPr sz="2770"/>
             </a:pPr>
             <a:r>
               <a:t>音视频播放</a:t>
             </a:r>
           </a:p>
           <a:p>
-            <a:pPr marL="316839" indent="-316839" defTabSz="1287475">
+            <a:pPr marL="316865" indent="-316865" defTabSz="1287145">
               <a:lnSpc>
                 <a:spcPct val="81000"/>
               </a:lnSpc>
-              <a:defRPr sz="2772"/>
+              <a:defRPr sz="2770"/>
             </a:pPr>
             <a:r>
               <a:t>录音发帖</a:t>
             </a:r>
           </a:p>
           <a:p>
-            <a:pPr marL="316839" indent="-316839" defTabSz="1287475">
+            <a:pPr marL="316865" indent="-316865" defTabSz="1287145">
               <a:lnSpc>
                 <a:spcPct val="81000"/>
               </a:lnSpc>
-              <a:defRPr sz="2772"/>
+              <a:defRPr sz="2770"/>
             </a:pPr>
             <a:r>
-              <a:t>多主题</a:t>
-            </a:r>
-          </a:p>
-          <a:p>
-            <a:pPr marL="316839" indent="-316839" defTabSz="1287475">
+              <a:rPr lang="zh-CN">
+                <a:ea typeface="宋体" panose="02010600030101010101" pitchFamily="2" charset="-122"/>
+              </a:rPr>
+              <a:t>投票表单</a:t>
+            </a:r>
+          </a:p>
+          <a:p>
+            <a:pPr marL="316865" indent="-316865" defTabSz="1287145">
               <a:lnSpc>
                 <a:spcPct val="81000"/>
               </a:lnSpc>
-              <a:defRPr sz="2772"/>
+              <a:defRPr sz="2770"/>
             </a:pPr>
             <a:r>
-              <a:t>多维度用户数据统计</a:t>
-            </a:r>
-          </a:p>
-          <a:p>
-            <a:pPr marL="316839" indent="-316839" defTabSz="1287475">
+              <a:t>多主题</a:t>
+            </a:r>
+          </a:p>
+          <a:p>
+            <a:pPr marL="316865" indent="-316865" defTabSz="1287145">
               <a:lnSpc>
                 <a:spcPct val="81000"/>
               </a:lnSpc>
-              <a:defRPr sz="2772"/>
+              <a:defRPr sz="2770"/>
             </a:pPr>
             <a:r>
-              <a:t>多语言国际化</a:t>
-            </a:r>
-          </a:p>
-          <a:p>
-            <a:pPr marL="316839" indent="-316839" defTabSz="1287475">
+              <a:t>多维度用户数据统计</a:t>
+            </a:r>
+          </a:p>
+          <a:p>
+            <a:pPr marL="316865" indent="-316865" defTabSz="1287145">
               <a:lnSpc>
                 <a:spcPct val="81000"/>
               </a:lnSpc>
-              <a:defRPr sz="2772"/>
+              <a:defRPr sz="2770"/>
+            </a:pPr>
+            <a:r>
+              <a:t>多语言国际化</a:t>
+            </a:r>
+          </a:p>
+          <a:p>
+            <a:pPr marL="316865" indent="-316865" defTabSz="1287145">
+              <a:lnSpc>
+                <a:spcPct val="81000"/>
+              </a:lnSpc>
+              <a:defRPr sz="2770"/>
             </a:pPr>
             <a:r>
               <a:t>……</a:t>
@@ -4815,12 +4680,12 @@
   <p:clrMapOvr>
     <a:masterClrMapping/>
   </p:clrMapOvr>
-  <p:transition xmlns:p14="http://schemas.microsoft.com/office/powerpoint/2010/main" spd="med" advClick="1"/>
+  <p:transition spd="med"/>
 </p:sld>
 </file>
 
 <file path=ppt/slides/slide18.xml><?xml version="1.0" encoding="utf-8"?>
-<p:sld xmlns:a="http://schemas.openxmlformats.org/drawingml/2006/main" xmlns:r="http://schemas.openxmlformats.org/officeDocument/2006/relationships" xmlns:p="http://schemas.openxmlformats.org/presentationml/2006/main" xmlns:m="http://schemas.openxmlformats.org/officeDocument/2006/math" xmlns:a14="http://schemas.microsoft.com/office/drawing/2010/main" showMasterSp="1" showMasterPhAnim="1">
+<p:sld xmlns:a="http://schemas.openxmlformats.org/drawingml/2006/main" xmlns:r="http://schemas.openxmlformats.org/officeDocument/2006/relationships" xmlns:p="http://schemas.openxmlformats.org/presentationml/2006/main">
   <p:cSld>
     <p:spTree>
       <p:nvGrpSpPr>
@@ -4853,7 +4718,6 @@
           <a:bodyPr/>
           <a:lstStyle/>
           <a:p>
-            <a:pPr/>
             <a:r>
               <a:t>环境搭建</a:t>
             </a:r>
@@ -4877,32 +4741,26 @@
           <a:bodyPr/>
           <a:lstStyle/>
           <a:p>
-            <a:pPr/>
             <a:r>
               <a:t>JDK 8</a:t>
             </a:r>
           </a:p>
           <a:p>
-            <a:pPr/>
             <a:r>
               <a:t>MySQL 5.7+</a:t>
             </a:r>
           </a:p>
           <a:p>
-            <a:pPr/>
             <a:r>
               <a:t>Tomcat/Jetty 9</a:t>
             </a:r>
           </a:p>
           <a:p>
-            <a:pPr/>
             <a:r>
               <a:t>Maven</a:t>
             </a:r>
           </a:p>
-          <a:p>
-            <a:pPr/>
-          </a:p>
+          <a:p/>
           <a:p>
             <a:pPr marL="0" indent="0">
               <a:buSzTx/>
@@ -4921,38 +4779,19 @@
                     <a:srgbClr val="0563C1"/>
                   </a:solidFill>
                 </a:uFill>
-                <a:hlinkClick r:id="rId2" invalidUrl="" action="" tgtFrame="" tooltip="" history="1" highlightClick="0" endSnd="0"/>
               </a:rPr>
-              <a:t>《</a:t>
-            </a:r>
-            <a:r>
-              <a:rPr u="sng">
+              <a:t>《Sym安装指南》</a:t>
+            </a:r>
+            <a:endParaRPr u="sng">
+              <a:solidFill>
+                <a:srgbClr val="0563C1"/>
+              </a:solidFill>
+              <a:uFill>
                 <a:solidFill>
                   <a:srgbClr val="0563C1"/>
                 </a:solidFill>
-                <a:uFill>
-                  <a:solidFill>
-                    <a:srgbClr val="0563C1"/>
-                  </a:solidFill>
-                </a:uFill>
-                <a:hlinkClick r:id="rId2" invalidUrl="" action="" tgtFrame="" tooltip="" history="1" highlightClick="0" endSnd="0"/>
-              </a:rPr>
-              <a:t>Sym</a:t>
-            </a:r>
-            <a:r>
-              <a:rPr u="sng">
-                <a:solidFill>
-                  <a:srgbClr val="0563C1"/>
-                </a:solidFill>
-                <a:uFill>
-                  <a:solidFill>
-                    <a:srgbClr val="0563C1"/>
-                  </a:solidFill>
-                </a:uFill>
-                <a:hlinkClick r:id="rId2" invalidUrl="" action="" tgtFrame="" tooltip="" history="1" highlightClick="0" endSnd="0"/>
-              </a:rPr>
-              <a:t>安装指南》</a:t>
-            </a:r>
+              </a:uFill>
+            </a:endParaRPr>
           </a:p>
         </p:txBody>
       </p:sp>
@@ -4961,12 +4800,12 @@
   <p:clrMapOvr>
     <a:masterClrMapping/>
   </p:clrMapOvr>
-  <p:transition xmlns:p14="http://schemas.microsoft.com/office/powerpoint/2010/main" spd="med" advClick="1"/>
+  <p:transition spd="med"/>
 </p:sld>
 </file>
 
 <file path=ppt/slides/slide19.xml><?xml version="1.0" encoding="utf-8"?>
-<p:sld xmlns:a="http://schemas.openxmlformats.org/drawingml/2006/main" xmlns:r="http://schemas.openxmlformats.org/officeDocument/2006/relationships" xmlns:p="http://schemas.openxmlformats.org/presentationml/2006/main" xmlns:m="http://schemas.openxmlformats.org/officeDocument/2006/math" xmlns:a14="http://schemas.microsoft.com/office/drawing/2010/main" showMasterSp="1" showMasterPhAnim="1">
+<p:sld xmlns:a="http://schemas.openxmlformats.org/drawingml/2006/main" xmlns:r="http://schemas.openxmlformats.org/officeDocument/2006/relationships" xmlns:p="http://schemas.openxmlformats.org/presentationml/2006/main">
   <p:cSld>
     <p:spTree>
       <p:nvGrpSpPr>
@@ -4999,7 +4838,6 @@
           <a:bodyPr/>
           <a:lstStyle/>
           <a:p>
-            <a:pPr/>
             <a:r>
               <a:t>技术架构</a:t>
             </a:r>
@@ -5023,46 +4861,36 @@
           <a:bodyPr/>
           <a:lstStyle/>
           <a:p>
-            <a:pPr/>
             <a:r>
               <a:t>开发框架</a:t>
             </a:r>
           </a:p>
           <a:p>
-            <a:pPr/>
-            <a:r>
-              <a:t>MVC</a:t>
-            </a:r>
-            <a:r>
-              <a:t>分层</a:t>
-            </a:r>
-          </a:p>
-          <a:p>
-            <a:pPr/>
+            <a:r>
+              <a:t>MVC分层</a:t>
+            </a:r>
+          </a:p>
+          <a:p>
             <a:r>
               <a:t>移动端</a:t>
             </a:r>
           </a:p>
           <a:p>
-            <a:pPr/>
             <a:r>
               <a:t>SEO</a:t>
             </a:r>
           </a:p>
           <a:p>
-            <a:pPr/>
             <a:r>
               <a:t>性能优化</a:t>
             </a:r>
           </a:p>
           <a:p>
-            <a:pPr/>
             <a:r>
               <a:t>安全性</a:t>
             </a:r>
           </a:p>
           <a:p>
-            <a:pPr/>
             <a:r>
               <a:t>集群部署</a:t>
             </a:r>
@@ -5074,12 +4902,12 @@
   <p:clrMapOvr>
     <a:masterClrMapping/>
   </p:clrMapOvr>
-  <p:transition xmlns:p14="http://schemas.microsoft.com/office/powerpoint/2010/main" spd="med" advClick="1"/>
+  <p:transition spd="med"/>
 </p:sld>
 </file>
 
 <file path=ppt/slides/slide2.xml><?xml version="1.0" encoding="utf-8"?>
-<p:sld xmlns:a="http://schemas.openxmlformats.org/drawingml/2006/main" xmlns:r="http://schemas.openxmlformats.org/officeDocument/2006/relationships" xmlns:p="http://schemas.openxmlformats.org/presentationml/2006/main" xmlns:m="http://schemas.openxmlformats.org/officeDocument/2006/math" xmlns:a14="http://schemas.microsoft.com/office/drawing/2010/main" showMasterSp="1" showMasterPhAnim="1">
+<p:sld xmlns:a="http://schemas.openxmlformats.org/drawingml/2006/main" xmlns:r="http://schemas.openxmlformats.org/officeDocument/2006/relationships" xmlns:p="http://schemas.openxmlformats.org/presentationml/2006/main">
   <p:cSld>
     <p:spTree>
       <p:nvGrpSpPr>
@@ -5112,7 +4940,6 @@
           <a:bodyPr/>
           <a:lstStyle/>
           <a:p>
-            <a:pPr/>
             <a:r>
               <a:t>开发背景</a:t>
             </a:r>
@@ -5144,20 +4971,14 @@
                 <a:spcPts val="1400"/>
               </a:spcBef>
               <a:defRPr>
-                <a:latin typeface="Calibri"/>
-                <a:ea typeface="Calibri"/>
-                <a:cs typeface="Calibri"/>
-                <a:sym typeface="Calibri"/>
+                <a:latin typeface="Calibri" panose="020F0502020204030204"/>
+                <a:ea typeface="Calibri" panose="020F0502020204030204"/>
+                <a:cs typeface="Calibri" panose="020F0502020204030204"/>
+                <a:sym typeface="Calibri" panose="020F0502020204030204"/>
               </a:defRPr>
             </a:pPr>
             <a:r>
-              <a:t>初始研发于</a:t>
-            </a:r>
-            <a:r>
-              <a:t>2011</a:t>
-            </a:r>
-            <a:r>
-              <a:t>年</a:t>
+              <a:t>初始研发于2011年</a:t>
             </a:r>
           </a:p>
           <a:p>
@@ -5169,20 +4990,14 @@
                 <a:spcPts val="1400"/>
               </a:spcBef>
               <a:defRPr>
-                <a:latin typeface="Calibri"/>
-                <a:ea typeface="Calibri"/>
-                <a:cs typeface="Calibri"/>
-                <a:sym typeface="Calibri"/>
+                <a:latin typeface="Calibri" panose="020F0502020204030204"/>
+                <a:ea typeface="Calibri" panose="020F0502020204030204"/>
+                <a:cs typeface="Calibri" panose="020F0502020204030204"/>
+                <a:sym typeface="Calibri" panose="020F0502020204030204"/>
               </a:defRPr>
             </a:pPr>
             <a:r>
-              <a:t>业界缺乏</a:t>
-            </a:r>
-            <a:r>
-              <a:t>Java</a:t>
-            </a:r>
-            <a:r>
-              <a:t>写的社区论坛</a:t>
+              <a:t>业界缺乏Java写的社区论坛</a:t>
             </a:r>
           </a:p>
           <a:p>
@@ -5194,10 +5009,10 @@
                 <a:spcPts val="1400"/>
               </a:spcBef>
               <a:defRPr>
-                <a:latin typeface="Calibri"/>
-                <a:ea typeface="Calibri"/>
-                <a:cs typeface="Calibri"/>
-                <a:sym typeface="Calibri"/>
+                <a:latin typeface="Calibri" panose="020F0502020204030204"/>
+                <a:ea typeface="Calibri" panose="020F0502020204030204"/>
+                <a:cs typeface="Calibri" panose="020F0502020204030204"/>
+                <a:sym typeface="Calibri" panose="020F0502020204030204"/>
               </a:defRPr>
             </a:pPr>
             <a:r>
@@ -5213,10 +5028,10 @@
                 <a:spcPts val="1400"/>
               </a:spcBef>
               <a:defRPr>
-                <a:latin typeface="Calibri"/>
-                <a:ea typeface="Calibri"/>
-                <a:cs typeface="Calibri"/>
-                <a:sym typeface="Calibri"/>
+                <a:latin typeface="Calibri" panose="020F0502020204030204"/>
+                <a:ea typeface="Calibri" panose="020F0502020204030204"/>
+                <a:cs typeface="Calibri" panose="020F0502020204030204"/>
+                <a:sym typeface="Calibri" panose="020F0502020204030204"/>
               </a:defRPr>
             </a:pPr>
             <a:r>
@@ -5232,13 +5047,13 @@
   </p:clrMapOvr>
   <mc:AlternateContent xmlns:mc="http://schemas.openxmlformats.org/markup-compatibility/2006">
     <mc:Choice xmlns:p14="http://schemas.microsoft.com/office/powerpoint/2010/main" Requires="p14">
-      <p:transition spd="slow" advClick="1" p14:dur="1500">
+      <p:transition spd="slow" p14:dur="1500">
         <p:dissolve/>
       </p:transition>
     </mc:Choice>
     <mc:Fallback>
       <p:transition spd="slow">
-        <p:fade/>
+        <p:dissolve/>
       </p:transition>
     </mc:Fallback>
   </mc:AlternateContent>
@@ -5246,7 +5061,7 @@
 </file>
 
 <file path=ppt/slides/slide20.xml><?xml version="1.0" encoding="utf-8"?>
-<p:sld xmlns:a="http://schemas.openxmlformats.org/drawingml/2006/main" xmlns:r="http://schemas.openxmlformats.org/officeDocument/2006/relationships" xmlns:p="http://schemas.openxmlformats.org/presentationml/2006/main" xmlns:m="http://schemas.openxmlformats.org/officeDocument/2006/math" xmlns:a14="http://schemas.microsoft.com/office/drawing/2010/main" showMasterSp="1" showMasterPhAnim="1">
+<p:sld xmlns:a="http://schemas.openxmlformats.org/drawingml/2006/main" xmlns:r="http://schemas.openxmlformats.org/officeDocument/2006/relationships" xmlns:p="http://schemas.openxmlformats.org/presentationml/2006/main">
   <p:cSld>
     <p:spTree>
       <p:nvGrpSpPr>
@@ -5279,7 +5094,6 @@
           <a:bodyPr/>
           <a:lstStyle/>
           <a:p>
-            <a:pPr/>
             <a:r>
               <a:t>开发框架</a:t>
             </a:r>
@@ -5303,54 +5117,18 @@
           <a:bodyPr/>
           <a:lstStyle/>
           <a:p>
-            <a:pPr/>
-            <a:r>
-              <a:t>基于</a:t>
-            </a:r>
-            <a:r>
-              <a:t>Latke</a:t>
-            </a:r>
-            <a:r>
-              <a:t>开发，类似</a:t>
-            </a:r>
-            <a:r>
-              <a:t>SpringMVC</a:t>
-            </a:r>
-            <a:r>
-              <a:t>的轻量级</a:t>
-            </a:r>
-            <a:r>
-              <a:t>Servlet</a:t>
-            </a:r>
-            <a:r>
-              <a:t>框架</a:t>
-            </a:r>
-          </a:p>
-          <a:p>
-            <a:pPr/>
-            <a:r>
-              <a:t>服务端模板使用</a:t>
-            </a:r>
-            <a:r>
-              <a:t>FreeMarker</a:t>
-            </a:r>
-          </a:p>
-          <a:p>
-            <a:pPr/>
-            <a:r>
-              <a:t>前端</a:t>
-            </a:r>
-            <a:r>
-              <a:t>jQuery</a:t>
-            </a:r>
-            <a:r>
-              <a:t>，</a:t>
-            </a:r>
-            <a:r>
-              <a:t>webpack</a:t>
-            </a:r>
-            <a:r>
-              <a:t>打包</a:t>
+            <a:r>
+              <a:t>基于Latke开发，类似SpringMVC的轻量级Servlet框架</a:t>
+            </a:r>
+          </a:p>
+          <a:p>
+            <a:r>
+              <a:t>服务端模板使用FreeMarker</a:t>
+            </a:r>
+          </a:p>
+          <a:p>
+            <a:r>
+              <a:t>前端jQuery，webpack打包</a:t>
             </a:r>
           </a:p>
         </p:txBody>
@@ -5360,12 +5138,12 @@
   <p:clrMapOvr>
     <a:masterClrMapping/>
   </p:clrMapOvr>
-  <p:transition xmlns:p14="http://schemas.microsoft.com/office/powerpoint/2010/main" spd="med" advClick="1"/>
+  <p:transition spd="med"/>
 </p:sld>
 </file>
 
 <file path=ppt/slides/slide21.xml><?xml version="1.0" encoding="utf-8"?>
-<p:sld xmlns:a="http://schemas.openxmlformats.org/drawingml/2006/main" xmlns:r="http://schemas.openxmlformats.org/officeDocument/2006/relationships" xmlns:p="http://schemas.openxmlformats.org/presentationml/2006/main" xmlns:m="http://schemas.openxmlformats.org/officeDocument/2006/math" xmlns:a14="http://schemas.microsoft.com/office/drawing/2010/main" showMasterSp="1" showMasterPhAnim="1">
+<p:sld xmlns:a="http://schemas.openxmlformats.org/drawingml/2006/main" xmlns:r="http://schemas.openxmlformats.org/officeDocument/2006/relationships" xmlns:p="http://schemas.openxmlformats.org/presentationml/2006/main">
   <p:cSld>
     <p:spTree>
       <p:nvGrpSpPr>
@@ -5398,12 +5176,8 @@
           <a:bodyPr/>
           <a:lstStyle/>
           <a:p>
-            <a:pPr/>
-            <a:r>
-              <a:t>MVC</a:t>
-            </a:r>
-            <a:r>
-              <a:t>分层</a:t>
+            <a:r>
+              <a:t>MVC分层</a:t>
             </a:r>
           </a:p>
         </p:txBody>
@@ -5425,48 +5199,18 @@
           <a:bodyPr/>
           <a:lstStyle/>
           <a:p>
-            <a:pPr/>
-            <a:r>
-              <a:t>Processor</a:t>
-            </a:r>
-            <a:r>
-              <a:t>控制器层，处理</a:t>
-            </a:r>
-            <a:r>
-              <a:t>AJAX</a:t>
-            </a:r>
-            <a:r>
-              <a:t>、</a:t>
-            </a:r>
-            <a:r>
-              <a:t>PJAX</a:t>
-            </a:r>
-            <a:r>
-              <a:t>、页面渲染</a:t>
-            </a:r>
-          </a:p>
-          <a:p>
-            <a:pPr/>
-            <a:r>
-              <a:t>Service</a:t>
-            </a:r>
-            <a:r>
-              <a:t>服务层，所有交互操作基本都封装在内，兼顾复用与扩展</a:t>
-            </a:r>
-          </a:p>
-          <a:p>
-            <a:pPr/>
-            <a:r>
-              <a:t>Repository</a:t>
-            </a:r>
-            <a:r>
-              <a:t>数据访问层，处理</a:t>
-            </a:r>
-            <a:r>
-              <a:t>JSON</a:t>
-            </a:r>
-            <a:r>
-              <a:t>数据存取</a:t>
+            <a:r>
+              <a:t>Processor控制器层，处理AJAX、PJAX、页面渲染</a:t>
+            </a:r>
+          </a:p>
+          <a:p>
+            <a:r>
+              <a:t>Service服务层，所有交互操作基本都封装在内，兼顾复用与扩展</a:t>
+            </a:r>
+          </a:p>
+          <a:p>
+            <a:r>
+              <a:t>Repository数据访问层，处理JSON数据存取</a:t>
             </a:r>
           </a:p>
         </p:txBody>
@@ -5476,12 +5220,12 @@
   <p:clrMapOvr>
     <a:masterClrMapping/>
   </p:clrMapOvr>
-  <p:transition xmlns:p14="http://schemas.microsoft.com/office/powerpoint/2010/main" spd="med" advClick="1"/>
+  <p:transition spd="med"/>
 </p:sld>
 </file>
 
 <file path=ppt/slides/slide22.xml><?xml version="1.0" encoding="utf-8"?>
-<p:sld xmlns:a="http://schemas.openxmlformats.org/drawingml/2006/main" xmlns:r="http://schemas.openxmlformats.org/officeDocument/2006/relationships" xmlns:p="http://schemas.openxmlformats.org/presentationml/2006/main" xmlns:m="http://schemas.openxmlformats.org/officeDocument/2006/math" xmlns:a14="http://schemas.microsoft.com/office/drawing/2010/main" showMasterSp="1" showMasterPhAnim="1">
+<p:sld xmlns:a="http://schemas.openxmlformats.org/drawingml/2006/main" xmlns:r="http://schemas.openxmlformats.org/officeDocument/2006/relationships" xmlns:p="http://schemas.openxmlformats.org/presentationml/2006/main">
   <p:cSld>
     <p:spTree>
       <p:nvGrpSpPr>
@@ -5514,7 +5258,6 @@
           <a:bodyPr/>
           <a:lstStyle/>
           <a:p>
-            <a:pPr/>
             <a:r>
               <a:t>移动端</a:t>
             </a:r>
@@ -5538,18 +5281,13 @@
           <a:bodyPr/>
           <a:lstStyle/>
           <a:p>
-            <a:pPr/>
             <a:r>
               <a:t>单独一套模板进行渲染</a:t>
             </a:r>
           </a:p>
           <a:p>
-            <a:pPr/>
-            <a:r>
-              <a:t>支持</a:t>
-            </a:r>
-            <a:r>
-              <a:t>PWA</a:t>
+            <a:r>
+              <a:t>支持PWA</a:t>
             </a:r>
           </a:p>
         </p:txBody>
@@ -5559,12 +5297,12 @@
   <p:clrMapOvr>
     <a:masterClrMapping/>
   </p:clrMapOvr>
-  <p:transition xmlns:p14="http://schemas.microsoft.com/office/powerpoint/2010/main" spd="med" advClick="1"/>
+  <p:transition spd="med"/>
 </p:sld>
 </file>
 
 <file path=ppt/slides/slide23.xml><?xml version="1.0" encoding="utf-8"?>
-<p:sld xmlns:a="http://schemas.openxmlformats.org/drawingml/2006/main" xmlns:r="http://schemas.openxmlformats.org/officeDocument/2006/relationships" xmlns:p="http://schemas.openxmlformats.org/presentationml/2006/main" xmlns:m="http://schemas.openxmlformats.org/officeDocument/2006/math" xmlns:a14="http://schemas.microsoft.com/office/drawing/2010/main" showMasterSp="1" showMasterPhAnim="1">
+<p:sld xmlns:a="http://schemas.openxmlformats.org/drawingml/2006/main" xmlns:r="http://schemas.openxmlformats.org/officeDocument/2006/relationships" xmlns:p="http://schemas.openxmlformats.org/presentationml/2006/main">
   <p:cSld>
     <p:spTree>
       <p:nvGrpSpPr>
@@ -5597,7 +5335,6 @@
           <a:bodyPr/>
           <a:lstStyle/>
           <a:p>
-            <a:pPr/>
             <a:r>
               <a:t>SEO	</a:t>
             </a:r>
@@ -5621,27 +5358,13 @@
           <a:bodyPr/>
           <a:lstStyle/>
           <a:p>
-            <a:pPr/>
-            <a:r>
-              <a:t>合理的</a:t>
-            </a:r>
-            <a:r>
-              <a:t>URL</a:t>
-            </a:r>
-            <a:r>
-              <a:t>、</a:t>
-            </a:r>
-            <a:r>
-              <a:t>DOM</a:t>
-            </a:r>
-          </a:p>
-          <a:p>
-            <a:pPr/>
-            <a:r>
-              <a:t>所有链接精准设置</a:t>
-            </a:r>
-            <a:r>
-              <a:t>rel</a:t>
+            <a:r>
+              <a:t>合理的URL、DOM</a:t>
+            </a:r>
+          </a:p>
+          <a:p>
+            <a:r>
+              <a:t>所有链接精准设置rel</a:t>
             </a:r>
           </a:p>
         </p:txBody>
@@ -5651,12 +5374,12 @@
   <p:clrMapOvr>
     <a:masterClrMapping/>
   </p:clrMapOvr>
-  <p:transition xmlns:p14="http://schemas.microsoft.com/office/powerpoint/2010/main" spd="med" advClick="1"/>
+  <p:transition spd="med"/>
 </p:sld>
 </file>
 
 <file path=ppt/slides/slide24.xml><?xml version="1.0" encoding="utf-8"?>
-<p:sld xmlns:a="http://schemas.openxmlformats.org/drawingml/2006/main" xmlns:r="http://schemas.openxmlformats.org/officeDocument/2006/relationships" xmlns:p="http://schemas.openxmlformats.org/presentationml/2006/main" xmlns:m="http://schemas.openxmlformats.org/officeDocument/2006/math" xmlns:a14="http://schemas.microsoft.com/office/drawing/2010/main" showMasterSp="1" showMasterPhAnim="1">
+<p:sld xmlns:a="http://schemas.openxmlformats.org/drawingml/2006/main" xmlns:r="http://schemas.openxmlformats.org/officeDocument/2006/relationships" xmlns:p="http://schemas.openxmlformats.org/presentationml/2006/main">
   <p:cSld>
     <p:spTree>
       <p:nvGrpSpPr>
@@ -5689,7 +5412,6 @@
           <a:bodyPr/>
           <a:lstStyle/>
           <a:p>
-            <a:pPr/>
             <a:r>
               <a:t>性能优化</a:t>
             </a:r>
@@ -5713,60 +5435,33 @@
           <a:bodyPr/>
           <a:lstStyle/>
           <a:p>
-            <a:pPr/>
-            <a:r>
-              <a:t>SQL</a:t>
-            </a:r>
-            <a:r>
-              <a:t>零</a:t>
-            </a:r>
-            <a:r>
-              <a:t>join</a:t>
-            </a:r>
-          </a:p>
-          <a:p>
-            <a:pPr/>
+            <a:r>
+              <a:t>SQL零join</a:t>
+            </a:r>
+          </a:p>
+          <a:p>
             <a:r>
               <a:t>热数据缓存</a:t>
             </a:r>
           </a:p>
           <a:p>
-            <a:pPr/>
-            <a:r>
-              <a:t>支持</a:t>
-            </a:r>
-            <a:r>
-              <a:t>Redis</a:t>
-            </a:r>
-            <a:r>
-              <a:t>或内存缓存</a:t>
-            </a:r>
-          </a:p>
-          <a:p>
-            <a:pPr/>
+            <a:r>
+              <a:t>支持Redis或内存缓存</a:t>
+            </a:r>
+          </a:p>
+          <a:p>
             <a:r>
               <a:t>后端耗时埋点与性能监控日志</a:t>
             </a:r>
           </a:p>
           <a:p>
-            <a:pPr/>
-            <a:r>
-              <a:t>前端按需加载图片、</a:t>
-            </a:r>
-            <a:r>
-              <a:t>JS</a:t>
-            </a:r>
-          </a:p>
-          <a:p>
-            <a:pPr/>
-            <a:r>
-              <a:t>前端</a:t>
-            </a:r>
-            <a:r>
-              <a:t>Service Worker</a:t>
-            </a:r>
-            <a:r>
-              <a:t>缓存</a:t>
+            <a:r>
+              <a:t>前端按需加载图片、JS</a:t>
+            </a:r>
+          </a:p>
+          <a:p>
+            <a:r>
+              <a:t>前端Service Worker缓存</a:t>
             </a:r>
           </a:p>
         </p:txBody>
@@ -5776,12 +5471,12 @@
   <p:clrMapOvr>
     <a:masterClrMapping/>
   </p:clrMapOvr>
-  <p:transition xmlns:p14="http://schemas.microsoft.com/office/powerpoint/2010/main" spd="med" advClick="1"/>
+  <p:transition spd="med"/>
 </p:sld>
 </file>
 
 <file path=ppt/slides/slide25.xml><?xml version="1.0" encoding="utf-8"?>
-<p:sld xmlns:a="http://schemas.openxmlformats.org/drawingml/2006/main" xmlns:r="http://schemas.openxmlformats.org/officeDocument/2006/relationships" xmlns:p="http://schemas.openxmlformats.org/presentationml/2006/main" xmlns:m="http://schemas.openxmlformats.org/officeDocument/2006/math" xmlns:a14="http://schemas.microsoft.com/office/drawing/2010/main" showMasterSp="1" showMasterPhAnim="1">
+<p:sld xmlns:a="http://schemas.openxmlformats.org/drawingml/2006/main" xmlns:r="http://schemas.openxmlformats.org/officeDocument/2006/relationships" xmlns:p="http://schemas.openxmlformats.org/presentationml/2006/main">
   <p:cSld>
     <p:spTree>
       <p:nvGrpSpPr>
@@ -5814,7 +5509,6 @@
           <a:bodyPr/>
           <a:lstStyle/>
           <a:p>
-            <a:pPr/>
             <a:r>
               <a:t>安全性</a:t>
             </a:r>
@@ -5838,40 +5532,21 @@
           <a:bodyPr/>
           <a:lstStyle/>
           <a:p>
-            <a:pPr/>
-            <a:r>
-              <a:t>全面防御</a:t>
-            </a:r>
-            <a:r>
-              <a:t>XSS</a:t>
-            </a:r>
-            <a:r>
-              <a:t>、</a:t>
-            </a:r>
-            <a:r>
-              <a:t>CSRF</a:t>
-            </a:r>
-          </a:p>
-          <a:p>
-            <a:pPr/>
-            <a:r>
-              <a:t>内置</a:t>
-            </a:r>
-            <a:r>
-              <a:t>CC</a:t>
-            </a:r>
-            <a:r>
-              <a:t>攻击过滤</a:t>
-            </a:r>
-          </a:p>
-          <a:p>
-            <a:pPr/>
+            <a:r>
+              <a:t>全面防御XSS、CSRF</a:t>
+            </a:r>
+          </a:p>
+          <a:p>
+            <a:r>
+              <a:t>内置CC攻击过滤</a:t>
+            </a:r>
+          </a:p>
+          <a:p>
             <a:r>
               <a:t>支持敏感词配置</a:t>
             </a:r>
           </a:p>
           <a:p>
-            <a:pPr/>
             <a:r>
               <a:t>可接入微信提供的内容安全校验接口</a:t>
             </a:r>
@@ -5883,12 +5558,12 @@
   <p:clrMapOvr>
     <a:masterClrMapping/>
   </p:clrMapOvr>
-  <p:transition xmlns:p14="http://schemas.microsoft.com/office/powerpoint/2010/main" spd="med" advClick="1"/>
+  <p:transition spd="med"/>
 </p:sld>
 </file>
 
 <file path=ppt/slides/slide26.xml><?xml version="1.0" encoding="utf-8"?>
-<p:sld xmlns:a="http://schemas.openxmlformats.org/drawingml/2006/main" xmlns:r="http://schemas.openxmlformats.org/officeDocument/2006/relationships" xmlns:p="http://schemas.openxmlformats.org/presentationml/2006/main" xmlns:m="http://schemas.openxmlformats.org/officeDocument/2006/math" xmlns:a14="http://schemas.microsoft.com/office/drawing/2010/main" showMasterSp="1" showMasterPhAnim="1">
+<p:sld xmlns:a="http://schemas.openxmlformats.org/drawingml/2006/main" xmlns:r="http://schemas.openxmlformats.org/officeDocument/2006/relationships" xmlns:p="http://schemas.openxmlformats.org/presentationml/2006/main">
   <p:cSld>
     <p:spTree>
       <p:nvGrpSpPr>
@@ -5921,7 +5596,6 @@
           <a:bodyPr/>
           <a:lstStyle/>
           <a:p>
-            <a:pPr/>
             <a:r>
               <a:t>集群部署</a:t>
             </a:r>
@@ -5945,27 +5619,13 @@
           <a:bodyPr/>
           <a:lstStyle/>
           <a:p>
-            <a:pPr/>
-            <a:r>
-              <a:t>会话通过</a:t>
-            </a:r>
-            <a:r>
-              <a:t>Cookie</a:t>
-            </a:r>
-            <a:r>
-              <a:t>校验</a:t>
-            </a:r>
-          </a:p>
-          <a:p>
-            <a:pPr/>
-            <a:r>
-              <a:t>使用</a:t>
-            </a:r>
-            <a:r>
-              <a:t>Redis</a:t>
-            </a:r>
-            <a:r>
-              <a:t>统一缓存</a:t>
+            <a:r>
+              <a:t>会话通过Cookie校验</a:t>
+            </a:r>
+          </a:p>
+          <a:p>
+            <a:r>
+              <a:t>使用Redis统一缓存</a:t>
             </a:r>
           </a:p>
         </p:txBody>
@@ -5975,12 +5635,12 @@
   <p:clrMapOvr>
     <a:masterClrMapping/>
   </p:clrMapOvr>
-  <p:transition xmlns:p14="http://schemas.microsoft.com/office/powerpoint/2010/main" spd="med" advClick="1"/>
+  <p:transition spd="med"/>
 </p:sld>
 </file>
 
 <file path=ppt/slides/slide3.xml><?xml version="1.0" encoding="utf-8"?>
-<p:sld xmlns:a="http://schemas.openxmlformats.org/drawingml/2006/main" xmlns:r="http://schemas.openxmlformats.org/officeDocument/2006/relationships" xmlns:p="http://schemas.openxmlformats.org/presentationml/2006/main" xmlns:m="http://schemas.openxmlformats.org/officeDocument/2006/math" xmlns:a14="http://schemas.microsoft.com/office/drawing/2010/main" showMasterSp="1" showMasterPhAnim="1">
+<p:sld xmlns:a="http://schemas.openxmlformats.org/drawingml/2006/main" xmlns:r="http://schemas.openxmlformats.org/officeDocument/2006/relationships" xmlns:p="http://schemas.openxmlformats.org/presentationml/2006/main">
   <p:cSld>
     <p:spTree>
       <p:nvGrpSpPr>
@@ -6013,7 +5673,6 @@
           <a:bodyPr/>
           <a:lstStyle/>
           <a:p>
-            <a:pPr/>
             <a:r>
               <a:t>开源商业化</a:t>
             </a:r>
@@ -6037,40 +5696,26 @@
           <a:bodyPr/>
           <a:lstStyle/>
           <a:p>
-            <a:pPr/>
-            <a:r>
-              <a:t>B3log</a:t>
-            </a:r>
-            <a:r>
-              <a:t>开源组织</a:t>
-            </a:r>
-          </a:p>
-          <a:p>
-            <a:pPr/>
-            <a:r>
-              <a:t>社区版开源协议</a:t>
-            </a:r>
-            <a:r>
-              <a:t>AGPL</a:t>
-            </a:r>
-          </a:p>
-          <a:p>
-            <a:pPr/>
+            <a:r>
+              <a:t>B3log开源组织</a:t>
+            </a:r>
+          </a:p>
+          <a:p>
+            <a:r>
+              <a:t>社区版开源协议AGPL</a:t>
+            </a:r>
+          </a:p>
+          <a:p>
             <a:r>
               <a:t>商业版使用授权</a:t>
             </a:r>
           </a:p>
           <a:p>
-            <a:pPr/>
-            <a:r>
-              <a:t>Sym</a:t>
-            </a:r>
-            <a:r>
-              <a:t>软件著作权</a:t>
-            </a:r>
-          </a:p>
-          <a:p>
-            <a:pPr/>
+            <a:r>
+              <a:t>Sym软件著作权</a:t>
+            </a:r>
+          </a:p>
+          <a:p>
             <a:r>
               <a:t>云南链滴科技有限公司</a:t>
             </a:r>
@@ -6082,12 +5727,12 @@
   <p:clrMapOvr>
     <a:masterClrMapping/>
   </p:clrMapOvr>
-  <p:transition xmlns:p14="http://schemas.microsoft.com/office/powerpoint/2010/main" spd="med" advClick="1"/>
+  <p:transition spd="med"/>
 </p:sld>
 </file>
 
 <file path=ppt/slides/slide4.xml><?xml version="1.0" encoding="utf-8"?>
-<p:sld xmlns:a="http://schemas.openxmlformats.org/drawingml/2006/main" xmlns:r="http://schemas.openxmlformats.org/officeDocument/2006/relationships" xmlns:p="http://schemas.openxmlformats.org/presentationml/2006/main" xmlns:m="http://schemas.openxmlformats.org/officeDocument/2006/math" xmlns:a14="http://schemas.microsoft.com/office/drawing/2010/main" showMasterSp="1" showMasterPhAnim="1">
+<p:sld xmlns:a="http://schemas.openxmlformats.org/drawingml/2006/main" xmlns:r="http://schemas.openxmlformats.org/officeDocument/2006/relationships" xmlns:p="http://schemas.openxmlformats.org/presentationml/2006/main">
   <p:cSld>
     <p:spTree>
       <p:nvGrpSpPr>
@@ -6120,7 +5765,6 @@
           <a:bodyPr/>
           <a:lstStyle/>
           <a:p>
-            <a:pPr/>
             <a:r>
               <a:t>客户案例</a:t>
             </a:r>
@@ -6144,7 +5788,6 @@
           <a:bodyPr/>
           <a:lstStyle/>
           <a:p>
-            <a:pPr/>
             <a:r>
               <a:t>汇桔网 </a:t>
             </a:r>
@@ -6158,22 +5801,32 @@
                     <a:srgbClr val="0563C1"/>
                   </a:solidFill>
                 </a:uFill>
-                <a:hlinkClick r:id="rId2" invalidUrl="" action="" tgtFrame="" tooltip="" history="1" highlightClick="0" endSnd="0"/>
               </a:rPr>
               <a:t>https://bbs.wtoip.com</a:t>
             </a:r>
-          </a:p>
-          <a:p>
-            <a:pPr/>
+            <a:endParaRPr u="sng">
+              <a:solidFill>
+                <a:srgbClr val="0563C1"/>
+              </a:solidFill>
+              <a:uFill>
+                <a:solidFill>
+                  <a:srgbClr val="0563C1"/>
+                </a:solidFill>
+              </a:uFill>
+            </a:endParaRPr>
+          </a:p>
+          <a:p>
             <a:r>
               <a:t>四方环视 </a:t>
             </a:r>
             <a:r>
+              <a:rPr>
+                <a:hlinkClick r:id="rId1" tooltip=""/>
+              </a:rPr>
               <a:t>http://bbs.ivrpano.com</a:t>
             </a:r>
           </a:p>
           <a:p>
-            <a:pPr/>
             <a:r>
               <a:t>乾学院 </a:t>
             </a:r>
@@ -6187,13 +5840,21 @@
                     <a:srgbClr val="0563C1"/>
                   </a:solidFill>
                 </a:uFill>
-                <a:hlinkClick r:id="rId3" invalidUrl="" action="" tgtFrame="" tooltip="" history="1" highlightClick="0" endSnd="0"/>
               </a:rPr>
               <a:t>http://c.raqsoft.com.cn</a:t>
             </a:r>
-          </a:p>
-          <a:p>
-            <a:pPr/>
+            <a:endParaRPr u="sng">
+              <a:solidFill>
+                <a:srgbClr val="0563C1"/>
+              </a:solidFill>
+              <a:uFill>
+                <a:solidFill>
+                  <a:srgbClr val="0563C1"/>
+                </a:solidFill>
+              </a:uFill>
+            </a:endParaRPr>
+          </a:p>
+          <a:p>
             <a:r>
               <a:t>一帆时空 </a:t>
             </a:r>
@@ -6207,7 +5868,6 @@
                     <a:srgbClr val="0563C1"/>
                   </a:solidFill>
                 </a:uFill>
-                <a:hlinkClick r:id="rId4" invalidUrl="" action="" tgtFrame="" tooltip="" history="1" highlightClick="0" endSnd="0"/>
               </a:rPr>
               <a:t>https://tapdealing.com</a:t>
             </a:r>
@@ -6216,19 +5876,16 @@
             </a:r>
           </a:p>
           <a:p>
-            <a:pPr/>
             <a:r>
               <a:t>深圳平安（在建中，三村晖教育平台社区）</a:t>
             </a:r>
           </a:p>
           <a:p>
-            <a:pPr/>
             <a:r>
               <a:t>深圳金蝶（在建中，精斗云社区）</a:t>
             </a:r>
           </a:p>
           <a:p>
-            <a:pPr/>
             <a:r>
               <a:t>……</a:t>
             </a:r>
@@ -6240,12 +5897,12 @@
   <p:clrMapOvr>
     <a:masterClrMapping/>
   </p:clrMapOvr>
-  <p:transition xmlns:p14="http://schemas.microsoft.com/office/powerpoint/2010/main" spd="med" advClick="1"/>
+  <p:transition spd="med"/>
 </p:sld>
 </file>
 
 <file path=ppt/slides/slide5.xml><?xml version="1.0" encoding="utf-8"?>
-<p:sld xmlns:a="http://schemas.openxmlformats.org/drawingml/2006/main" xmlns:r="http://schemas.openxmlformats.org/officeDocument/2006/relationships" xmlns:p="http://schemas.openxmlformats.org/presentationml/2006/main" xmlns:m="http://schemas.openxmlformats.org/officeDocument/2006/math" xmlns:a14="http://schemas.microsoft.com/office/drawing/2010/main" showMasterSp="1" showMasterPhAnim="1">
+<p:sld xmlns:a="http://schemas.openxmlformats.org/drawingml/2006/main" xmlns:r="http://schemas.openxmlformats.org/officeDocument/2006/relationships" xmlns:p="http://schemas.openxmlformats.org/presentationml/2006/main">
   <p:cSld>
     <p:spTree>
       <p:nvGrpSpPr>
@@ -6278,7 +5935,6 @@
           <a:bodyPr/>
           <a:lstStyle/>
           <a:p>
-            <a:pPr/>
             <a:r>
               <a:t>功能模块</a:t>
             </a:r>
@@ -6400,12 +6056,12 @@
   <p:clrMapOvr>
     <a:masterClrMapping/>
   </p:clrMapOvr>
-  <p:transition xmlns:p14="http://schemas.microsoft.com/office/powerpoint/2010/main" spd="med" advClick="1"/>
+  <p:transition spd="med"/>
 </p:sld>
 </file>
 
 <file path=ppt/slides/slide6.xml><?xml version="1.0" encoding="utf-8"?>
-<p:sld xmlns:a="http://schemas.openxmlformats.org/drawingml/2006/main" xmlns:r="http://schemas.openxmlformats.org/officeDocument/2006/relationships" xmlns:p="http://schemas.openxmlformats.org/presentationml/2006/main" xmlns:m="http://schemas.openxmlformats.org/officeDocument/2006/math" xmlns:a14="http://schemas.microsoft.com/office/drawing/2010/main" showMasterSp="1" showMasterPhAnim="1">
+<p:sld xmlns:a="http://schemas.openxmlformats.org/drawingml/2006/main" xmlns:r="http://schemas.openxmlformats.org/officeDocument/2006/relationships" xmlns:p="http://schemas.openxmlformats.org/presentationml/2006/main">
   <p:cSld>
     <p:spTree>
       <p:nvGrpSpPr>
@@ -6438,7 +6094,6 @@
           <a:bodyPr/>
           <a:lstStyle/>
           <a:p>
-            <a:pPr/>
             <a:r>
               <a:t>积分系统</a:t>
             </a:r>
@@ -6462,13 +6117,11 @@
           <a:bodyPr/>
           <a:lstStyle/>
           <a:p>
-            <a:pPr/>
             <a:r>
               <a:t>大部分操作消耗积分（防止垃圾内容）</a:t>
             </a:r>
           </a:p>
           <a:p>
-            <a:pPr/>
             <a:r>
               <a:t>每一项积分相关操作均可配置数值</a:t>
             </a:r>
@@ -6480,12 +6133,12 @@
   <p:clrMapOvr>
     <a:masterClrMapping/>
   </p:clrMapOvr>
-  <p:transition xmlns:p14="http://schemas.microsoft.com/office/powerpoint/2010/main" spd="med" advClick="1"/>
+  <p:transition spd="med"/>
 </p:sld>
 </file>
 
 <file path=ppt/slides/slide7.xml><?xml version="1.0" encoding="utf-8"?>
-<p:sld xmlns:a="http://schemas.openxmlformats.org/drawingml/2006/main" xmlns:r="http://schemas.openxmlformats.org/officeDocument/2006/relationships" xmlns:p="http://schemas.openxmlformats.org/presentationml/2006/main" xmlns:m="http://schemas.openxmlformats.org/officeDocument/2006/math" xmlns:a14="http://schemas.microsoft.com/office/drawing/2010/main" showMasterSp="1" showMasterPhAnim="1">
+<p:sld xmlns:a="http://schemas.openxmlformats.org/drawingml/2006/main" xmlns:r="http://schemas.openxmlformats.org/officeDocument/2006/relationships" xmlns:p="http://schemas.openxmlformats.org/presentationml/2006/main">
   <p:cSld>
     <p:spTree>
       <p:nvGrpSpPr>
@@ -6518,7 +6171,6 @@
           <a:bodyPr/>
           <a:lstStyle/>
           <a:p>
-            <a:pPr/>
             <a:r>
               <a:t>榜单系统</a:t>
             </a:r>
@@ -6542,37 +6194,31 @@
           <a:bodyPr/>
           <a:lstStyle/>
           <a:p>
-            <a:pPr/>
             <a:r>
               <a:t>积分排行榜</a:t>
             </a:r>
           </a:p>
           <a:p>
-            <a:pPr/>
             <a:r>
               <a:t>签到排行榜</a:t>
             </a:r>
           </a:p>
           <a:p>
-            <a:pPr/>
             <a:r>
               <a:t>贡献排行榜</a:t>
             </a:r>
           </a:p>
           <a:p>
-            <a:pPr/>
             <a:r>
               <a:t>链接排行榜（站外链接点击）</a:t>
             </a:r>
           </a:p>
           <a:p>
-            <a:pPr/>
             <a:r>
               <a:t>活跃度排行榜</a:t>
             </a:r>
           </a:p>
           <a:p>
-            <a:pPr/>
             <a:r>
               <a:t>帖子排行榜</a:t>
             </a:r>
@@ -6584,12 +6230,12 @@
   <p:clrMapOvr>
     <a:masterClrMapping/>
   </p:clrMapOvr>
-  <p:transition xmlns:p14="http://schemas.microsoft.com/office/powerpoint/2010/main" spd="med" advClick="1"/>
+  <p:transition spd="med"/>
 </p:sld>
 </file>
 
 <file path=ppt/slides/slide8.xml><?xml version="1.0" encoding="utf-8"?>
-<p:sld xmlns:a="http://schemas.openxmlformats.org/drawingml/2006/main" xmlns:r="http://schemas.openxmlformats.org/officeDocument/2006/relationships" xmlns:p="http://schemas.openxmlformats.org/presentationml/2006/main" xmlns:m="http://schemas.openxmlformats.org/officeDocument/2006/math" xmlns:a14="http://schemas.microsoft.com/office/drawing/2010/main" showMasterSp="1" showMasterPhAnim="1">
+<p:sld xmlns:a="http://schemas.openxmlformats.org/drawingml/2006/main" xmlns:r="http://schemas.openxmlformats.org/officeDocument/2006/relationships" xmlns:p="http://schemas.openxmlformats.org/presentationml/2006/main">
   <p:cSld>
     <p:spTree>
       <p:nvGrpSpPr>
@@ -6622,7 +6268,6 @@
           <a:bodyPr/>
           <a:lstStyle/>
           <a:p>
-            <a:pPr/>
             <a:r>
               <a:t>问答系统</a:t>
             </a:r>
@@ -6646,13 +6291,11 @@
           <a:bodyPr/>
           <a:lstStyle/>
           <a:p>
-            <a:pPr/>
             <a:r>
               <a:t>提问积分悬赏</a:t>
             </a:r>
           </a:p>
           <a:p>
-            <a:pPr/>
             <a:r>
               <a:t>采纳答案</a:t>
             </a:r>
@@ -6664,12 +6307,12 @@
   <p:clrMapOvr>
     <a:masterClrMapping/>
   </p:clrMapOvr>
-  <p:transition xmlns:p14="http://schemas.microsoft.com/office/powerpoint/2010/main" spd="med" advClick="1"/>
+  <p:transition spd="med"/>
 </p:sld>
 </file>
 
 <file path=ppt/slides/slide9.xml><?xml version="1.0" encoding="utf-8"?>
-<p:sld xmlns:a="http://schemas.openxmlformats.org/drawingml/2006/main" xmlns:r="http://schemas.openxmlformats.org/officeDocument/2006/relationships" xmlns:p="http://schemas.openxmlformats.org/presentationml/2006/main" xmlns:m="http://schemas.openxmlformats.org/officeDocument/2006/math" xmlns:a14="http://schemas.microsoft.com/office/drawing/2010/main" showMasterSp="1" showMasterPhAnim="1">
+<p:sld xmlns:a="http://schemas.openxmlformats.org/drawingml/2006/main" xmlns:r="http://schemas.openxmlformats.org/officeDocument/2006/relationships" xmlns:p="http://schemas.openxmlformats.org/presentationml/2006/main">
   <p:cSld>
     <p:spTree>
       <p:nvGrpSpPr>
@@ -6702,7 +6345,6 @@
           <a:bodyPr/>
           <a:lstStyle/>
           <a:p>
-            <a:pPr/>
             <a:r>
               <a:t>贡献系统</a:t>
             </a:r>
@@ -6726,13 +6368,11 @@
           <a:bodyPr/>
           <a:lstStyle/>
           <a:p>
-            <a:pPr/>
             <a:r>
               <a:t>对用户贡献进行量化</a:t>
             </a:r>
           </a:p>
           <a:p>
-            <a:pPr/>
             <a:r>
               <a:t>影响角色，最终影响权限 </a:t>
             </a:r>
@@ -6744,12 +6384,12 @@
   <p:clrMapOvr>
     <a:masterClrMapping/>
   </p:clrMapOvr>
-  <p:transition xmlns:p14="http://schemas.microsoft.com/office/powerpoint/2010/main" spd="med" advClick="1"/>
+  <p:transition spd="med"/>
 </p:sld>
 </file>
 
 <file path=ppt/theme/theme1.xml><?xml version="1.0" encoding="utf-8"?>
-<a:theme xmlns:a="http://schemas.openxmlformats.org/drawingml/2006/main" xmlns:r="http://schemas.openxmlformats.org/officeDocument/2006/relationships" name="Office 主题">
+<a:theme xmlns:a="http://schemas.openxmlformats.org/drawingml/2006/main" name="Office 主题">
   <a:themeElements>
     <a:clrScheme name="Office 主题">
       <a:dk1>
@@ -6875,7 +6515,7 @@
       <a:effectStyleLst>
         <a:effectStyle>
           <a:effectLst>
-            <a:outerShdw sx="100000" sy="100000" kx="0" ky="0" algn="b" rotWithShape="0" blurRad="50800" dist="25400" dir="5400000">
+            <a:outerShdw blurRad="50800" dist="25400" dir="5400000" rotWithShape="0">
               <a:srgbClr val="000000">
                 <a:alpha val="35000"/>
               </a:srgbClr>
@@ -6884,7 +6524,7 @@
         </a:effectStyle>
         <a:effectStyle>
           <a:effectLst>
-            <a:outerShdw sx="100000" sy="100000" kx="0" ky="0" algn="b" rotWithShape="0" blurRad="50800" dist="25400" dir="5400000">
+            <a:outerShdw blurRad="50800" dist="25400" dir="5400000" rotWithShape="0">
               <a:srgbClr val="000000">
                 <a:alpha val="35000"/>
               </a:srgbClr>
@@ -6893,7 +6533,7 @@
         </a:effectStyle>
         <a:effectStyle>
           <a:effectLst>
-            <a:outerShdw sx="100000" sy="100000" kx="0" ky="0" algn="b" rotWithShape="0" blurRad="50800" dist="25400" dir="5400000">
+            <a:outerShdw blurRad="50800" dist="25400" dir="5400000" rotWithShape="0">
               <a:srgbClr val="000000">
                 <a:alpha val="38000"/>
               </a:srgbClr>
@@ -6967,13 +6607,12 @@
           <a:round/>
         </a:ln>
         <a:effectLst>
-          <a:outerShdw sx="100000" sy="100000" kx="0" ky="0" algn="b" rotWithShape="0" blurRad="50800" dist="25400" dir="5400000">
+          <a:outerShdw blurRad="50800" dist="25400" dir="5400000" rotWithShape="0">
             <a:srgbClr val="000000">
               <a:alpha val="35000"/>
             </a:srgbClr>
           </a:outerShdw>
         </a:effectLst>
-        <a:sp3d/>
       </a:spPr>
       <a:bodyPr rot="0" spcFirstLastPara="1" vertOverflow="overflow" horzOverflow="overflow" vert="horz" wrap="square" lIns="65023" tIns="65023" rIns="65023" bIns="65023" numCol="1" spcCol="38100" rtlCol="0" anchor="ctr" upright="0">
         <a:spAutoFit/>
@@ -6993,8 +6632,7 @@
           <a:buSzTx/>
           <a:buFontTx/>
           <a:buNone/>
-          <a:tabLst/>
-          <a:defRPr b="0" baseline="0" cap="none" i="0" spc="0" strike="noStrike" sz="2400" u="none" kumimoji="0" normalizeH="0">
+          <a:defRPr kumimoji="0" sz="2400" b="0" i="0" u="none" strike="noStrike" cap="none" spc="0" normalizeH="0" baseline="0">
             <a:ln>
               <a:noFill/>
             </a:ln>
@@ -7006,7 +6644,7 @@
             <a:latin typeface="+mj-lt"/>
             <a:ea typeface="+mj-ea"/>
             <a:cs typeface="+mj-cs"/>
-            <a:sym typeface="Franklin Gothic Book"/>
+            <a:sym typeface="Franklin Gothic Book" panose="020B0503020102020204"/>
           </a:defRPr>
         </a:defPPr>
         <a:lvl1pPr marL="0" marR="0" indent="0" algn="l" defTabSz="914400" rtl="0" fontAlgn="auto" latinLnBrk="1" hangingPunct="0">
@@ -7023,8 +6661,7 @@
           <a:buSzTx/>
           <a:buFontTx/>
           <a:buNone/>
-          <a:tabLst/>
-          <a:defRPr b="0" baseline="0" cap="none" i="0" spc="0" strike="noStrike" sz="1800" u="none" kumimoji="0" normalizeH="0">
+          <a:defRPr kumimoji="0" sz="1800" b="0" i="0" u="none" strike="noStrike" cap="none" spc="0" normalizeH="0" baseline="0">
             <a:ln>
               <a:noFill/>
             </a:ln>
@@ -7049,8 +6686,7 @@
           <a:buSzTx/>
           <a:buFontTx/>
           <a:buNone/>
-          <a:tabLst/>
-          <a:defRPr b="0" baseline="0" cap="none" i="0" spc="0" strike="noStrike" sz="1800" u="none" kumimoji="0" normalizeH="0">
+          <a:defRPr kumimoji="0" sz="1800" b="0" i="0" u="none" strike="noStrike" cap="none" spc="0" normalizeH="0" baseline="0">
             <a:ln>
               <a:noFill/>
             </a:ln>
@@ -7075,8 +6711,7 @@
           <a:buSzTx/>
           <a:buFontTx/>
           <a:buNone/>
-          <a:tabLst/>
-          <a:defRPr b="0" baseline="0" cap="none" i="0" spc="0" strike="noStrike" sz="1800" u="none" kumimoji="0" normalizeH="0">
+          <a:defRPr kumimoji="0" sz="1800" b="0" i="0" u="none" strike="noStrike" cap="none" spc="0" normalizeH="0" baseline="0">
             <a:ln>
               <a:noFill/>
             </a:ln>
@@ -7101,8 +6736,7 @@
           <a:buSzTx/>
           <a:buFontTx/>
           <a:buNone/>
-          <a:tabLst/>
-          <a:defRPr b="0" baseline="0" cap="none" i="0" spc="0" strike="noStrike" sz="1800" u="none" kumimoji="0" normalizeH="0">
+          <a:defRPr kumimoji="0" sz="1800" b="0" i="0" u="none" strike="noStrike" cap="none" spc="0" normalizeH="0" baseline="0">
             <a:ln>
               <a:noFill/>
             </a:ln>
@@ -7127,8 +6761,7 @@
           <a:buSzTx/>
           <a:buFontTx/>
           <a:buNone/>
-          <a:tabLst/>
-          <a:defRPr b="0" baseline="0" cap="none" i="0" spc="0" strike="noStrike" sz="1800" u="none" kumimoji="0" normalizeH="0">
+          <a:defRPr kumimoji="0" sz="1800" b="0" i="0" u="none" strike="noStrike" cap="none" spc="0" normalizeH="0" baseline="0">
             <a:ln>
               <a:noFill/>
             </a:ln>
@@ -7153,8 +6786,7 @@
           <a:buSzTx/>
           <a:buFontTx/>
           <a:buNone/>
-          <a:tabLst/>
-          <a:defRPr b="0" baseline="0" cap="none" i="0" spc="0" strike="noStrike" sz="1800" u="none" kumimoji="0" normalizeH="0">
+          <a:defRPr kumimoji="0" sz="1800" b="0" i="0" u="none" strike="noStrike" cap="none" spc="0" normalizeH="0" baseline="0">
             <a:ln>
               <a:noFill/>
             </a:ln>
@@ -7179,8 +6811,7 @@
           <a:buSzTx/>
           <a:buFontTx/>
           <a:buNone/>
-          <a:tabLst/>
-          <a:defRPr b="0" baseline="0" cap="none" i="0" spc="0" strike="noStrike" sz="1800" u="none" kumimoji="0" normalizeH="0">
+          <a:defRPr kumimoji="0" sz="1800" b="0" i="0" u="none" strike="noStrike" cap="none" spc="0" normalizeH="0" baseline="0">
             <a:ln>
               <a:noFill/>
             </a:ln>
@@ -7205,8 +6836,7 @@
           <a:buSzTx/>
           <a:buFontTx/>
           <a:buNone/>
-          <a:tabLst/>
-          <a:defRPr b="0" baseline="0" cap="none" i="0" spc="0" strike="noStrike" sz="1800" u="none" kumimoji="0" normalizeH="0">
+          <a:defRPr kumimoji="0" sz="1800" b="0" i="0" u="none" strike="noStrike" cap="none" spc="0" normalizeH="0" baseline="0">
             <a:ln>
               <a:noFill/>
             </a:ln>
@@ -7231,8 +6861,7 @@
           <a:buSzTx/>
           <a:buFontTx/>
           <a:buNone/>
-          <a:tabLst/>
-          <a:defRPr b="0" baseline="0" cap="none" i="0" spc="0" strike="noStrike" sz="1800" u="none" kumimoji="0" normalizeH="0">
+          <a:defRPr kumimoji="0" sz="1800" b="0" i="0" u="none" strike="noStrike" cap="none" spc="0" normalizeH="0" baseline="0">
             <a:ln>
               <a:noFill/>
             </a:ln>
@@ -7245,9 +6874,15 @@
         </a:lvl9pPr>
       </a:lstStyle>
       <a:style>
-        <a:lnRef idx="0"/>
-        <a:fillRef idx="0"/>
-        <a:effectRef idx="0"/>
+        <a:lnRef idx="0">
+          <a:srgbClr val="FFFFFF"/>
+        </a:lnRef>
+        <a:fillRef idx="0">
+          <a:srgbClr val="FFFFFF"/>
+        </a:fillRef>
+        <a:effectRef idx="0">
+          <a:srgbClr val="FFFFFF"/>
+        </a:effectRef>
         <a:fontRef idx="none"/>
       </a:style>
     </a:spDef>
@@ -7262,13 +6897,12 @@
           <a:round/>
         </a:ln>
         <a:effectLst>
-          <a:outerShdw sx="100000" sy="100000" kx="0" ky="0" algn="b" rotWithShape="0" blurRad="50800" dist="25400" dir="5400000">
+          <a:outerShdw blurRad="50800" dist="25400" dir="5400000" rotWithShape="0">
             <a:srgbClr val="000000">
               <a:alpha val="38000"/>
             </a:srgbClr>
           </a:outerShdw>
         </a:effectLst>
-        <a:sp3d/>
       </a:spPr>
       <a:bodyPr rot="0" spcFirstLastPara="1" vertOverflow="overflow" horzOverflow="overflow" vert="horz" wrap="square" lIns="91439" tIns="45719" rIns="91439" bIns="45719" numCol="1" spcCol="38100" rtlCol="0" anchor="t" upright="0">
         <a:noAutofit/>
@@ -7288,8 +6922,7 @@
           <a:buSzTx/>
           <a:buFontTx/>
           <a:buNone/>
-          <a:tabLst/>
-          <a:defRPr b="0" baseline="0" cap="none" i="0" spc="0" strike="noStrike" sz="1800" u="none" kumimoji="0" normalizeH="0">
+          <a:defRPr kumimoji="0" sz="1800" b="0" i="0" u="none" strike="noStrike" cap="none" spc="0" normalizeH="0" baseline="0">
             <a:ln>
               <a:noFill/>
             </a:ln>
@@ -7314,8 +6947,7 @@
           <a:buSzTx/>
           <a:buFontTx/>
           <a:buNone/>
-          <a:tabLst/>
-          <a:defRPr b="0" baseline="0" cap="none" i="0" spc="0" strike="noStrike" sz="1800" u="none" kumimoji="0" normalizeH="0">
+          <a:defRPr kumimoji="0" sz="1800" b="0" i="0" u="none" strike="noStrike" cap="none" spc="0" normalizeH="0" baseline="0">
             <a:ln>
               <a:noFill/>
             </a:ln>
@@ -7340,8 +6972,7 @@
           <a:buSzTx/>
           <a:buFontTx/>
           <a:buNone/>
-          <a:tabLst/>
-          <a:defRPr b="0" baseline="0" cap="none" i="0" spc="0" strike="noStrike" sz="1800" u="none" kumimoji="0" normalizeH="0">
+          <a:defRPr kumimoji="0" sz="1800" b="0" i="0" u="none" strike="noStrike" cap="none" spc="0" normalizeH="0" baseline="0">
             <a:ln>
               <a:noFill/>
             </a:ln>
@@ -7366,8 +6997,7 @@
           <a:buSzTx/>
           <a:buFontTx/>
           <a:buNone/>
-          <a:tabLst/>
-          <a:defRPr b="0" baseline="0" cap="none" i="0" spc="0" strike="noStrike" sz="1800" u="none" kumimoji="0" normalizeH="0">
+          <a:defRPr kumimoji="0" sz="1800" b="0" i="0" u="none" strike="noStrike" cap="none" spc="0" normalizeH="0" baseline="0">
             <a:ln>
               <a:noFill/>
             </a:ln>
@@ -7392,8 +7022,7 @@
           <a:buSzTx/>
           <a:buFontTx/>
           <a:buNone/>
-          <a:tabLst/>
-          <a:defRPr b="0" baseline="0" cap="none" i="0" spc="0" strike="noStrike" sz="1800" u="none" kumimoji="0" normalizeH="0">
+          <a:defRPr kumimoji="0" sz="1800" b="0" i="0" u="none" strike="noStrike" cap="none" spc="0" normalizeH="0" baseline="0">
             <a:ln>
               <a:noFill/>
             </a:ln>
@@ -7418,8 +7047,7 @@
           <a:buSzTx/>
           <a:buFontTx/>
           <a:buNone/>
-          <a:tabLst/>
-          <a:defRPr b="0" baseline="0" cap="none" i="0" spc="0" strike="noStrike" sz="1800" u="none" kumimoji="0" normalizeH="0">
+          <a:defRPr kumimoji="0" sz="1800" b="0" i="0" u="none" strike="noStrike" cap="none" spc="0" normalizeH="0" baseline="0">
             <a:ln>
               <a:noFill/>
             </a:ln>
@@ -7444,8 +7072,7 @@
           <a:buSzTx/>
           <a:buFontTx/>
           <a:buNone/>
-          <a:tabLst/>
-          <a:defRPr b="0" baseline="0" cap="none" i="0" spc="0" strike="noStrike" sz="1800" u="none" kumimoji="0" normalizeH="0">
+          <a:defRPr kumimoji="0" sz="1800" b="0" i="0" u="none" strike="noStrike" cap="none" spc="0" normalizeH="0" baseline="0">
             <a:ln>
               <a:noFill/>
             </a:ln>
@@ -7470,8 +7097,7 @@
           <a:buSzTx/>
           <a:buFontTx/>
           <a:buNone/>
-          <a:tabLst/>
-          <a:defRPr b="0" baseline="0" cap="none" i="0" spc="0" strike="noStrike" sz="1800" u="none" kumimoji="0" normalizeH="0">
+          <a:defRPr kumimoji="0" sz="1800" b="0" i="0" u="none" strike="noStrike" cap="none" spc="0" normalizeH="0" baseline="0">
             <a:ln>
               <a:noFill/>
             </a:ln>
@@ -7496,8 +7122,7 @@
           <a:buSzTx/>
           <a:buFontTx/>
           <a:buNone/>
-          <a:tabLst/>
-          <a:defRPr b="0" baseline="0" cap="none" i="0" spc="0" strike="noStrike" sz="1800" u="none" kumimoji="0" normalizeH="0">
+          <a:defRPr kumimoji="0" sz="1800" b="0" i="0" u="none" strike="noStrike" cap="none" spc="0" normalizeH="0" baseline="0">
             <a:ln>
               <a:noFill/>
             </a:ln>
@@ -7522,8 +7147,7 @@
           <a:buSzTx/>
           <a:buFontTx/>
           <a:buNone/>
-          <a:tabLst/>
-          <a:defRPr b="0" baseline="0" cap="none" i="0" spc="0" strike="noStrike" sz="1800" u="none" kumimoji="0" normalizeH="0">
+          <a:defRPr kumimoji="0" sz="1800" b="0" i="0" u="none" strike="noStrike" cap="none" spc="0" normalizeH="0" baseline="0">
             <a:ln>
               <a:noFill/>
             </a:ln>
@@ -7536,9 +7160,15 @@
         </a:lvl9pPr>
       </a:lstStyle>
       <a:style>
-        <a:lnRef idx="0"/>
-        <a:fillRef idx="0"/>
-        <a:effectRef idx="0"/>
+        <a:lnRef idx="0">
+          <a:srgbClr val="FFFFFF"/>
+        </a:lnRef>
+        <a:fillRef idx="0">
+          <a:srgbClr val="FFFFFF"/>
+        </a:fillRef>
+        <a:effectRef idx="0">
+          <a:srgbClr val="FFFFFF"/>
+        </a:effectRef>
         <a:fontRef idx="none"/>
       </a:style>
     </a:lnDef>
@@ -7549,8 +7179,6 @@
           <a:noFill/>
           <a:miter lim="400000"/>
         </a:ln>
-        <a:effectLst/>
-        <a:sp3d/>
       </a:spPr>
       <a:bodyPr rot="0" spcFirstLastPara="1" vertOverflow="overflow" horzOverflow="overflow" vert="horz" wrap="square" lIns="65023" tIns="65023" rIns="65023" bIns="65023" numCol="1" spcCol="38100" rtlCol="0" anchor="t" upright="0">
         <a:spAutoFit/>
@@ -7570,8 +7198,7 @@
           <a:buSzTx/>
           <a:buFontTx/>
           <a:buNone/>
-          <a:tabLst/>
-          <a:defRPr b="0" baseline="0" cap="none" i="0" spc="0" strike="noStrike" sz="2400" u="none" kumimoji="0" normalizeH="0">
+          <a:defRPr kumimoji="0" sz="2400" b="0" i="0" u="none" strike="noStrike" cap="none" spc="0" normalizeH="0" baseline="0">
             <a:ln>
               <a:noFill/>
             </a:ln>
@@ -7583,7 +7210,7 @@
             <a:latin typeface="+mj-lt"/>
             <a:ea typeface="+mj-ea"/>
             <a:cs typeface="+mj-cs"/>
-            <a:sym typeface="Franklin Gothic Book"/>
+            <a:sym typeface="Franklin Gothic Book" panose="020B0503020102020204"/>
           </a:defRPr>
         </a:defPPr>
         <a:lvl1pPr marL="0" marR="0" indent="0" algn="l" defTabSz="914400" rtl="0" fontAlgn="auto" latinLnBrk="1" hangingPunct="0">
@@ -7600,8 +7227,7 @@
           <a:buSzTx/>
           <a:buFontTx/>
           <a:buNone/>
-          <a:tabLst/>
-          <a:defRPr b="0" baseline="0" cap="none" i="0" spc="0" strike="noStrike" sz="1800" u="none" kumimoji="0" normalizeH="0">
+          <a:defRPr kumimoji="0" sz="1800" b="0" i="0" u="none" strike="noStrike" cap="none" spc="0" normalizeH="0" baseline="0">
             <a:ln>
               <a:noFill/>
             </a:ln>
@@ -7626,8 +7252,7 @@
           <a:buSzTx/>
           <a:buFontTx/>
           <a:buNone/>
-          <a:tabLst/>
-          <a:defRPr b="0" baseline="0" cap="none" i="0" spc="0" strike="noStrike" sz="1800" u="none" kumimoji="0" normalizeH="0">
+          <a:defRPr kumimoji="0" sz="1800" b="0" i="0" u="none" strike="noStrike" cap="none" spc="0" normalizeH="0" baseline="0">
             <a:ln>
               <a:noFill/>
             </a:ln>
@@ -7652,8 +7277,7 @@
           <a:buSzTx/>
           <a:buFontTx/>
           <a:buNone/>
-          <a:tabLst/>
-          <a:defRPr b="0" baseline="0" cap="none" i="0" spc="0" strike="noStrike" sz="1800" u="none" kumimoji="0" normalizeH="0">
+          <a:defRPr kumimoji="0" sz="1800" b="0" i="0" u="none" strike="noStrike" cap="none" spc="0" normalizeH="0" baseline="0">
             <a:ln>
               <a:noFill/>
             </a:ln>
@@ -7678,8 +7302,7 @@
           <a:buSzTx/>
           <a:buFontTx/>
           <a:buNone/>
-          <a:tabLst/>
-          <a:defRPr b="0" baseline="0" cap="none" i="0" spc="0" strike="noStrike" sz="1800" u="none" kumimoji="0" normalizeH="0">
+          <a:defRPr kumimoji="0" sz="1800" b="0" i="0" u="none" strike="noStrike" cap="none" spc="0" normalizeH="0" baseline="0">
             <a:ln>
               <a:noFill/>
             </a:ln>
@@ -7704,8 +7327,7 @@
           <a:buSzTx/>
           <a:buFontTx/>
           <a:buNone/>
-          <a:tabLst/>
-          <a:defRPr b="0" baseline="0" cap="none" i="0" spc="0" strike="noStrike" sz="1800" u="none" kumimoji="0" normalizeH="0">
+          <a:defRPr kumimoji="0" sz="1800" b="0" i="0" u="none" strike="noStrike" cap="none" spc="0" normalizeH="0" baseline="0">
             <a:ln>
               <a:noFill/>
             </a:ln>
@@ -7730,8 +7352,7 @@
           <a:buSzTx/>
           <a:buFontTx/>
           <a:buNone/>
-          <a:tabLst/>
-          <a:defRPr b="0" baseline="0" cap="none" i="0" spc="0" strike="noStrike" sz="1800" u="none" kumimoji="0" normalizeH="0">
+          <a:defRPr kumimoji="0" sz="1800" b="0" i="0" u="none" strike="noStrike" cap="none" spc="0" normalizeH="0" baseline="0">
             <a:ln>
               <a:noFill/>
             </a:ln>
@@ -7756,8 +7377,7 @@
           <a:buSzTx/>
           <a:buFontTx/>
           <a:buNone/>
-          <a:tabLst/>
-          <a:defRPr b="0" baseline="0" cap="none" i="0" spc="0" strike="noStrike" sz="1800" u="none" kumimoji="0" normalizeH="0">
+          <a:defRPr kumimoji="0" sz="1800" b="0" i="0" u="none" strike="noStrike" cap="none" spc="0" normalizeH="0" baseline="0">
             <a:ln>
               <a:noFill/>
             </a:ln>
@@ -7782,8 +7402,7 @@
           <a:buSzTx/>
           <a:buFontTx/>
           <a:buNone/>
-          <a:tabLst/>
-          <a:defRPr b="0" baseline="0" cap="none" i="0" spc="0" strike="noStrike" sz="1800" u="none" kumimoji="0" normalizeH="0">
+          <a:defRPr kumimoji="0" sz="1800" b="0" i="0" u="none" strike="noStrike" cap="none" spc="0" normalizeH="0" baseline="0">
             <a:ln>
               <a:noFill/>
             </a:ln>
@@ -7808,8 +7427,7 @@
           <a:buSzTx/>
           <a:buFontTx/>
           <a:buNone/>
-          <a:tabLst/>
-          <a:defRPr b="0" baseline="0" cap="none" i="0" spc="0" strike="noStrike" sz="1800" u="none" kumimoji="0" normalizeH="0">
+          <a:defRPr kumimoji="0" sz="1800" b="0" i="0" u="none" strike="noStrike" cap="none" spc="0" normalizeH="0" baseline="0">
             <a:ln>
               <a:noFill/>
             </a:ln>
@@ -7822,18 +7440,29 @@
         </a:lvl9pPr>
       </a:lstStyle>
       <a:style>
-        <a:lnRef idx="0"/>
-        <a:fillRef idx="0"/>
-        <a:effectRef idx="0"/>
+        <a:lnRef idx="0">
+          <a:srgbClr val="FFFFFF"/>
+        </a:lnRef>
+        <a:fillRef idx="0">
+          <a:srgbClr val="FFFFFF"/>
+        </a:fillRef>
+        <a:effectRef idx="0">
+          <a:srgbClr val="FFFFFF"/>
+        </a:effectRef>
         <a:fontRef idx="none"/>
       </a:style>
     </a:txDef>
   </a:objectDefaults>
+  <a:extLst>
+    <a:ext uri="{05A4C25C-085E-4340-85A3-A5531E510DB2}">
+      <thm15:themeFamily xmlns:thm15="http://schemas.microsoft.com/office/thememl/2012/main" name="Office Theme" id="{62F939B6-93AF-4DB8-9C6B-D6C7DFDC589F}" vid="{4A3C46E8-61CC-4603-A589-7422A47A8E4A}"/>
+    </a:ext>
+  </a:extLst>
 </a:theme>
 </file>
 
 <file path=ppt/theme/theme2.xml><?xml version="1.0" encoding="utf-8"?>
-<a:theme xmlns:a="http://schemas.openxmlformats.org/drawingml/2006/main" xmlns:r="http://schemas.openxmlformats.org/officeDocument/2006/relationships" name="Office 主题">
+<a:theme xmlns:a="http://schemas.openxmlformats.org/drawingml/2006/main" name="Office 主题">
   <a:themeElements>
     <a:clrScheme name="Office 主题">
       <a:dk1>
@@ -7959,7 +7588,7 @@
       <a:effectStyleLst>
         <a:effectStyle>
           <a:effectLst>
-            <a:outerShdw sx="100000" sy="100000" kx="0" ky="0" algn="b" rotWithShape="0" blurRad="50800" dist="25400" dir="5400000">
+            <a:outerShdw blurRad="50800" dist="25400" dir="5400000" rotWithShape="0">
               <a:srgbClr val="000000">
                 <a:alpha val="35000"/>
               </a:srgbClr>
@@ -7968,7 +7597,7 @@
         </a:effectStyle>
         <a:effectStyle>
           <a:effectLst>
-            <a:outerShdw sx="100000" sy="100000" kx="0" ky="0" algn="b" rotWithShape="0" blurRad="50800" dist="25400" dir="5400000">
+            <a:outerShdw blurRad="50800" dist="25400" dir="5400000" rotWithShape="0">
               <a:srgbClr val="000000">
                 <a:alpha val="35000"/>
               </a:srgbClr>
@@ -7977,7 +7606,7 @@
         </a:effectStyle>
         <a:effectStyle>
           <a:effectLst>
-            <a:outerShdw sx="100000" sy="100000" kx="0" ky="0" algn="b" rotWithShape="0" blurRad="50800" dist="25400" dir="5400000">
+            <a:outerShdw blurRad="50800" dist="25400" dir="5400000" rotWithShape="0">
               <a:srgbClr val="000000">
                 <a:alpha val="38000"/>
               </a:srgbClr>
@@ -8051,13 +7680,12 @@
           <a:round/>
         </a:ln>
         <a:effectLst>
-          <a:outerShdw sx="100000" sy="100000" kx="0" ky="0" algn="b" rotWithShape="0" blurRad="50800" dist="25400" dir="5400000">
+          <a:outerShdw blurRad="50800" dist="25400" dir="5400000" rotWithShape="0">
             <a:srgbClr val="000000">
               <a:alpha val="35000"/>
             </a:srgbClr>
           </a:outerShdw>
         </a:effectLst>
-        <a:sp3d/>
       </a:spPr>
       <a:bodyPr rot="0" spcFirstLastPara="1" vertOverflow="overflow" horzOverflow="overflow" vert="horz" wrap="square" lIns="65023" tIns="65023" rIns="65023" bIns="65023" numCol="1" spcCol="38100" rtlCol="0" anchor="ctr" upright="0">
         <a:spAutoFit/>
@@ -8077,8 +7705,7 @@
           <a:buSzTx/>
           <a:buFontTx/>
           <a:buNone/>
-          <a:tabLst/>
-          <a:defRPr b="0" baseline="0" cap="none" i="0" spc="0" strike="noStrike" sz="2400" u="none" kumimoji="0" normalizeH="0">
+          <a:defRPr kumimoji="0" sz="2400" b="0" i="0" u="none" strike="noStrike" cap="none" spc="0" normalizeH="0" baseline="0">
             <a:ln>
               <a:noFill/>
             </a:ln>
@@ -8090,7 +7717,7 @@
             <a:latin typeface="+mj-lt"/>
             <a:ea typeface="+mj-ea"/>
             <a:cs typeface="+mj-cs"/>
-            <a:sym typeface="Franklin Gothic Book"/>
+            <a:sym typeface="Franklin Gothic Book" panose="020B0503020102020204"/>
           </a:defRPr>
         </a:defPPr>
         <a:lvl1pPr marL="0" marR="0" indent="0" algn="l" defTabSz="914400" rtl="0" fontAlgn="auto" latinLnBrk="1" hangingPunct="0">
@@ -8107,8 +7734,7 @@
           <a:buSzTx/>
           <a:buFontTx/>
           <a:buNone/>
-          <a:tabLst/>
-          <a:defRPr b="0" baseline="0" cap="none" i="0" spc="0" strike="noStrike" sz="1800" u="none" kumimoji="0" normalizeH="0">
+          <a:defRPr kumimoji="0" sz="1800" b="0" i="0" u="none" strike="noStrike" cap="none" spc="0" normalizeH="0" baseline="0">
             <a:ln>
               <a:noFill/>
             </a:ln>
@@ -8133,8 +7759,7 @@
           <a:buSzTx/>
           <a:buFontTx/>
           <a:buNone/>
-          <a:tabLst/>
-          <a:defRPr b="0" baseline="0" cap="none" i="0" spc="0" strike="noStrike" sz="1800" u="none" kumimoji="0" normalizeH="0">
+          <a:defRPr kumimoji="0" sz="1800" b="0" i="0" u="none" strike="noStrike" cap="none" spc="0" normalizeH="0" baseline="0">
             <a:ln>
               <a:noFill/>
             </a:ln>
@@ -8159,8 +7784,7 @@
           <a:buSzTx/>
           <a:buFontTx/>
           <a:buNone/>
-          <a:tabLst/>
-          <a:defRPr b="0" baseline="0" cap="none" i="0" spc="0" strike="noStrike" sz="1800" u="none" kumimoji="0" normalizeH="0">
+          <a:defRPr kumimoji="0" sz="1800" b="0" i="0" u="none" strike="noStrike" cap="none" spc="0" normalizeH="0" baseline="0">
             <a:ln>
               <a:noFill/>
             </a:ln>
@@ -8185,8 +7809,7 @@
           <a:buSzTx/>
           <a:buFontTx/>
           <a:buNone/>
-          <a:tabLst/>
-          <a:defRPr b="0" baseline="0" cap="none" i="0" spc="0" strike="noStrike" sz="1800" u="none" kumimoji="0" normalizeH="0">
+          <a:defRPr kumimoji="0" sz="1800" b="0" i="0" u="none" strike="noStrike" cap="none" spc="0" normalizeH="0" baseline="0">
             <a:ln>
               <a:noFill/>
             </a:ln>
@@ -8211,8 +7834,7 @@
           <a:buSzTx/>
           <a:buFontTx/>
           <a:buNone/>
-          <a:tabLst/>
-          <a:defRPr b="0" baseline="0" cap="none" i="0" spc="0" strike="noStrike" sz="1800" u="none" kumimoji="0" normalizeH="0">
+          <a:defRPr kumimoji="0" sz="1800" b="0" i="0" u="none" strike="noStrike" cap="none" spc="0" normalizeH="0" baseline="0">
             <a:ln>
               <a:noFill/>
             </a:ln>
@@ -8237,8 +7859,7 @@
           <a:buSzTx/>
           <a:buFontTx/>
           <a:buNone/>
-          <a:tabLst/>
-          <a:defRPr b="0" baseline="0" cap="none" i="0" spc="0" strike="noStrike" sz="1800" u="none" kumimoji="0" normalizeH="0">
+          <a:defRPr kumimoji="0" sz="1800" b="0" i="0" u="none" strike="noStrike" cap="none" spc="0" normalizeH="0" baseline="0">
             <a:ln>
               <a:noFill/>
             </a:ln>
@@ -8263,8 +7884,7 @@
           <a:buSzTx/>
           <a:buFontTx/>
           <a:buNone/>
-          <a:tabLst/>
-          <a:defRPr b="0" baseline="0" cap="none" i="0" spc="0" strike="noStrike" sz="1800" u="none" kumimoji="0" normalizeH="0">
+          <a:defRPr kumimoji="0" sz="1800" b="0" i="0" u="none" strike="noStrike" cap="none" spc="0" normalizeH="0" baseline="0">
             <a:ln>
               <a:noFill/>
             </a:ln>
@@ -8289,8 +7909,7 @@
           <a:buSzTx/>
           <a:buFontTx/>
           <a:buNone/>
-          <a:tabLst/>
-          <a:defRPr b="0" baseline="0" cap="none" i="0" spc="0" strike="noStrike" sz="1800" u="none" kumimoji="0" normalizeH="0">
+          <a:defRPr kumimoji="0" sz="1800" b="0" i="0" u="none" strike="noStrike" cap="none" spc="0" normalizeH="0" baseline="0">
             <a:ln>
               <a:noFill/>
             </a:ln>
@@ -8315,8 +7934,7 @@
           <a:buSzTx/>
           <a:buFontTx/>
           <a:buNone/>
-          <a:tabLst/>
-          <a:defRPr b="0" baseline="0" cap="none" i="0" spc="0" strike="noStrike" sz="1800" u="none" kumimoji="0" normalizeH="0">
+          <a:defRPr kumimoji="0" sz="1800" b="0" i="0" u="none" strike="noStrike" cap="none" spc="0" normalizeH="0" baseline="0">
             <a:ln>
               <a:noFill/>
             </a:ln>
@@ -8329,9 +7947,15 @@
         </a:lvl9pPr>
       </a:lstStyle>
       <a:style>
-        <a:lnRef idx="0"/>
-        <a:fillRef idx="0"/>
-        <a:effectRef idx="0"/>
+        <a:lnRef idx="0">
+          <a:srgbClr val="FFFFFF"/>
+        </a:lnRef>
+        <a:fillRef idx="0">
+          <a:srgbClr val="FFFFFF"/>
+        </a:fillRef>
+        <a:effectRef idx="0">
+          <a:srgbClr val="FFFFFF"/>
+        </a:effectRef>
         <a:fontRef idx="none"/>
       </a:style>
     </a:spDef>
@@ -8346,13 +7970,12 @@
           <a:round/>
         </a:ln>
         <a:effectLst>
-          <a:outerShdw sx="100000" sy="100000" kx="0" ky="0" algn="b" rotWithShape="0" blurRad="50800" dist="25400" dir="5400000">
+          <a:outerShdw blurRad="50800" dist="25400" dir="5400000" rotWithShape="0">
             <a:srgbClr val="000000">
               <a:alpha val="38000"/>
             </a:srgbClr>
           </a:outerShdw>
         </a:effectLst>
-        <a:sp3d/>
       </a:spPr>
       <a:bodyPr rot="0" spcFirstLastPara="1" vertOverflow="overflow" horzOverflow="overflow" vert="horz" wrap="square" lIns="91439" tIns="45719" rIns="91439" bIns="45719" numCol="1" spcCol="38100" rtlCol="0" anchor="t" upright="0">
         <a:noAutofit/>
@@ -8372,8 +7995,7 @@
           <a:buSzTx/>
           <a:buFontTx/>
           <a:buNone/>
-          <a:tabLst/>
-          <a:defRPr b="0" baseline="0" cap="none" i="0" spc="0" strike="noStrike" sz="1800" u="none" kumimoji="0" normalizeH="0">
+          <a:defRPr kumimoji="0" sz="1800" b="0" i="0" u="none" strike="noStrike" cap="none" spc="0" normalizeH="0" baseline="0">
             <a:ln>
               <a:noFill/>
             </a:ln>
@@ -8398,8 +8020,7 @@
           <a:buSzTx/>
           <a:buFontTx/>
           <a:buNone/>
-          <a:tabLst/>
-          <a:defRPr b="0" baseline="0" cap="none" i="0" spc="0" strike="noStrike" sz="1800" u="none" kumimoji="0" normalizeH="0">
+          <a:defRPr kumimoji="0" sz="1800" b="0" i="0" u="none" strike="noStrike" cap="none" spc="0" normalizeH="0" baseline="0">
             <a:ln>
               <a:noFill/>
             </a:ln>
@@ -8424,8 +8045,7 @@
           <a:buSzTx/>
           <a:buFontTx/>
           <a:buNone/>
-          <a:tabLst/>
-          <a:defRPr b="0" baseline="0" cap="none" i="0" spc="0" strike="noStrike" sz="1800" u="none" kumimoji="0" normalizeH="0">
+          <a:defRPr kumimoji="0" sz="1800" b="0" i="0" u="none" strike="noStrike" cap="none" spc="0" normalizeH="0" baseline="0">
             <a:ln>
               <a:noFill/>
             </a:ln>
@@ -8450,8 +8070,7 @@
           <a:buSzTx/>
           <a:buFontTx/>
           <a:buNone/>
-          <a:tabLst/>
-          <a:defRPr b="0" baseline="0" cap="none" i="0" spc="0" strike="noStrike" sz="1800" u="none" kumimoji="0" normalizeH="0">
+          <a:defRPr kumimoji="0" sz="1800" b="0" i="0" u="none" strike="noStrike" cap="none" spc="0" normalizeH="0" baseline="0">
             <a:ln>
               <a:noFill/>
             </a:ln>
@@ -8476,8 +8095,7 @@
           <a:buSzTx/>
           <a:buFontTx/>
           <a:buNone/>
-          <a:tabLst/>
-          <a:defRPr b="0" baseline="0" cap="none" i="0" spc="0" strike="noStrike" sz="1800" u="none" kumimoji="0" normalizeH="0">
+          <a:defRPr kumimoji="0" sz="1800" b="0" i="0" u="none" strike="noStrike" cap="none" spc="0" normalizeH="0" baseline="0">
             <a:ln>
               <a:noFill/>
             </a:ln>
@@ -8502,8 +8120,7 @@
           <a:buSzTx/>
           <a:buFontTx/>
           <a:buNone/>
-          <a:tabLst/>
-          <a:defRPr b="0" baseline="0" cap="none" i="0" spc="0" strike="noStrike" sz="1800" u="none" kumimoji="0" normalizeH="0">
+          <a:defRPr kumimoji="0" sz="1800" b="0" i="0" u="none" strike="noStrike" cap="none" spc="0" normalizeH="0" baseline="0">
             <a:ln>
               <a:noFill/>
             </a:ln>
@@ -8528,8 +8145,7 @@
           <a:buSzTx/>
           <a:buFontTx/>
           <a:buNone/>
-          <a:tabLst/>
-          <a:defRPr b="0" baseline="0" cap="none" i="0" spc="0" strike="noStrike" sz="1800" u="none" kumimoji="0" normalizeH="0">
+          <a:defRPr kumimoji="0" sz="1800" b="0" i="0" u="none" strike="noStrike" cap="none" spc="0" normalizeH="0" baseline="0">
             <a:ln>
               <a:noFill/>
             </a:ln>
@@ -8554,8 +8170,7 @@
           <a:buSzTx/>
           <a:buFontTx/>
           <a:buNone/>
-          <a:tabLst/>
-          <a:defRPr b="0" baseline="0" cap="none" i="0" spc="0" strike="noStrike" sz="1800" u="none" kumimoji="0" normalizeH="0">
+          <a:defRPr kumimoji="0" sz="1800" b="0" i="0" u="none" strike="noStrike" cap="none" spc="0" normalizeH="0" baseline="0">
             <a:ln>
               <a:noFill/>
             </a:ln>
@@ -8580,8 +8195,7 @@
           <a:buSzTx/>
           <a:buFontTx/>
           <a:buNone/>
-          <a:tabLst/>
-          <a:defRPr b="0" baseline="0" cap="none" i="0" spc="0" strike="noStrike" sz="1800" u="none" kumimoji="0" normalizeH="0">
+          <a:defRPr kumimoji="0" sz="1800" b="0" i="0" u="none" strike="noStrike" cap="none" spc="0" normalizeH="0" baseline="0">
             <a:ln>
               <a:noFill/>
             </a:ln>
@@ -8606,8 +8220,7 @@
           <a:buSzTx/>
           <a:buFontTx/>
           <a:buNone/>
-          <a:tabLst/>
-          <a:defRPr b="0" baseline="0" cap="none" i="0" spc="0" strike="noStrike" sz="1800" u="none" kumimoji="0" normalizeH="0">
+          <a:defRPr kumimoji="0" sz="1800" b="0" i="0" u="none" strike="noStrike" cap="none" spc="0" normalizeH="0" baseline="0">
             <a:ln>
               <a:noFill/>
             </a:ln>
@@ -8620,9 +8233,15 @@
         </a:lvl9pPr>
       </a:lstStyle>
       <a:style>
-        <a:lnRef idx="0"/>
-        <a:fillRef idx="0"/>
-        <a:effectRef idx="0"/>
+        <a:lnRef idx="0">
+          <a:srgbClr val="FFFFFF"/>
+        </a:lnRef>
+        <a:fillRef idx="0">
+          <a:srgbClr val="FFFFFF"/>
+        </a:fillRef>
+        <a:effectRef idx="0">
+          <a:srgbClr val="FFFFFF"/>
+        </a:effectRef>
         <a:fontRef idx="none"/>
       </a:style>
     </a:lnDef>
@@ -8633,8 +8252,6 @@
           <a:noFill/>
           <a:miter lim="400000"/>
         </a:ln>
-        <a:effectLst/>
-        <a:sp3d/>
       </a:spPr>
       <a:bodyPr rot="0" spcFirstLastPara="1" vertOverflow="overflow" horzOverflow="overflow" vert="horz" wrap="square" lIns="65023" tIns="65023" rIns="65023" bIns="65023" numCol="1" spcCol="38100" rtlCol="0" anchor="t" upright="0">
         <a:spAutoFit/>
@@ -8654,8 +8271,7 @@
           <a:buSzTx/>
           <a:buFontTx/>
           <a:buNone/>
-          <a:tabLst/>
-          <a:defRPr b="0" baseline="0" cap="none" i="0" spc="0" strike="noStrike" sz="2400" u="none" kumimoji="0" normalizeH="0">
+          <a:defRPr kumimoji="0" sz="2400" b="0" i="0" u="none" strike="noStrike" cap="none" spc="0" normalizeH="0" baseline="0">
             <a:ln>
               <a:noFill/>
             </a:ln>
@@ -8667,7 +8283,7 @@
             <a:latin typeface="+mj-lt"/>
             <a:ea typeface="+mj-ea"/>
             <a:cs typeface="+mj-cs"/>
-            <a:sym typeface="Franklin Gothic Book"/>
+            <a:sym typeface="Franklin Gothic Book" panose="020B0503020102020204"/>
           </a:defRPr>
         </a:defPPr>
         <a:lvl1pPr marL="0" marR="0" indent="0" algn="l" defTabSz="914400" rtl="0" fontAlgn="auto" latinLnBrk="1" hangingPunct="0">
@@ -8684,8 +8300,7 @@
           <a:buSzTx/>
           <a:buFontTx/>
           <a:buNone/>
-          <a:tabLst/>
-          <a:defRPr b="0" baseline="0" cap="none" i="0" spc="0" strike="noStrike" sz="1800" u="none" kumimoji="0" normalizeH="0">
+          <a:defRPr kumimoji="0" sz="1800" b="0" i="0" u="none" strike="noStrike" cap="none" spc="0" normalizeH="0" baseline="0">
             <a:ln>
               <a:noFill/>
             </a:ln>
@@ -8710,8 +8325,7 @@
           <a:buSzTx/>
           <a:buFontTx/>
           <a:buNone/>
-          <a:tabLst/>
-          <a:defRPr b="0" baseline="0" cap="none" i="0" spc="0" strike="noStrike" sz="1800" u="none" kumimoji="0" normalizeH="0">
+          <a:defRPr kumimoji="0" sz="1800" b="0" i="0" u="none" strike="noStrike" cap="none" spc="0" normalizeH="0" baseline="0">
             <a:ln>
               <a:noFill/>
             </a:ln>
@@ -8736,8 +8350,7 @@
           <a:buSzTx/>
           <a:buFontTx/>
           <a:buNone/>
-          <a:tabLst/>
-          <a:defRPr b="0" baseline="0" cap="none" i="0" spc="0" strike="noStrike" sz="1800" u="none" kumimoji="0" normalizeH="0">
+          <a:defRPr kumimoji="0" sz="1800" b="0" i="0" u="none" strike="noStrike" cap="none" spc="0" normalizeH="0" baseline="0">
             <a:ln>
               <a:noFill/>
             </a:ln>
@@ -8762,8 +8375,7 @@
           <a:buSzTx/>
           <a:buFontTx/>
           <a:buNone/>
-          <a:tabLst/>
-          <a:defRPr b="0" baseline="0" cap="none" i="0" spc="0" strike="noStrike" sz="1800" u="none" kumimoji="0" normalizeH="0">
+          <a:defRPr kumimoji="0" sz="1800" b="0" i="0" u="none" strike="noStrike" cap="none" spc="0" normalizeH="0" baseline="0">
             <a:ln>
               <a:noFill/>
             </a:ln>
@@ -8788,8 +8400,7 @@
           <a:buSzTx/>
           <a:buFontTx/>
           <a:buNone/>
-          <a:tabLst/>
-          <a:defRPr b="0" baseline="0" cap="none" i="0" spc="0" strike="noStrike" sz="1800" u="none" kumimoji="0" normalizeH="0">
+          <a:defRPr kumimoji="0" sz="1800" b="0" i="0" u="none" strike="noStrike" cap="none" spc="0" normalizeH="0" baseline="0">
             <a:ln>
               <a:noFill/>
             </a:ln>
@@ -8814,8 +8425,7 @@
           <a:buSzTx/>
           <a:buFontTx/>
           <a:buNone/>
-          <a:tabLst/>
-          <a:defRPr b="0" baseline="0" cap="none" i="0" spc="0" strike="noStrike" sz="1800" u="none" kumimoji="0" normalizeH="0">
+          <a:defRPr kumimoji="0" sz="1800" b="0" i="0" u="none" strike="noStrike" cap="none" spc="0" normalizeH="0" baseline="0">
             <a:ln>
               <a:noFill/>
             </a:ln>
@@ -8840,8 +8450,7 @@
           <a:buSzTx/>
           <a:buFontTx/>
           <a:buNone/>
-          <a:tabLst/>
-          <a:defRPr b="0" baseline="0" cap="none" i="0" spc="0" strike="noStrike" sz="1800" u="none" kumimoji="0" normalizeH="0">
+          <a:defRPr kumimoji="0" sz="1800" b="0" i="0" u="none" strike="noStrike" cap="none" spc="0" normalizeH="0" baseline="0">
             <a:ln>
               <a:noFill/>
             </a:ln>
@@ -8866,8 +8475,7 @@
           <a:buSzTx/>
           <a:buFontTx/>
           <a:buNone/>
-          <a:tabLst/>
-          <a:defRPr b="0" baseline="0" cap="none" i="0" spc="0" strike="noStrike" sz="1800" u="none" kumimoji="0" normalizeH="0">
+          <a:defRPr kumimoji="0" sz="1800" b="0" i="0" u="none" strike="noStrike" cap="none" spc="0" normalizeH="0" baseline="0">
             <a:ln>
               <a:noFill/>
             </a:ln>
@@ -8892,8 +8500,7 @@
           <a:buSzTx/>
           <a:buFontTx/>
           <a:buNone/>
-          <a:tabLst/>
-          <a:defRPr b="0" baseline="0" cap="none" i="0" spc="0" strike="noStrike" sz="1800" u="none" kumimoji="0" normalizeH="0">
+          <a:defRPr kumimoji="0" sz="1800" b="0" i="0" u="none" strike="noStrike" cap="none" spc="0" normalizeH="0" baseline="0">
             <a:ln>
               <a:noFill/>
             </a:ln>
@@ -8906,12 +8513,23 @@
         </a:lvl9pPr>
       </a:lstStyle>
       <a:style>
-        <a:lnRef idx="0"/>
-        <a:fillRef idx="0"/>
-        <a:effectRef idx="0"/>
+        <a:lnRef idx="0">
+          <a:srgbClr val="FFFFFF"/>
+        </a:lnRef>
+        <a:fillRef idx="0">
+          <a:srgbClr val="FFFFFF"/>
+        </a:fillRef>
+        <a:effectRef idx="0">
+          <a:srgbClr val="FFFFFF"/>
+        </a:effectRef>
         <a:fontRef idx="none"/>
       </a:style>
     </a:txDef>
   </a:objectDefaults>
+  <a:extLst>
+    <a:ext uri="{05A4C25C-085E-4340-85A3-A5531E510DB2}">
+      <thm15:themeFamily xmlns:thm15="http://schemas.microsoft.com/office/thememl/2012/main" name="Office Theme" id="{62F939B6-93AF-4DB8-9C6B-D6C7DFDC589F}" vid="{4A3C46E8-61CC-4603-A589-7422A47A8E4A}"/>
+    </a:ext>
+  </a:extLst>
 </a:theme>
 </file>
--- a/src/main/webapp/sym/syme-intro.pptx
+++ b/src/main/webapp/sym/syme-intro.pptx
@@ -37,6 +37,9 @@
   </p:sldIdLst>
   <p:sldSz cx="13004800" cy="9753600"/>
   <p:notesSz cx="6858000" cy="9144000"/>
+  <p:custDataLst>
+    <p:tags r:id="rId33"/>
+  </p:custDataLst>
   <p:defaultTextStyle>
     <a:defPPr marL="0" marR="0" indent="0" algn="l" defTabSz="914400" rtl="0" fontAlgn="auto" latinLnBrk="1" hangingPunct="0">
       <a:lnSpc>
@@ -4628,6 +4631,9 @@
               </a:rPr>
               <a:t>投票表单</a:t>
             </a:r>
+            <a:endParaRPr lang="zh-CN">
+              <a:ea typeface="宋体" panose="02010600030101010101" pitchFamily="2" charset="-122"/>
+            </a:endParaRPr>
           </a:p>
           <a:p>
             <a:pPr marL="316865" indent="-316865" defTabSz="1287145">
@@ -5821,7 +5827,7 @@
             </a:r>
             <a:r>
               <a:rPr>
-                <a:hlinkClick r:id="rId1" tooltip=""/>
+                <a:hlinkClick r:id="rId1"/>
               </a:rPr>
               <a:t>http://bbs.ivrpano.com</a:t>
             </a:r>
@@ -5877,12 +5883,29 @@
           </a:p>
           <a:p>
             <a:r>
+              <a:t>GeeCall极客社区 </a:t>
+            </a:r>
+            <a:r>
+              <a:rPr>
+                <a:hlinkClick r:id="rId2" tooltip=""/>
+              </a:rPr>
+              <a:t>http://geecall.com</a:t>
+            </a:r>
+          </a:p>
+          <a:p>
+            <a:r>
               <a:t>深圳平安（在建中，三村晖教育平台社区）</a:t>
             </a:r>
           </a:p>
           <a:p>
             <a:r>
-              <a:t>深圳金蝶（在建中，精斗云社区）</a:t>
+              <a:t>深圳金蝶 </a:t>
+            </a:r>
+            <a:r>
+              <a:rPr>
+                <a:hlinkClick r:id="rId3" action="ppaction://hlinkfile"/>
+              </a:rPr>
+              <a:t>https://cs.jdy.com</a:t>
             </a:r>
           </a:p>
           <a:p>
@@ -6386,6 +6409,12 @@
   </p:clrMapOvr>
   <p:transition spd="med"/>
 </p:sld>
+</file>
+
+<file path=ppt/tags/tag1.xml><?xml version="1.0" encoding="utf-8"?>
+<p:tagLst xmlns:p="http://schemas.openxmlformats.org/presentationml/2006/main">
+  <p:tag name="KSO_WM_DOC_GUID" val="{fceee0d5-dd62-4a8f-8d5e-b465a83cc8a5}"/>
+</p:tagLst>
 </file>
 
 <file path=ppt/theme/theme1.xml><?xml version="1.0" encoding="utf-8"?>

--- a/src/main/webapp/sym/syme-intro.pptx
+++ b/src/main/webapp/sym/syme-intro.pptx
@@ -5862,24 +5862,21 @@
           </a:p>
           <a:p>
             <a:r>
-              <a:t>一帆时空 </a:t>
-            </a:r>
-            <a:r>
-              <a:rPr u="sng">
-                <a:solidFill>
-                  <a:srgbClr val="0563C1"/>
-                </a:solidFill>
-                <a:uFill>
-                  <a:solidFill>
-                    <a:srgbClr val="0563C1"/>
-                  </a:solidFill>
-                </a:uFill>
+              <a:rPr lang="zh-CN">
+                <a:ea typeface="宋体" panose="02010600030101010101" pitchFamily="2" charset="-122"/>
               </a:rPr>
-              <a:t>https://tapdealing.com</a:t>
-            </a:r>
-            <a:r>
-              <a:t> （电商导购）</a:t>
-            </a:r>
+              <a:t>神州邦邦 </a:t>
+            </a:r>
+            <a:r>
+              <a:rPr lang="zh-CN">
+                <a:ea typeface="宋体" panose="02010600030101010101" pitchFamily="2" charset="-122"/>
+                <a:hlinkClick r:id="rId2" tooltip="" action="ppaction://hlinkfile"/>
+              </a:rPr>
+              <a:t>https://c.shenzhoubb.com</a:t>
+            </a:r>
+            <a:endParaRPr lang="zh-CN">
+              <a:ea typeface="宋体" panose="02010600030101010101" pitchFamily="2" charset="-122"/>
+            </a:endParaRPr>
           </a:p>
           <a:p>
             <a:r>
@@ -5887,7 +5884,7 @@
             </a:r>
             <a:r>
               <a:rPr>
-                <a:hlinkClick r:id="rId2" tooltip=""/>
+                <a:hlinkClick r:id="rId3"/>
               </a:rPr>
               <a:t>http://geecall.com</a:t>
             </a:r>
@@ -5903,7 +5900,7 @@
             </a:r>
             <a:r>
               <a:rPr>
-                <a:hlinkClick r:id="rId3" action="ppaction://hlinkfile"/>
+                <a:hlinkClick r:id="rId4" action="ppaction://hlinkfile"/>
               </a:rPr>
               <a:t>https://cs.jdy.com</a:t>
             </a:r>
